--- a/Sideprojetc.pptx
+++ b/Sideprojetc.pptx
@@ -127,7 +127,7 @@
   </p:defaultTextStyle>
   <p:extLst>
     <p:ext uri="{EFAFB233-063F-42B5-8137-9DF3F51BA10A}">
-      <p15:sldGuideLst xmlns:p15="http://schemas.microsoft.com/office/powerpoint/2012/main" xmlns="">
+      <p15:sldGuideLst xmlns="" xmlns:p15="http://schemas.microsoft.com/office/powerpoint/2012/main">
         <p15:guide id="2" pos="3840" userDrawn="1">
           <p15:clr>
             <a:srgbClr val="A4A3A4"/>
@@ -1478,8 +1478,8 @@
         </p:nvSpPr>
         <p:spPr>
           <a:xfrm>
-            <a:off x="2092344" y="2903221"/>
-            <a:ext cx="8007321" cy="1200329"/>
+            <a:off x="2174098" y="2903221"/>
+            <a:ext cx="7843814" cy="1200329"/>
           </a:xfrm>
           <a:prstGeom prst="rect">
             <a:avLst/>
@@ -1505,7 +1505,7 @@
                 <a:cs typeface="+mn-ea"/>
                 <a:sym typeface="+mn-lt"/>
               </a:rPr>
-              <a:t>自創</a:t>
+              <a:t>時裝</a:t>
             </a:r>
             <a:r>
               <a:rPr lang="zh-TW" altLang="en-US" sz="7200" dirty="0" smtClean="0">
@@ -1619,7 +1619,7 @@
         <p:spPr>
           <a:xfrm>
             <a:off x="3078870" y="4057016"/>
-            <a:ext cx="6034267" cy="276999"/>
+            <a:ext cx="6034267" cy="338554"/>
           </a:xfrm>
           <a:prstGeom prst="rect">
             <a:avLst/>
@@ -1634,23 +1634,49 @@
           <a:p>
             <a:pPr algn="ctr"/>
             <a:r>
-              <a:rPr lang="en-US" altLang="zh-CN" sz="1200" dirty="0" smtClean="0">
+              <a:rPr lang="en-US" altLang="zh-CN" sz="1600" dirty="0" smtClean="0">
                 <a:solidFill>
                   <a:schemeClr val="tx1">
-                    <a:lumMod val="65000"/>
-                    <a:lumOff val="35000"/>
+                    <a:lumMod val="50000"/>
+                    <a:lumOff val="50000"/>
                   </a:schemeClr>
                 </a:solidFill>
                 <a:cs typeface="+mn-ea"/>
                 <a:sym typeface="+mn-lt"/>
               </a:rPr>
-              <a:t>Side project – data analyst</a:t>
+              <a:t>Side project – </a:t>
             </a:r>
-            <a:endParaRPr lang="zh-CN" altLang="en-US" sz="1200" dirty="0">
+            <a:r>
+              <a:rPr lang="en-US" altLang="zh-TW" sz="1600" dirty="0" smtClean="0">
+                <a:solidFill>
+                  <a:schemeClr val="tx1">
+                    <a:lumMod val="50000"/>
+                    <a:lumOff val="50000"/>
+                  </a:schemeClr>
+                </a:solidFill>
+                <a:cs typeface="+mn-ea"/>
+                <a:sym typeface="+mn-lt"/>
+              </a:rPr>
+              <a:t>D</a:t>
+            </a:r>
+            <a:r>
+              <a:rPr lang="en-US" altLang="zh-CN" sz="1600" dirty="0" smtClean="0">
+                <a:solidFill>
+                  <a:schemeClr val="tx1">
+                    <a:lumMod val="50000"/>
+                    <a:lumOff val="50000"/>
+                  </a:schemeClr>
+                </a:solidFill>
+                <a:cs typeface="+mn-ea"/>
+                <a:sym typeface="+mn-lt"/>
+              </a:rPr>
+              <a:t>ata analysis</a:t>
+            </a:r>
+            <a:endParaRPr lang="zh-CN" altLang="en-US" sz="1600" dirty="0">
               <a:solidFill>
                 <a:schemeClr val="tx1">
-                  <a:lumMod val="65000"/>
-                  <a:lumOff val="35000"/>
+                  <a:lumMod val="50000"/>
+                  <a:lumOff val="50000"/>
                 </a:schemeClr>
               </a:solidFill>
               <a:cs typeface="+mn-ea"/>
@@ -8243,7 +8269,7 @@
   <a:extraClrSchemeLst/>
   <a:extLst>
     <a:ext uri="{05A4C25C-085E-4340-85A3-A5531E510DB2}">
-      <thm15:themeFamily xmlns:thm15="http://schemas.microsoft.com/office/thememl/2012/main" xmlns="" name="Office Theme" id="{62F939B6-93AF-4DB8-9C6B-D6C7DFDC589F}" vid="{4A3C46E8-61CC-4603-A589-7422A47A8E4A}"/>
+      <thm15:themeFamily xmlns="" xmlns:thm15="http://schemas.microsoft.com/office/thememl/2012/main" name="Office Theme" id="{62F939B6-93AF-4DB8-9C6B-D6C7DFDC589F}" vid="{4A3C46E8-61CC-4603-A589-7422A47A8E4A}"/>
     </a:ext>
   </a:extLst>
 </a:theme>
@@ -8504,7 +8530,7 @@
   <a:extraClrSchemeLst/>
   <a:extLst>
     <a:ext uri="{05A4C25C-085E-4340-85A3-A5531E510DB2}">
-      <thm15:themeFamily xmlns:thm15="http://schemas.microsoft.com/office/thememl/2012/main" xmlns="" name="Office Theme" id="{62F939B6-93AF-4DB8-9C6B-D6C7DFDC589F}" vid="{4A3C46E8-61CC-4603-A589-7422A47A8E4A}"/>
+      <thm15:themeFamily xmlns="" xmlns:thm15="http://schemas.microsoft.com/office/thememl/2012/main" name="Office Theme" id="{62F939B6-93AF-4DB8-9C6B-D6C7DFDC589F}" vid="{4A3C46E8-61CC-4603-A589-7422A47A8E4A}"/>
     </a:ext>
   </a:extLst>
 </a:theme>

--- a/Sideprojetc.pptx
+++ b/Sideprojetc.pptx
@@ -5,28 +5,35 @@
     <p:sldMasterId id="2147483651" r:id="rId1"/>
   </p:sldMasterIdLst>
   <p:notesMasterIdLst>
-    <p:notesMasterId r:id="rId21"/>
+    <p:notesMasterId r:id="rId28"/>
   </p:notesMasterIdLst>
   <p:sldIdLst>
     <p:sldId id="258" r:id="rId2"/>
-    <p:sldId id="275" r:id="rId3"/>
-    <p:sldId id="284" r:id="rId4"/>
-    <p:sldId id="303" r:id="rId5"/>
-    <p:sldId id="298" r:id="rId6"/>
-    <p:sldId id="297" r:id="rId7"/>
-    <p:sldId id="296" r:id="rId8"/>
-    <p:sldId id="295" r:id="rId9"/>
-    <p:sldId id="294" r:id="rId10"/>
-    <p:sldId id="293" r:id="rId11"/>
-    <p:sldId id="285" r:id="rId12"/>
-    <p:sldId id="289" r:id="rId13"/>
-    <p:sldId id="288" r:id="rId14"/>
-    <p:sldId id="287" r:id="rId15"/>
-    <p:sldId id="292" r:id="rId16"/>
-    <p:sldId id="290" r:id="rId17"/>
-    <p:sldId id="299" r:id="rId18"/>
-    <p:sldId id="286" r:id="rId19"/>
-    <p:sldId id="276" r:id="rId20"/>
+    <p:sldId id="304" r:id="rId3"/>
+    <p:sldId id="309" r:id="rId4"/>
+    <p:sldId id="312" r:id="rId5"/>
+    <p:sldId id="314" r:id="rId6"/>
+    <p:sldId id="315" r:id="rId7"/>
+    <p:sldId id="317" r:id="rId8"/>
+    <p:sldId id="307" r:id="rId9"/>
+    <p:sldId id="308" r:id="rId10"/>
+    <p:sldId id="303" r:id="rId11"/>
+    <p:sldId id="297" r:id="rId12"/>
+    <p:sldId id="295" r:id="rId13"/>
+    <p:sldId id="294" r:id="rId14"/>
+    <p:sldId id="296" r:id="rId15"/>
+    <p:sldId id="293" r:id="rId16"/>
+    <p:sldId id="285" r:id="rId17"/>
+    <p:sldId id="289" r:id="rId18"/>
+    <p:sldId id="288" r:id="rId19"/>
+    <p:sldId id="287" r:id="rId20"/>
+    <p:sldId id="292" r:id="rId21"/>
+    <p:sldId id="290" r:id="rId22"/>
+    <p:sldId id="286" r:id="rId23"/>
+    <p:sldId id="318" r:id="rId24"/>
+    <p:sldId id="319" r:id="rId25"/>
+    <p:sldId id="311" r:id="rId26"/>
+    <p:sldId id="276" r:id="rId27"/>
   </p:sldIdLst>
   <p:sldSz cx="12192000" cy="6858000"/>
   <p:notesSz cx="6858000" cy="9144000"/>
@@ -227,7 +234,7 @@
             <a:fld id="{A109EA2A-4C48-4C61-B30A-DAB1A3E93B21}" type="datetimeFigureOut">
               <a:rPr lang="zh-CN" altLang="en-US" smtClean="0"/>
               <a:pPr/>
-              <a:t>2021/11/4</a:t>
+              <a:t>2021/11/5</a:t>
             </a:fld>
             <a:endParaRPr lang="zh-CN" altLang="en-US"/>
           </a:p>
@@ -561,7 +568,7 @@
             <a:fld id="{74B31000-9408-426B-B873-D4C066E48AF8}" type="slidenum">
               <a:rPr lang="zh-CN" altLang="en-US" smtClean="0"/>
               <a:pPr/>
-              <a:t>4</a:t>
+              <a:t>10</a:t>
             </a:fld>
             <a:endParaRPr lang="zh-CN" altLang="en-US"/>
           </a:p>
@@ -646,7 +653,7 @@
             <a:fld id="{74B31000-9408-426B-B873-D4C066E48AF8}" type="slidenum">
               <a:rPr lang="zh-CN" altLang="en-US" smtClean="0"/>
               <a:pPr/>
-              <a:t>6</a:t>
+              <a:t>11</a:t>
             </a:fld>
             <a:endParaRPr lang="zh-CN" altLang="en-US"/>
           </a:p>
@@ -731,7 +738,7 @@
             <a:fld id="{74B31000-9408-426B-B873-D4C066E48AF8}" type="slidenum">
               <a:rPr lang="zh-CN" altLang="en-US" smtClean="0"/>
               <a:pPr/>
-              <a:t>7</a:t>
+              <a:t>13</a:t>
             </a:fld>
             <a:endParaRPr lang="zh-CN" altLang="en-US"/>
           </a:p>
@@ -740,7 +747,7 @@
     </p:spTree>
     <p:extLst>
       <p:ext uri="{BB962C8B-B14F-4D97-AF65-F5344CB8AC3E}">
-        <p14:creationId xmlns:p14="http://schemas.microsoft.com/office/powerpoint/2010/main" val="3634709747"/>
+        <p14:creationId xmlns:p14="http://schemas.microsoft.com/office/powerpoint/2010/main" val="1135455861"/>
       </p:ext>
     </p:extLst>
   </p:cSld>
@@ -816,7 +823,7 @@
             <a:fld id="{74B31000-9408-426B-B873-D4C066E48AF8}" type="slidenum">
               <a:rPr lang="zh-CN" altLang="en-US" smtClean="0"/>
               <a:pPr/>
-              <a:t>9</a:t>
+              <a:t>14</a:t>
             </a:fld>
             <a:endParaRPr lang="zh-CN" altLang="en-US"/>
           </a:p>
@@ -825,7 +832,7 @@
     </p:spTree>
     <p:extLst>
       <p:ext uri="{BB962C8B-B14F-4D97-AF65-F5344CB8AC3E}">
-        <p14:creationId xmlns:p14="http://schemas.microsoft.com/office/powerpoint/2010/main" val="1135455861"/>
+        <p14:creationId xmlns:p14="http://schemas.microsoft.com/office/powerpoint/2010/main" val="3634709747"/>
       </p:ext>
     </p:extLst>
   </p:cSld>
@@ -901,7 +908,7 @@
             <a:fld id="{74B31000-9408-426B-B873-D4C066E48AF8}" type="slidenum">
               <a:rPr lang="zh-CN" altLang="en-US" smtClean="0"/>
               <a:pPr/>
-              <a:t>10</a:t>
+              <a:t>15</a:t>
             </a:fld>
             <a:endParaRPr lang="zh-CN" altLang="en-US"/>
           </a:p>
@@ -986,7 +993,7 @@
             <a:fld id="{74B31000-9408-426B-B873-D4C066E48AF8}" type="slidenum">
               <a:rPr lang="zh-CN" altLang="en-US" smtClean="0"/>
               <a:pPr/>
-              <a:t>14</a:t>
+              <a:t>19</a:t>
             </a:fld>
             <a:endParaRPr lang="zh-CN" altLang="en-US"/>
           </a:p>
@@ -996,6 +1003,176 @@
     <p:extLst>
       <p:ext uri="{BB962C8B-B14F-4D97-AF65-F5344CB8AC3E}">
         <p14:creationId xmlns:p14="http://schemas.microsoft.com/office/powerpoint/2010/main" val="2261259778"/>
+      </p:ext>
+    </p:extLst>
+  </p:cSld>
+  <p:clrMapOvr>
+    <a:masterClrMapping/>
+  </p:clrMapOvr>
+</p:notes>
+</file>
+
+<file path=ppt/notesSlides/notesSlide7.xml><?xml version="1.0" encoding="utf-8"?>
+<p:notes xmlns:a="http://schemas.openxmlformats.org/drawingml/2006/main" xmlns:r="http://schemas.openxmlformats.org/officeDocument/2006/relationships" xmlns:p="http://schemas.openxmlformats.org/presentationml/2006/main">
+  <p:cSld>
+    <p:spTree>
+      <p:nvGrpSpPr>
+        <p:cNvPr id="1" name=""/>
+        <p:cNvGrpSpPr/>
+        <p:nvPr/>
+      </p:nvGrpSpPr>
+      <p:grpSpPr>
+        <a:xfrm>
+          <a:off x="0" y="0"/>
+          <a:ext cx="0" cy="0"/>
+          <a:chOff x="0" y="0"/>
+          <a:chExt cx="0" cy="0"/>
+        </a:xfrm>
+      </p:grpSpPr>
+      <p:sp>
+        <p:nvSpPr>
+          <p:cNvPr id="2" name="投影片圖像版面配置區 1"/>
+          <p:cNvSpPr>
+            <a:spLocks noGrp="1" noRot="1" noChangeAspect="1"/>
+          </p:cNvSpPr>
+          <p:nvPr>
+            <p:ph type="sldImg"/>
+          </p:nvPr>
+        </p:nvSpPr>
+        <p:spPr/>
+      </p:sp>
+      <p:sp>
+        <p:nvSpPr>
+          <p:cNvPr id="3" name="備忘稿版面配置區 2"/>
+          <p:cNvSpPr>
+            <a:spLocks noGrp="1"/>
+          </p:cNvSpPr>
+          <p:nvPr>
+            <p:ph type="body" idx="1"/>
+          </p:nvPr>
+        </p:nvSpPr>
+        <p:spPr/>
+        <p:txBody>
+          <a:bodyPr/>
+          <a:lstStyle/>
+          <a:p>
+            <a:endParaRPr lang="zh-TW" altLang="en-US" dirty="0"/>
+          </a:p>
+        </p:txBody>
+      </p:sp>
+      <p:sp>
+        <p:nvSpPr>
+          <p:cNvPr id="4" name="投影片編號版面配置區 3"/>
+          <p:cNvSpPr>
+            <a:spLocks noGrp="1"/>
+          </p:cNvSpPr>
+          <p:nvPr>
+            <p:ph type="sldNum" sz="quarter" idx="10"/>
+          </p:nvPr>
+        </p:nvSpPr>
+        <p:spPr/>
+        <p:txBody>
+          <a:bodyPr/>
+          <a:lstStyle/>
+          <a:p>
+            <a:fld id="{74B31000-9408-426B-B873-D4C066E48AF8}" type="slidenum">
+              <a:rPr lang="zh-CN" altLang="en-US" smtClean="0"/>
+              <a:pPr/>
+              <a:t>23</a:t>
+            </a:fld>
+            <a:endParaRPr lang="zh-CN" altLang="en-US"/>
+          </a:p>
+        </p:txBody>
+      </p:sp>
+    </p:spTree>
+    <p:extLst>
+      <p:ext uri="{BB962C8B-B14F-4D97-AF65-F5344CB8AC3E}">
+        <p14:creationId xmlns:p14="http://schemas.microsoft.com/office/powerpoint/2010/main" val="1139128948"/>
+      </p:ext>
+    </p:extLst>
+  </p:cSld>
+  <p:clrMapOvr>
+    <a:masterClrMapping/>
+  </p:clrMapOvr>
+</p:notes>
+</file>
+
+<file path=ppt/notesSlides/notesSlide8.xml><?xml version="1.0" encoding="utf-8"?>
+<p:notes xmlns:a="http://schemas.openxmlformats.org/drawingml/2006/main" xmlns:r="http://schemas.openxmlformats.org/officeDocument/2006/relationships" xmlns:p="http://schemas.openxmlformats.org/presentationml/2006/main">
+  <p:cSld>
+    <p:spTree>
+      <p:nvGrpSpPr>
+        <p:cNvPr id="1" name=""/>
+        <p:cNvGrpSpPr/>
+        <p:nvPr/>
+      </p:nvGrpSpPr>
+      <p:grpSpPr>
+        <a:xfrm>
+          <a:off x="0" y="0"/>
+          <a:ext cx="0" cy="0"/>
+          <a:chOff x="0" y="0"/>
+          <a:chExt cx="0" cy="0"/>
+        </a:xfrm>
+      </p:grpSpPr>
+      <p:sp>
+        <p:nvSpPr>
+          <p:cNvPr id="2" name="投影片圖像版面配置區 1"/>
+          <p:cNvSpPr>
+            <a:spLocks noGrp="1" noRot="1" noChangeAspect="1"/>
+          </p:cNvSpPr>
+          <p:nvPr>
+            <p:ph type="sldImg"/>
+          </p:nvPr>
+        </p:nvSpPr>
+        <p:spPr/>
+      </p:sp>
+      <p:sp>
+        <p:nvSpPr>
+          <p:cNvPr id="3" name="備忘稿版面配置區 2"/>
+          <p:cNvSpPr>
+            <a:spLocks noGrp="1"/>
+          </p:cNvSpPr>
+          <p:nvPr>
+            <p:ph type="body" idx="1"/>
+          </p:nvPr>
+        </p:nvSpPr>
+        <p:spPr/>
+        <p:txBody>
+          <a:bodyPr/>
+          <a:lstStyle/>
+          <a:p>
+            <a:endParaRPr lang="zh-TW" altLang="en-US" dirty="0"/>
+          </a:p>
+        </p:txBody>
+      </p:sp>
+      <p:sp>
+        <p:nvSpPr>
+          <p:cNvPr id="4" name="投影片編號版面配置區 3"/>
+          <p:cNvSpPr>
+            <a:spLocks noGrp="1"/>
+          </p:cNvSpPr>
+          <p:nvPr>
+            <p:ph type="sldNum" sz="quarter" idx="10"/>
+          </p:nvPr>
+        </p:nvSpPr>
+        <p:spPr/>
+        <p:txBody>
+          <a:bodyPr/>
+          <a:lstStyle/>
+          <a:p>
+            <a:fld id="{74B31000-9408-426B-B873-D4C066E48AF8}" type="slidenum">
+              <a:rPr lang="zh-CN" altLang="en-US" smtClean="0"/>
+              <a:pPr/>
+              <a:t>24</a:t>
+            </a:fld>
+            <a:endParaRPr lang="zh-CN" altLang="en-US"/>
+          </a:p>
+        </p:txBody>
+      </p:sp>
+    </p:spTree>
+    <p:extLst>
+      <p:ext uri="{BB962C8B-B14F-4D97-AF65-F5344CB8AC3E}">
+        <p14:creationId xmlns:p14="http://schemas.microsoft.com/office/powerpoint/2010/main" val="1139128948"/>
       </p:ext>
     </p:extLst>
   </p:cSld>
@@ -1478,8 +1655,8 @@
         </p:nvSpPr>
         <p:spPr>
           <a:xfrm>
-            <a:off x="2174098" y="2903221"/>
-            <a:ext cx="7843814" cy="1200329"/>
+            <a:off x="2079521" y="2903221"/>
+            <a:ext cx="8032969" cy="1200329"/>
           </a:xfrm>
           <a:prstGeom prst="rect">
             <a:avLst/>
@@ -1501,11 +1678,12 @@
                     <a:lumOff val="35000"/>
                   </a:schemeClr>
                 </a:solidFill>
-                <a:latin typeface="Impact" panose="020B0806030902050204" pitchFamily="34" charset="0"/>
+                <a:latin typeface="標楷體" pitchFamily="65" charset="-120"/>
+                <a:ea typeface="標楷體" pitchFamily="65" charset="-120"/>
                 <a:cs typeface="+mn-ea"/>
                 <a:sym typeface="+mn-lt"/>
               </a:rPr>
-              <a:t>時裝</a:t>
+              <a:t>配件</a:t>
             </a:r>
             <a:r>
               <a:rPr lang="zh-TW" altLang="en-US" sz="7200" dirty="0" smtClean="0">
@@ -1515,7 +1693,8 @@
                     <a:lumOff val="35000"/>
                   </a:schemeClr>
                 </a:solidFill>
-                <a:latin typeface="Impact" panose="020B0806030902050204" pitchFamily="34" charset="0"/>
+                <a:latin typeface="標楷體" pitchFamily="65" charset="-120"/>
+                <a:ea typeface="標楷體" pitchFamily="65" charset="-120"/>
                 <a:cs typeface="+mn-ea"/>
                 <a:sym typeface="+mn-lt"/>
               </a:rPr>
@@ -1529,7 +1708,8 @@
                     <a:lumOff val="35000"/>
                   </a:schemeClr>
                 </a:solidFill>
-                <a:latin typeface="Impact" panose="020B0806030902050204" pitchFamily="34" charset="0"/>
+                <a:latin typeface="標楷體" pitchFamily="65" charset="-120"/>
+                <a:ea typeface="標楷體" pitchFamily="65" charset="-120"/>
                 <a:cs typeface="+mn-ea"/>
                 <a:sym typeface="+mn-lt"/>
               </a:rPr>
@@ -1543,7 +1723,8 @@
                     <a:lumOff val="35000"/>
                   </a:schemeClr>
                 </a:solidFill>
-                <a:latin typeface="Impact" panose="020B0806030902050204" pitchFamily="34" charset="0"/>
+                <a:latin typeface="標楷體" pitchFamily="65" charset="-120"/>
+                <a:ea typeface="標楷體" pitchFamily="65" charset="-120"/>
                 <a:cs typeface="+mn-ea"/>
                 <a:sym typeface="+mn-lt"/>
               </a:rPr>
@@ -1553,7 +1734,8 @@
               <a:solidFill>
                 <a:srgbClr val="48A2A0"/>
               </a:solidFill>
-              <a:latin typeface="Impact" panose="020B0806030902050204" pitchFamily="34" charset="0"/>
+              <a:latin typeface="標楷體" pitchFamily="65" charset="-120"/>
+              <a:ea typeface="標楷體" pitchFamily="65" charset="-120"/>
               <a:cs typeface="+mn-ea"/>
               <a:sym typeface="+mn-lt"/>
             </a:endParaRPr>
@@ -1568,8 +1750,8 @@
         </p:nvSpPr>
         <p:spPr>
           <a:xfrm>
-            <a:off x="5018621" y="1829482"/>
-            <a:ext cx="2154757" cy="1323439"/>
+            <a:off x="4814238" y="1829482"/>
+            <a:ext cx="2563523" cy="1323439"/>
           </a:xfrm>
           <a:prstGeom prst="rect">
             <a:avLst/>
@@ -1590,7 +1772,8 @@
                     <a:lumOff val="35000"/>
                   </a:schemeClr>
                 </a:solidFill>
-                <a:latin typeface="Impact" panose="020B0806030902050204" pitchFamily="34" charset="0"/>
+                <a:latin typeface="微軟正黑體" pitchFamily="34" charset="-120"/>
+                <a:ea typeface="微軟正黑體" pitchFamily="34" charset="-120"/>
                 <a:cs typeface="+mn-ea"/>
                 <a:sym typeface="+mn-lt"/>
               </a:rPr>
@@ -1603,7 +1786,8 @@
                   <a:lumOff val="35000"/>
                 </a:schemeClr>
               </a:solidFill>
-              <a:latin typeface="Impact" panose="020B0806030902050204" pitchFamily="34" charset="0"/>
+              <a:latin typeface="微軟正黑體" pitchFamily="34" charset="-120"/>
+              <a:ea typeface="微軟正黑體" pitchFamily="34" charset="-120"/>
               <a:cs typeface="+mn-ea"/>
               <a:sym typeface="+mn-lt"/>
             </a:endParaRPr>
@@ -1619,7 +1803,7 @@
         <p:spPr>
           <a:xfrm>
             <a:off x="3078870" y="4057016"/>
-            <a:ext cx="6034267" cy="338554"/>
+            <a:ext cx="6034267" cy="400110"/>
           </a:xfrm>
           <a:prstGeom prst="rect">
             <a:avLst/>
@@ -1634,51 +1818,107 @@
           <a:p>
             <a:pPr algn="ctr"/>
             <a:r>
-              <a:rPr lang="en-US" altLang="zh-CN" sz="1600" dirty="0" smtClean="0">
+              <a:rPr lang="en-US" altLang="zh-CN" sz="2000" dirty="0" smtClean="0">
                 <a:solidFill>
-                  <a:schemeClr val="tx1">
-                    <a:lumMod val="50000"/>
-                    <a:lumOff val="50000"/>
-                  </a:schemeClr>
+                  <a:schemeClr val="accent6"/>
                 </a:solidFill>
+                <a:latin typeface="+mj-ea"/>
+                <a:ea typeface="+mj-ea"/>
                 <a:cs typeface="+mn-ea"/>
                 <a:sym typeface="+mn-lt"/>
               </a:rPr>
-              <a:t>Side project – </a:t>
+              <a:t>Side </a:t>
             </a:r>
             <a:r>
-              <a:rPr lang="en-US" altLang="zh-TW" sz="1600" dirty="0" smtClean="0">
+              <a:rPr lang="en-US" altLang="zh-TW" sz="2000" dirty="0" smtClean="0">
                 <a:solidFill>
-                  <a:schemeClr val="tx1">
-                    <a:lumMod val="50000"/>
-                    <a:lumOff val="50000"/>
-                  </a:schemeClr>
+                  <a:schemeClr val="accent6"/>
                 </a:solidFill>
+                <a:latin typeface="+mj-ea"/>
+                <a:ea typeface="+mj-ea"/>
+                <a:cs typeface="+mn-ea"/>
+                <a:sym typeface="+mn-lt"/>
+              </a:rPr>
+              <a:t>P</a:t>
+            </a:r>
+            <a:r>
+              <a:rPr lang="en-US" altLang="zh-CN" sz="2000" dirty="0" smtClean="0">
+                <a:solidFill>
+                  <a:schemeClr val="accent6"/>
+                </a:solidFill>
+                <a:latin typeface="+mj-ea"/>
+                <a:ea typeface="+mj-ea"/>
+                <a:cs typeface="+mn-ea"/>
+                <a:sym typeface="+mn-lt"/>
+              </a:rPr>
+              <a:t>roject </a:t>
+            </a:r>
+            <a:r>
+              <a:rPr lang="en-US" altLang="zh-CN" sz="2000" dirty="0" smtClean="0">
+                <a:solidFill>
+                  <a:schemeClr val="accent6"/>
+                </a:solidFill>
+                <a:latin typeface="+mj-ea"/>
+                <a:ea typeface="+mj-ea"/>
+                <a:cs typeface="+mn-ea"/>
+                <a:sym typeface="+mn-lt"/>
+              </a:rPr>
+              <a:t>– </a:t>
+            </a:r>
+            <a:r>
+              <a:rPr lang="en-US" altLang="zh-TW" sz="2000" dirty="0" smtClean="0">
+                <a:solidFill>
+                  <a:schemeClr val="accent6"/>
+                </a:solidFill>
+                <a:latin typeface="+mj-ea"/>
+                <a:ea typeface="+mj-ea"/>
                 <a:cs typeface="+mn-ea"/>
                 <a:sym typeface="+mn-lt"/>
               </a:rPr>
               <a:t>D</a:t>
             </a:r>
             <a:r>
-              <a:rPr lang="en-US" altLang="zh-CN" sz="1600" dirty="0" smtClean="0">
+              <a:rPr lang="en-US" altLang="zh-CN" sz="2000" dirty="0" smtClean="0">
                 <a:solidFill>
-                  <a:schemeClr val="tx1">
-                    <a:lumMod val="50000"/>
-                    <a:lumOff val="50000"/>
-                  </a:schemeClr>
+                  <a:schemeClr val="accent6"/>
                 </a:solidFill>
+                <a:latin typeface="+mj-ea"/>
+                <a:ea typeface="+mj-ea"/>
                 <a:cs typeface="+mn-ea"/>
                 <a:sym typeface="+mn-lt"/>
               </a:rPr>
-              <a:t>ata analysis</a:t>
+              <a:t>ata </a:t>
             </a:r>
-            <a:endParaRPr lang="zh-CN" altLang="en-US" sz="1600" dirty="0">
+            <a:r>
+              <a:rPr lang="en-US" altLang="zh-TW" sz="2000" dirty="0" smtClean="0">
+                <a:solidFill>
+                  <a:schemeClr val="accent6"/>
+                </a:solidFill>
+                <a:latin typeface="+mj-ea"/>
+                <a:ea typeface="+mj-ea"/>
+                <a:cs typeface="+mn-ea"/>
+                <a:sym typeface="+mn-lt"/>
+              </a:rPr>
+              <a:t>A</a:t>
+            </a:r>
+            <a:r>
+              <a:rPr lang="en-US" altLang="zh-CN" sz="2000" dirty="0" smtClean="0">
+                <a:solidFill>
+                  <a:schemeClr val="accent6"/>
+                </a:solidFill>
+                <a:latin typeface="+mj-ea"/>
+                <a:ea typeface="+mj-ea"/>
+                <a:cs typeface="+mn-ea"/>
+                <a:sym typeface="+mn-lt"/>
+              </a:rPr>
+              <a:t>nalysis</a:t>
+            </a:r>
+            <a:endParaRPr lang="zh-CN" altLang="en-US" sz="2000" dirty="0">
               <a:solidFill>
-                <a:schemeClr val="tx1">
-                  <a:lumMod val="50000"/>
-                  <a:lumOff val="50000"/>
-                </a:schemeClr>
+                <a:schemeClr val="accent6"/>
               </a:solidFill>
+              <a:latin typeface="+mj-ea"/>
+              <a:ea typeface="+mj-ea"/>
               <a:cs typeface="+mn-ea"/>
               <a:sym typeface="+mn-lt"/>
             </a:endParaRPr>
@@ -2243,7 +2483,7 @@
       </p:sp>
       <p:pic>
         <p:nvPicPr>
-          <p:cNvPr id="3" name="圖片 2"/>
+          <p:cNvPr id="4" name="圖片 3"/>
           <p:cNvPicPr>
             <a:picLocks noChangeAspect="1"/>
           </p:cNvPicPr>
@@ -2263,18 +2503,68 @@
         </p:blipFill>
         <p:spPr>
           <a:xfrm>
-            <a:off x="405298" y="84459"/>
-            <a:ext cx="12246176" cy="6755264"/>
+            <a:off x="684953" y="304800"/>
+            <a:ext cx="11507047" cy="6424229"/>
           </a:xfrm>
           <a:prstGeom prst="rect">
             <a:avLst/>
           </a:prstGeom>
         </p:spPr>
       </p:pic>
+      <p:sp>
+        <p:nvSpPr>
+          <p:cNvPr id="7" name="矩形圖說文字 6"/>
+          <p:cNvSpPr/>
+          <p:nvPr/>
+        </p:nvSpPr>
+        <p:spPr>
+          <a:xfrm>
+            <a:off x="7758545" y="1579418"/>
+            <a:ext cx="3754582" cy="1627909"/>
+          </a:xfrm>
+          <a:prstGeom prst="wedgeRectCallout">
+            <a:avLst/>
+          </a:prstGeom>
+        </p:spPr>
+        <p:style>
+          <a:lnRef idx="2">
+            <a:schemeClr val="dk1">
+              <a:shade val="50000"/>
+            </a:schemeClr>
+          </a:lnRef>
+          <a:fillRef idx="1">
+            <a:schemeClr val="dk1"/>
+          </a:fillRef>
+          <a:effectRef idx="0">
+            <a:schemeClr val="dk1"/>
+          </a:effectRef>
+          <a:fontRef idx="minor">
+            <a:schemeClr val="lt1"/>
+          </a:fontRef>
+        </p:style>
+        <p:txBody>
+          <a:bodyPr rtlCol="0" anchor="ctr"/>
+          <a:lstStyle/>
+          <a:p>
+            <a:pPr algn="ctr"/>
+            <a:r>
+              <a:rPr lang="zh-TW" altLang="en-US" sz="1600" dirty="0" smtClean="0">
+                <a:latin typeface="標楷體" pitchFamily="65" charset="-120"/>
+                <a:ea typeface="標楷體" pitchFamily="65" charset="-120"/>
+              </a:rPr>
+              <a:t>可以發現疫情趨緩的情況下，高跟的銷售又提升了，低跟與童鞋銷售也比去年明顯上升。但涼鞋的部分銷售差異太大，可對比去年款式再作改善。</a:t>
+            </a:r>
+            <a:endParaRPr lang="zh-TW" altLang="en-US" sz="1600" dirty="0">
+              <a:latin typeface="標楷體" pitchFamily="65" charset="-120"/>
+              <a:ea typeface="標楷體" pitchFamily="65" charset="-120"/>
+            </a:endParaRPr>
+          </a:p>
+        </p:txBody>
+      </p:sp>
     </p:spTree>
     <p:extLst>
       <p:ext uri="{BB962C8B-B14F-4D97-AF65-F5344CB8AC3E}">
-        <p14:creationId xmlns:p14="http://schemas.microsoft.com/office/powerpoint/2010/main" val="1286581251"/>
+        <p14:creationId xmlns:p14="http://schemas.microsoft.com/office/powerpoint/2010/main" val="1529435647"/>
       </p:ext>
     </p:extLst>
   </p:cSld>
@@ -2444,14 +2734,14 @@
       </p:sp>
       <p:pic>
         <p:nvPicPr>
-          <p:cNvPr id="4" name="圖片 3"/>
-          <p:cNvPicPr>
-            <a:picLocks noChangeAspect="1"/>
+          <p:cNvPr id="8" name="圖片 7"/>
+          <p:cNvPicPr preferRelativeResize="0">
+            <a:picLocks/>
           </p:cNvPicPr>
           <p:nvPr/>
         </p:nvPicPr>
         <p:blipFill>
-          <a:blip r:embed="rId2">
+          <a:blip r:embed="rId3">
             <a:extLst>
               <a:ext uri="{28A0092B-C50C-407E-A947-70E740481C1C}">
                 <a14:useLocalDpi xmlns:a14="http://schemas.microsoft.com/office/drawing/2010/main" val="0"/>
@@ -2464,8 +2754,8 @@
         </p:blipFill>
         <p:spPr>
           <a:xfrm>
-            <a:off x="420901" y="20089"/>
-            <a:ext cx="12457736" cy="7110579"/>
+            <a:off x="338903" y="99927"/>
+            <a:ext cx="11554691" cy="6777514"/>
           </a:xfrm>
           <a:prstGeom prst="rect">
             <a:avLst/>
@@ -2475,7 +2765,7 @@
     </p:spTree>
     <p:extLst>
       <p:ext uri="{BB962C8B-B14F-4D97-AF65-F5344CB8AC3E}">
-        <p14:creationId xmlns:p14="http://schemas.microsoft.com/office/powerpoint/2010/main" val="272564600"/>
+        <p14:creationId xmlns:p14="http://schemas.microsoft.com/office/powerpoint/2010/main" val="3475402429"/>
       </p:ext>
     </p:extLst>
   </p:cSld>
@@ -2645,9 +2935,9 @@
       </p:sp>
       <p:pic>
         <p:nvPicPr>
-          <p:cNvPr id="4" name="圖片 3"/>
-          <p:cNvPicPr>
-            <a:picLocks noChangeAspect="1"/>
+          <p:cNvPr id="3" name="圖片 2"/>
+          <p:cNvPicPr preferRelativeResize="0">
+            <a:picLocks/>
           </p:cNvPicPr>
           <p:nvPr/>
         </p:nvPicPr>
@@ -2665,18 +2955,89 @@
         </p:blipFill>
         <p:spPr>
           <a:xfrm>
-            <a:off x="415637" y="20089"/>
-            <a:ext cx="12453248" cy="7078607"/>
+            <a:off x="338400" y="100800"/>
+            <a:ext cx="11556000" cy="6778800"/>
           </a:xfrm>
           <a:prstGeom prst="rect">
             <a:avLst/>
           </a:prstGeom>
         </p:spPr>
       </p:pic>
+      <p:sp>
+        <p:nvSpPr>
+          <p:cNvPr id="11" name="直線圖說文字 2 10"/>
+          <p:cNvSpPr/>
+          <p:nvPr/>
+        </p:nvSpPr>
+        <p:spPr>
+          <a:xfrm>
+            <a:off x="6895065" y="2272144"/>
+            <a:ext cx="4486444" cy="969818"/>
+          </a:xfrm>
+          <a:prstGeom prst="borderCallout2">
+            <a:avLst>
+              <a:gd name="adj1" fmla="val 19464"/>
+              <a:gd name="adj2" fmla="val 165"/>
+              <a:gd name="adj3" fmla="val 18750"/>
+              <a:gd name="adj4" fmla="val -16667"/>
+              <a:gd name="adj5" fmla="val 76071"/>
+              <a:gd name="adj6" fmla="val -66944"/>
+            </a:avLst>
+          </a:prstGeom>
+        </p:spPr>
+        <p:style>
+          <a:lnRef idx="2">
+            <a:schemeClr val="dk1">
+              <a:shade val="50000"/>
+            </a:schemeClr>
+          </a:lnRef>
+          <a:fillRef idx="1">
+            <a:schemeClr val="dk1"/>
+          </a:fillRef>
+          <a:effectRef idx="0">
+            <a:schemeClr val="dk1"/>
+          </a:effectRef>
+          <a:fontRef idx="minor">
+            <a:schemeClr val="lt1"/>
+          </a:fontRef>
+        </p:style>
+        <p:txBody>
+          <a:bodyPr rtlCol="0" anchor="ctr"/>
+          <a:lstStyle/>
+          <a:p>
+            <a:pPr algn="ctr"/>
+            <a:r>
+              <a:rPr lang="zh-TW" altLang="en-US" sz="1600" dirty="0" smtClean="0">
+                <a:latin typeface="標楷體" pitchFamily="65" charset="-120"/>
+                <a:ea typeface="標楷體" pitchFamily="65" charset="-120"/>
+              </a:rPr>
+              <a:t>男鞋明顯在秋季後銷售減少</a:t>
+            </a:r>
+            <a:r>
+              <a:rPr lang="en-US" altLang="zh-TW" sz="1600" dirty="0" smtClean="0">
+                <a:latin typeface="標楷體" pitchFamily="65" charset="-120"/>
+                <a:ea typeface="標楷體" pitchFamily="65" charset="-120"/>
+              </a:rPr>
+              <a:t>(-87%)</a:t>
+            </a:r>
+            <a:r>
+              <a:rPr lang="zh-TW" altLang="en-US" sz="1600" dirty="0" smtClean="0">
+                <a:latin typeface="標楷體" pitchFamily="65" charset="-120"/>
+                <a:ea typeface="標楷體" pitchFamily="65" charset="-120"/>
+              </a:rPr>
+              <a:t>，看起來是週年慶占比偏低，是否是定價策略，或季節關係。</a:t>
+            </a:r>
+            <a:endParaRPr lang="zh-TW" altLang="en-US" sz="1600" dirty="0">
+              <a:latin typeface="標楷體" pitchFamily="65" charset="-120"/>
+              <a:ea typeface="標楷體" pitchFamily="65" charset="-120"/>
+            </a:endParaRPr>
+          </a:p>
+        </p:txBody>
+      </p:sp>
     </p:spTree>
     <p:extLst>
       <p:ext uri="{BB962C8B-B14F-4D97-AF65-F5344CB8AC3E}">
-        <p14:creationId xmlns:p14="http://schemas.microsoft.com/office/powerpoint/2010/main" val="117495085"/>
+        <p14:creationId xmlns:p14="http://schemas.microsoft.com/office/powerpoint/2010/main" val="2132484698"/>
       </p:ext>
     </p:extLst>
   </p:cSld>
@@ -2846,14 +3207,14 @@
       </p:sp>
       <p:pic>
         <p:nvPicPr>
-          <p:cNvPr id="7" name="圖片 6"/>
-          <p:cNvPicPr>
-            <a:picLocks noChangeAspect="1"/>
+          <p:cNvPr id="3" name="圖片 2"/>
+          <p:cNvPicPr preferRelativeResize="0">
+            <a:picLocks/>
           </p:cNvPicPr>
           <p:nvPr/>
         </p:nvPicPr>
         <p:blipFill>
-          <a:blip r:embed="rId2">
+          <a:blip r:embed="rId3">
             <a:extLst>
               <a:ext uri="{28A0092B-C50C-407E-A947-70E740481C1C}">
                 <a14:useLocalDpi xmlns:a14="http://schemas.microsoft.com/office/drawing/2010/main" val="0"/>
@@ -2866,8 +3227,8 @@
         </p:blipFill>
         <p:spPr>
           <a:xfrm>
-            <a:off x="390431" y="70338"/>
-            <a:ext cx="12504473" cy="7251256"/>
+            <a:off x="338400" y="100800"/>
+            <a:ext cx="11556000" cy="6778800"/>
           </a:xfrm>
           <a:prstGeom prst="rect">
             <a:avLst/>
@@ -2877,7 +3238,7 @@
     </p:spTree>
     <p:extLst>
       <p:ext uri="{BB962C8B-B14F-4D97-AF65-F5344CB8AC3E}">
-        <p14:creationId xmlns:p14="http://schemas.microsoft.com/office/powerpoint/2010/main" val="3874658049"/>
+        <p14:creationId xmlns:p14="http://schemas.microsoft.com/office/powerpoint/2010/main" val="243581055"/>
       </p:ext>
     </p:extLst>
   </p:cSld>
@@ -3047,9 +3408,9 @@
       </p:sp>
       <p:pic>
         <p:nvPicPr>
-          <p:cNvPr id="2" name="圖片 1"/>
-          <p:cNvPicPr>
-            <a:picLocks noChangeAspect="1"/>
+          <p:cNvPr id="3" name="圖片 2"/>
+          <p:cNvPicPr preferRelativeResize="0">
+            <a:picLocks/>
           </p:cNvPicPr>
           <p:nvPr/>
         </p:nvPicPr>
@@ -3067,18 +3428,96 @@
         </p:blipFill>
         <p:spPr>
           <a:xfrm>
-            <a:off x="446989" y="0"/>
-            <a:ext cx="12312097" cy="7027452"/>
+            <a:off x="338400" y="100800"/>
+            <a:ext cx="11556000" cy="6778800"/>
           </a:xfrm>
           <a:prstGeom prst="rect">
             <a:avLst/>
           </a:prstGeom>
         </p:spPr>
       </p:pic>
+      <p:sp>
+        <p:nvSpPr>
+          <p:cNvPr id="2" name="直線圖說文字 2 1"/>
+          <p:cNvSpPr/>
+          <p:nvPr/>
+        </p:nvSpPr>
+        <p:spPr>
+          <a:xfrm>
+            <a:off x="8694001" y="962894"/>
+            <a:ext cx="3200399" cy="865908"/>
+          </a:xfrm>
+          <a:prstGeom prst="borderCallout2">
+            <a:avLst>
+              <a:gd name="adj1" fmla="val 17981"/>
+              <a:gd name="adj2" fmla="val -1262"/>
+              <a:gd name="adj3" fmla="val 18750"/>
+              <a:gd name="adj4" fmla="val -16667"/>
+              <a:gd name="adj5" fmla="val 112500"/>
+              <a:gd name="adj6" fmla="val -46667"/>
+            </a:avLst>
+          </a:prstGeom>
+        </p:spPr>
+        <p:style>
+          <a:lnRef idx="2">
+            <a:schemeClr val="dk1">
+              <a:shade val="50000"/>
+            </a:schemeClr>
+          </a:lnRef>
+          <a:fillRef idx="1">
+            <a:schemeClr val="dk1"/>
+          </a:fillRef>
+          <a:effectRef idx="0">
+            <a:schemeClr val="dk1"/>
+          </a:effectRef>
+          <a:fontRef idx="minor">
+            <a:schemeClr val="lt1"/>
+          </a:fontRef>
+        </p:style>
+        <p:txBody>
+          <a:bodyPr rtlCol="0" anchor="ctr"/>
+          <a:lstStyle/>
+          <a:p>
+            <a:pPr algn="ctr"/>
+            <a:r>
+              <a:rPr lang="zh-TW" altLang="en-US" sz="1600" dirty="0" smtClean="0">
+                <a:latin typeface="標楷體" pitchFamily="65" charset="-120"/>
+                <a:ea typeface="標楷體" pitchFamily="65" charset="-120"/>
+              </a:rPr>
+              <a:t>平底鞋在夏季的銷售明顯增加了</a:t>
+            </a:r>
+            <a:r>
+              <a:rPr lang="en-US" altLang="zh-TW" sz="1600" dirty="0" smtClean="0">
+                <a:latin typeface="標楷體" pitchFamily="65" charset="-120"/>
+                <a:ea typeface="標楷體" pitchFamily="65" charset="-120"/>
+              </a:rPr>
+              <a:t>(+80%)</a:t>
+            </a:r>
+            <a:r>
+              <a:rPr lang="zh-TW" altLang="en-US" sz="1600" dirty="0" smtClean="0">
+                <a:latin typeface="標楷體" pitchFamily="65" charset="-120"/>
+                <a:ea typeface="標楷體" pitchFamily="65" charset="-120"/>
+              </a:rPr>
+              <a:t>，往後可在夏季多生產平底鞋款</a:t>
+            </a:r>
+            <a:r>
+              <a:rPr lang="zh-TW" altLang="en-US" dirty="0" smtClean="0">
+                <a:latin typeface="標楷體" pitchFamily="65" charset="-120"/>
+                <a:ea typeface="標楷體" pitchFamily="65" charset="-120"/>
+              </a:rPr>
+              <a:t>。</a:t>
+            </a:r>
+            <a:endParaRPr lang="zh-TW" altLang="en-US" dirty="0">
+              <a:latin typeface="標楷體" pitchFamily="65" charset="-120"/>
+              <a:ea typeface="標楷體" pitchFamily="65" charset="-120"/>
+            </a:endParaRPr>
+          </a:p>
+        </p:txBody>
+      </p:sp>
     </p:spTree>
     <p:extLst>
       <p:ext uri="{BB962C8B-B14F-4D97-AF65-F5344CB8AC3E}">
-        <p14:creationId xmlns:p14="http://schemas.microsoft.com/office/powerpoint/2010/main" val="2315862713"/>
+        <p14:creationId xmlns:p14="http://schemas.microsoft.com/office/powerpoint/2010/main" val="64112945"/>
       </p:ext>
     </p:extLst>
   </p:cSld>
@@ -3248,14 +3687,14 @@
       </p:sp>
       <p:pic>
         <p:nvPicPr>
-          <p:cNvPr id="2" name="圖片 1"/>
-          <p:cNvPicPr>
-            <a:picLocks noChangeAspect="1"/>
+          <p:cNvPr id="3" name="圖片 2"/>
+          <p:cNvPicPr preferRelativeResize="0">
+            <a:picLocks/>
           </p:cNvPicPr>
           <p:nvPr/>
         </p:nvPicPr>
         <p:blipFill>
-          <a:blip r:embed="rId2">
+          <a:blip r:embed="rId3">
             <a:extLst>
               <a:ext uri="{28A0092B-C50C-407E-A947-70E740481C1C}">
                 <a14:useLocalDpi xmlns:a14="http://schemas.microsoft.com/office/drawing/2010/main" val="0"/>
@@ -3268,18 +3707,96 @@
         </p:blipFill>
         <p:spPr>
           <a:xfrm>
-            <a:off x="-228157" y="20089"/>
-            <a:ext cx="12881558" cy="7352486"/>
+            <a:off x="173182" y="0"/>
+            <a:ext cx="12246176" cy="6755264"/>
           </a:xfrm>
           <a:prstGeom prst="rect">
             <a:avLst/>
           </a:prstGeom>
         </p:spPr>
       </p:pic>
+      <p:sp>
+        <p:nvSpPr>
+          <p:cNvPr id="2" name="直線圖說文字 2 1"/>
+          <p:cNvSpPr/>
+          <p:nvPr/>
+        </p:nvSpPr>
+        <p:spPr>
+          <a:xfrm>
+            <a:off x="4547133" y="5098474"/>
+            <a:ext cx="3246049" cy="748144"/>
+          </a:xfrm>
+          <a:prstGeom prst="borderCallout2">
+            <a:avLst>
+              <a:gd name="adj1" fmla="val 30209"/>
+              <a:gd name="adj2" fmla="val -1852"/>
+              <a:gd name="adj3" fmla="val 21875"/>
+              <a:gd name="adj4" fmla="val -26423"/>
+              <a:gd name="adj5" fmla="val 31250"/>
+              <a:gd name="adj6" fmla="val -53200"/>
+            </a:avLst>
+          </a:prstGeom>
+        </p:spPr>
+        <p:style>
+          <a:lnRef idx="2">
+            <a:schemeClr val="dk1">
+              <a:shade val="50000"/>
+            </a:schemeClr>
+          </a:lnRef>
+          <a:fillRef idx="1">
+            <a:schemeClr val="dk1"/>
+          </a:fillRef>
+          <a:effectRef idx="0">
+            <a:schemeClr val="dk1"/>
+          </a:effectRef>
+          <a:fontRef idx="minor">
+            <a:schemeClr val="lt1"/>
+          </a:fontRef>
+        </p:style>
+        <p:txBody>
+          <a:bodyPr rtlCol="0" anchor="ctr"/>
+          <a:lstStyle/>
+          <a:p>
+            <a:pPr algn="ctr"/>
+            <a:r>
+              <a:rPr lang="zh-TW" altLang="en-US" sz="1600" dirty="0">
+                <a:latin typeface="標楷體" pitchFamily="65" charset="-120"/>
+                <a:ea typeface="標楷體" pitchFamily="65" charset="-120"/>
+              </a:rPr>
+              <a:t>去年靴子</a:t>
+            </a:r>
+            <a:r>
+              <a:rPr lang="zh-TW" altLang="en-US" sz="1600" dirty="0" smtClean="0">
+                <a:latin typeface="標楷體" pitchFamily="65" charset="-120"/>
+                <a:ea typeface="標楷體" pitchFamily="65" charset="-120"/>
+              </a:rPr>
+              <a:t>銷售</a:t>
+            </a:r>
+            <a:r>
+              <a:rPr lang="zh-TW" altLang="en-US" sz="1600" dirty="0">
+                <a:latin typeface="標楷體" pitchFamily="65" charset="-120"/>
+                <a:ea typeface="標楷體" pitchFamily="65" charset="-120"/>
+              </a:rPr>
+              <a:t>不佳</a:t>
+            </a:r>
+            <a:r>
+              <a:rPr lang="zh-TW" altLang="en-US" sz="1600" dirty="0" smtClean="0">
+                <a:latin typeface="標楷體" pitchFamily="65" charset="-120"/>
+                <a:ea typeface="標楷體" pitchFamily="65" charset="-120"/>
+              </a:rPr>
+              <a:t>。但推測今年為反聖嬰，冬季會偏冷，靴子的銷售又回升了。</a:t>
+            </a:r>
+            <a:endParaRPr lang="zh-TW" altLang="en-US" sz="1600" dirty="0">
+              <a:latin typeface="標楷體" pitchFamily="65" charset="-120"/>
+              <a:ea typeface="標楷體" pitchFamily="65" charset="-120"/>
+            </a:endParaRPr>
+          </a:p>
+        </p:txBody>
+      </p:sp>
     </p:spTree>
     <p:extLst>
       <p:ext uri="{BB962C8B-B14F-4D97-AF65-F5344CB8AC3E}">
-        <p14:creationId xmlns:p14="http://schemas.microsoft.com/office/powerpoint/2010/main" val="4241738850"/>
+        <p14:creationId xmlns:p14="http://schemas.microsoft.com/office/powerpoint/2010/main" val="1286581251"/>
       </p:ext>
     </p:extLst>
   </p:cSld>
@@ -3449,9 +3966,9 @@
       </p:sp>
       <p:pic>
         <p:nvPicPr>
-          <p:cNvPr id="2" name="圖片 1"/>
-          <p:cNvPicPr>
-            <a:picLocks noChangeAspect="1"/>
+          <p:cNvPr id="4" name="圖片 3"/>
+          <p:cNvPicPr preferRelativeResize="0">
+            <a:picLocks/>
           </p:cNvPicPr>
           <p:nvPr/>
         </p:nvPicPr>
@@ -3469,18 +3986,75 @@
         </p:blipFill>
         <p:spPr>
           <a:xfrm>
-            <a:off x="88392" y="0"/>
-            <a:ext cx="12693000" cy="7244862"/>
+            <a:off x="629334" y="100800"/>
+            <a:ext cx="11556000" cy="6595890"/>
           </a:xfrm>
           <a:prstGeom prst="rect">
             <a:avLst/>
           </a:prstGeom>
         </p:spPr>
       </p:pic>
+      <p:sp>
+        <p:nvSpPr>
+          <p:cNvPr id="2" name="直線圖說文字 2 1"/>
+          <p:cNvSpPr/>
+          <p:nvPr/>
+        </p:nvSpPr>
+        <p:spPr>
+          <a:xfrm>
+            <a:off x="8887692" y="3186545"/>
+            <a:ext cx="2729345" cy="727364"/>
+          </a:xfrm>
+          <a:prstGeom prst="borderCallout2">
+            <a:avLst>
+              <a:gd name="adj1" fmla="val 20724"/>
+              <a:gd name="adj2" fmla="val -973"/>
+              <a:gd name="adj3" fmla="val 18750"/>
+              <a:gd name="adj4" fmla="val -16667"/>
+              <a:gd name="adj5" fmla="val -2632"/>
+              <a:gd name="adj6" fmla="val -28393"/>
+            </a:avLst>
+          </a:prstGeom>
+        </p:spPr>
+        <p:style>
+          <a:lnRef idx="2">
+            <a:schemeClr val="dk1">
+              <a:shade val="50000"/>
+            </a:schemeClr>
+          </a:lnRef>
+          <a:fillRef idx="1">
+            <a:schemeClr val="dk1"/>
+          </a:fillRef>
+          <a:effectRef idx="0">
+            <a:schemeClr val="dk1"/>
+          </a:effectRef>
+          <a:fontRef idx="minor">
+            <a:schemeClr val="lt1"/>
+          </a:fontRef>
+        </p:style>
+        <p:txBody>
+          <a:bodyPr rtlCol="0" anchor="ctr"/>
+          <a:lstStyle/>
+          <a:p>
+            <a:pPr algn="ctr"/>
+            <a:r>
+              <a:rPr lang="zh-TW" altLang="en-US" sz="1400" dirty="0" smtClean="0">
+                <a:latin typeface="標楷體" pitchFamily="65" charset="-120"/>
+                <a:ea typeface="標楷體" pitchFamily="65" charset="-120"/>
+              </a:rPr>
+              <a:t>透過廣告行銷及藝名人的推廣，明顯此款鞋銷售最好。可以延伸更多類似設計的款式。</a:t>
+            </a:r>
+            <a:endParaRPr lang="zh-TW" altLang="en-US" sz="1400" dirty="0">
+              <a:latin typeface="標楷體" pitchFamily="65" charset="-120"/>
+              <a:ea typeface="標楷體" pitchFamily="65" charset="-120"/>
+            </a:endParaRPr>
+          </a:p>
+        </p:txBody>
+      </p:sp>
     </p:spTree>
     <p:extLst>
       <p:ext uri="{BB962C8B-B14F-4D97-AF65-F5344CB8AC3E}">
-        <p14:creationId xmlns:p14="http://schemas.microsoft.com/office/powerpoint/2010/main" val="3257915852"/>
+        <p14:creationId xmlns:p14="http://schemas.microsoft.com/office/powerpoint/2010/main" val="272564600"/>
       </p:ext>
     </p:extLst>
   </p:cSld>
@@ -3650,9 +4224,9 @@
       </p:sp>
       <p:pic>
         <p:nvPicPr>
-          <p:cNvPr id="2" name="圖片 1"/>
-          <p:cNvPicPr>
-            <a:picLocks noChangeAspect="1"/>
+          <p:cNvPr id="4" name="圖片 3"/>
+          <p:cNvPicPr preferRelativeResize="0">
+            <a:picLocks/>
           </p:cNvPicPr>
           <p:nvPr/>
         </p:nvPicPr>
@@ -3670,8 +4244,8 @@
         </p:blipFill>
         <p:spPr>
           <a:xfrm>
-            <a:off x="716173" y="558796"/>
-            <a:ext cx="11254668" cy="6423896"/>
+            <a:off x="630000" y="100800"/>
+            <a:ext cx="11556000" cy="6595200"/>
           </a:xfrm>
           <a:prstGeom prst="rect">
             <a:avLst/>
@@ -3681,7 +4255,7 @@
     </p:spTree>
     <p:extLst>
       <p:ext uri="{BB962C8B-B14F-4D97-AF65-F5344CB8AC3E}">
-        <p14:creationId xmlns:p14="http://schemas.microsoft.com/office/powerpoint/2010/main" val="1517223903"/>
+        <p14:creationId xmlns:p14="http://schemas.microsoft.com/office/powerpoint/2010/main" val="117495085"/>
       </p:ext>
     </p:extLst>
   </p:cSld>
@@ -3851,7 +4425,7 @@
       </p:sp>
       <p:pic>
         <p:nvPicPr>
-          <p:cNvPr id="2" name="圖片 1"/>
+          <p:cNvPr id="7" name="圖片 6"/>
           <p:cNvPicPr>
             <a:picLocks noChangeAspect="1"/>
           </p:cNvPicPr>
@@ -3871,8 +4445,1482 @@
         </p:blipFill>
         <p:spPr>
           <a:xfrm>
-            <a:off x="997526" y="-99619"/>
-            <a:ext cx="12088923" cy="6900069"/>
+            <a:off x="630000" y="100800"/>
+            <a:ext cx="11373133" cy="6595200"/>
+          </a:xfrm>
+          <a:prstGeom prst="rect">
+            <a:avLst/>
+          </a:prstGeom>
+        </p:spPr>
+      </p:pic>
+      <p:sp>
+        <p:nvSpPr>
+          <p:cNvPr id="3" name="直線圖說文字 2 2"/>
+          <p:cNvSpPr/>
+          <p:nvPr/>
+        </p:nvSpPr>
+        <p:spPr>
+          <a:xfrm>
+            <a:off x="2092036" y="5562600"/>
+            <a:ext cx="2452255" cy="761999"/>
+          </a:xfrm>
+          <a:prstGeom prst="borderCallout2">
+            <a:avLst>
+              <a:gd name="adj1" fmla="val -35695"/>
+              <a:gd name="adj2" fmla="val 137273"/>
+              <a:gd name="adj3" fmla="val 29861"/>
+              <a:gd name="adj4" fmla="val 128521"/>
+              <a:gd name="adj5" fmla="val 56945"/>
+              <a:gd name="adj6" fmla="val 101450"/>
+            </a:avLst>
+          </a:prstGeom>
+        </p:spPr>
+        <p:style>
+          <a:lnRef idx="2">
+            <a:schemeClr val="dk1">
+              <a:shade val="50000"/>
+            </a:schemeClr>
+          </a:lnRef>
+          <a:fillRef idx="1">
+            <a:schemeClr val="dk1"/>
+          </a:fillRef>
+          <a:effectRef idx="0">
+            <a:schemeClr val="dk1"/>
+          </a:effectRef>
+          <a:fontRef idx="minor">
+            <a:schemeClr val="lt1"/>
+          </a:fontRef>
+        </p:style>
+        <p:txBody>
+          <a:bodyPr rtlCol="0" anchor="ctr"/>
+          <a:lstStyle/>
+          <a:p>
+            <a:pPr algn="ctr"/>
+            <a:r>
+              <a:rPr lang="zh-TW" altLang="en-US" sz="1400" dirty="0" smtClean="0">
+                <a:latin typeface="標楷體" pitchFamily="65" charset="-120"/>
+                <a:ea typeface="標楷體" pitchFamily="65" charset="-120"/>
+              </a:rPr>
+              <a:t>可以發現此款鞋在四季都是銷售最好的。在庫存掌控上要特別留意。</a:t>
+            </a:r>
+            <a:endParaRPr lang="zh-TW" altLang="en-US" sz="1400" dirty="0">
+              <a:latin typeface="標楷體" pitchFamily="65" charset="-120"/>
+              <a:ea typeface="標楷體" pitchFamily="65" charset="-120"/>
+            </a:endParaRPr>
+          </a:p>
+        </p:txBody>
+      </p:sp>
+    </p:spTree>
+    <p:extLst>
+      <p:ext uri="{BB962C8B-B14F-4D97-AF65-F5344CB8AC3E}">
+        <p14:creationId xmlns:p14="http://schemas.microsoft.com/office/powerpoint/2010/main" val="3874658049"/>
+      </p:ext>
+    </p:extLst>
+  </p:cSld>
+  <p:clrMapOvr>
+    <a:masterClrMapping/>
+  </p:clrMapOvr>
+  <p:timing>
+    <p:tnLst>
+      <p:par>
+        <p:cTn id="1" dur="indefinite" restart="never" nodeType="tmRoot"/>
+      </p:par>
+    </p:tnLst>
+  </p:timing>
+</p:sld>
+</file>
+
+<file path=ppt/slides/slide19.xml><?xml version="1.0" encoding="utf-8"?>
+<p:sld xmlns:a="http://schemas.openxmlformats.org/drawingml/2006/main" xmlns:r="http://schemas.openxmlformats.org/officeDocument/2006/relationships" xmlns:p="http://schemas.openxmlformats.org/presentationml/2006/main">
+  <p:cSld>
+    <p:bg>
+      <p:bgPr>
+        <a:gradFill>
+          <a:gsLst>
+            <a:gs pos="0">
+              <a:schemeClr val="bg1">
+                <a:tint val="93000"/>
+                <a:satMod val="150000"/>
+                <a:shade val="98000"/>
+                <a:lumMod val="102000"/>
+              </a:schemeClr>
+            </a:gs>
+            <a:gs pos="50000">
+              <a:schemeClr val="bg1">
+                <a:tint val="98000"/>
+                <a:satMod val="130000"/>
+                <a:shade val="90000"/>
+                <a:lumMod val="103000"/>
+              </a:schemeClr>
+            </a:gs>
+            <a:gs pos="100000">
+              <a:schemeClr val="bg1">
+                <a:shade val="63000"/>
+                <a:satMod val="120000"/>
+              </a:schemeClr>
+            </a:gs>
+          </a:gsLst>
+          <a:lin ang="5400000" scaled="0"/>
+        </a:gradFill>
+        <a:effectLst/>
+      </p:bgPr>
+    </p:bg>
+    <p:spTree>
+      <p:nvGrpSpPr>
+        <p:cNvPr id="1" name=""/>
+        <p:cNvGrpSpPr/>
+        <p:nvPr/>
+      </p:nvGrpSpPr>
+      <p:grpSpPr>
+        <a:xfrm>
+          <a:off x="0" y="0"/>
+          <a:ext cx="0" cy="0"/>
+          <a:chOff x="0" y="0"/>
+          <a:chExt cx="0" cy="0"/>
+        </a:xfrm>
+      </p:grpSpPr>
+      <p:sp>
+        <p:nvSpPr>
+          <p:cNvPr id="5" name="椭圆 3"/>
+          <p:cNvSpPr/>
+          <p:nvPr/>
+        </p:nvSpPr>
+        <p:spPr>
+          <a:xfrm>
+            <a:off x="-1226820" y="-1206731"/>
+            <a:ext cx="2453640" cy="2453640"/>
+          </a:xfrm>
+          <a:prstGeom prst="ellipse">
+            <a:avLst/>
+          </a:prstGeom>
+          <a:solidFill>
+            <a:srgbClr val="48A2A0">
+              <a:alpha val="70000"/>
+            </a:srgbClr>
+          </a:solidFill>
+          <a:ln>
+            <a:noFill/>
+          </a:ln>
+        </p:spPr>
+        <p:style>
+          <a:lnRef idx="2">
+            <a:schemeClr val="accent1">
+              <a:shade val="50000"/>
+            </a:schemeClr>
+          </a:lnRef>
+          <a:fillRef idx="1">
+            <a:schemeClr val="accent1"/>
+          </a:fillRef>
+          <a:effectRef idx="0">
+            <a:schemeClr val="accent1"/>
+          </a:effectRef>
+          <a:fontRef idx="minor">
+            <a:schemeClr val="lt1"/>
+          </a:fontRef>
+        </p:style>
+        <p:txBody>
+          <a:bodyPr rtlCol="0" anchor="ctr"/>
+          <a:lstStyle/>
+          <a:p>
+            <a:pPr algn="ctr"/>
+            <a:endParaRPr lang="zh-CN" altLang="en-US">
+              <a:cs typeface="+mn-ea"/>
+              <a:sym typeface="+mn-lt"/>
+            </a:endParaRPr>
+          </a:p>
+        </p:txBody>
+      </p:sp>
+      <p:sp>
+        <p:nvSpPr>
+          <p:cNvPr id="6" name="椭圆 4"/>
+          <p:cNvSpPr/>
+          <p:nvPr/>
+        </p:nvSpPr>
+        <p:spPr>
+          <a:xfrm>
+            <a:off x="550292" y="608411"/>
+            <a:ext cx="611305" cy="556631"/>
+          </a:xfrm>
+          <a:prstGeom prst="ellipse">
+            <a:avLst/>
+          </a:prstGeom>
+          <a:solidFill>
+            <a:srgbClr val="6C92C0">
+              <a:alpha val="70000"/>
+            </a:srgbClr>
+          </a:solidFill>
+          <a:ln>
+            <a:noFill/>
+          </a:ln>
+        </p:spPr>
+        <p:style>
+          <a:lnRef idx="2">
+            <a:schemeClr val="accent1">
+              <a:shade val="50000"/>
+            </a:schemeClr>
+          </a:lnRef>
+          <a:fillRef idx="1">
+            <a:schemeClr val="accent1"/>
+          </a:fillRef>
+          <a:effectRef idx="0">
+            <a:schemeClr val="accent1"/>
+          </a:effectRef>
+          <a:fontRef idx="minor">
+            <a:schemeClr val="lt1"/>
+          </a:fontRef>
+        </p:style>
+        <p:txBody>
+          <a:bodyPr rtlCol="0" anchor="ctr"/>
+          <a:lstStyle/>
+          <a:p>
+            <a:pPr algn="ctr"/>
+            <a:endParaRPr lang="zh-CN" altLang="en-US">
+              <a:cs typeface="+mn-ea"/>
+              <a:sym typeface="+mn-lt"/>
+            </a:endParaRPr>
+          </a:p>
+        </p:txBody>
+      </p:sp>
+      <p:pic>
+        <p:nvPicPr>
+          <p:cNvPr id="2" name="圖片 1"/>
+          <p:cNvPicPr preferRelativeResize="0">
+            <a:picLocks/>
+          </p:cNvPicPr>
+          <p:nvPr/>
+        </p:nvPicPr>
+        <p:blipFill>
+          <a:blip r:embed="rId3">
+            <a:extLst>
+              <a:ext uri="{28A0092B-C50C-407E-A947-70E740481C1C}">
+                <a14:useLocalDpi xmlns:a14="http://schemas.microsoft.com/office/drawing/2010/main" val="0"/>
+              </a:ext>
+            </a:extLst>
+          </a:blip>
+          <a:stretch>
+            <a:fillRect/>
+          </a:stretch>
+        </p:blipFill>
+        <p:spPr>
+          <a:xfrm>
+            <a:off x="630000" y="100800"/>
+            <a:ext cx="11554791" cy="6595200"/>
+          </a:xfrm>
+          <a:prstGeom prst="rect">
+            <a:avLst/>
+          </a:prstGeom>
+        </p:spPr>
+      </p:pic>
+    </p:spTree>
+    <p:extLst>
+      <p:ext uri="{BB962C8B-B14F-4D97-AF65-F5344CB8AC3E}">
+        <p14:creationId xmlns:p14="http://schemas.microsoft.com/office/powerpoint/2010/main" val="2315862713"/>
+      </p:ext>
+    </p:extLst>
+  </p:cSld>
+  <p:clrMapOvr>
+    <a:masterClrMapping/>
+  </p:clrMapOvr>
+  <p:timing>
+    <p:tnLst>
+      <p:par>
+        <p:cTn id="1" dur="indefinite" restart="never" nodeType="tmRoot"/>
+      </p:par>
+    </p:tnLst>
+  </p:timing>
+</p:sld>
+</file>
+
+<file path=ppt/slides/slide2.xml><?xml version="1.0" encoding="utf-8"?>
+<p:sld xmlns:a="http://schemas.openxmlformats.org/drawingml/2006/main" xmlns:r="http://schemas.openxmlformats.org/officeDocument/2006/relationships" xmlns:p="http://schemas.openxmlformats.org/presentationml/2006/main">
+  <p:cSld>
+    <p:spTree>
+      <p:nvGrpSpPr>
+        <p:cNvPr id="1" name=""/>
+        <p:cNvGrpSpPr/>
+        <p:nvPr/>
+      </p:nvGrpSpPr>
+      <p:grpSpPr>
+        <a:xfrm>
+          <a:off x="0" y="0"/>
+          <a:ext cx="0" cy="0"/>
+          <a:chOff x="0" y="0"/>
+          <a:chExt cx="0" cy="0"/>
+        </a:xfrm>
+      </p:grpSpPr>
+      <p:sp>
+        <p:nvSpPr>
+          <p:cNvPr id="5" name="椭圆 4"/>
+          <p:cNvSpPr/>
+          <p:nvPr/>
+        </p:nvSpPr>
+        <p:spPr>
+          <a:xfrm>
+            <a:off x="2129331" y="2012159"/>
+            <a:ext cx="745960" cy="679885"/>
+          </a:xfrm>
+          <a:prstGeom prst="ellipse">
+            <a:avLst/>
+          </a:prstGeom>
+          <a:solidFill>
+            <a:srgbClr val="6C92C0">
+              <a:alpha val="70000"/>
+            </a:srgbClr>
+          </a:solidFill>
+          <a:ln>
+            <a:noFill/>
+          </a:ln>
+        </p:spPr>
+        <p:style>
+          <a:lnRef idx="2">
+            <a:schemeClr val="accent1">
+              <a:shade val="50000"/>
+            </a:schemeClr>
+          </a:lnRef>
+          <a:fillRef idx="1">
+            <a:schemeClr val="accent1"/>
+          </a:fillRef>
+          <a:effectRef idx="0">
+            <a:schemeClr val="accent1"/>
+          </a:effectRef>
+          <a:fontRef idx="minor">
+            <a:schemeClr val="lt1"/>
+          </a:fontRef>
+        </p:style>
+        <p:txBody>
+          <a:bodyPr rtlCol="0" anchor="ctr"/>
+          <a:lstStyle/>
+          <a:p>
+            <a:pPr algn="ctr"/>
+            <a:endParaRPr lang="zh-CN" altLang="en-US">
+              <a:cs typeface="+mn-ea"/>
+              <a:sym typeface="+mn-lt"/>
+            </a:endParaRPr>
+          </a:p>
+        </p:txBody>
+      </p:sp>
+      <p:sp>
+        <p:nvSpPr>
+          <p:cNvPr id="6" name="椭圆 3"/>
+          <p:cNvSpPr/>
+          <p:nvPr/>
+        </p:nvSpPr>
+        <p:spPr>
+          <a:xfrm>
+            <a:off x="134280" y="149945"/>
+            <a:ext cx="2890646" cy="2612438"/>
+          </a:xfrm>
+          <a:prstGeom prst="ellipse">
+            <a:avLst/>
+          </a:prstGeom>
+          <a:solidFill>
+            <a:srgbClr val="48A2A0">
+              <a:alpha val="70000"/>
+            </a:srgbClr>
+          </a:solidFill>
+          <a:ln>
+            <a:noFill/>
+          </a:ln>
+        </p:spPr>
+        <p:style>
+          <a:lnRef idx="2">
+            <a:schemeClr val="accent1">
+              <a:shade val="50000"/>
+            </a:schemeClr>
+          </a:lnRef>
+          <a:fillRef idx="1">
+            <a:schemeClr val="accent1"/>
+          </a:fillRef>
+          <a:effectRef idx="0">
+            <a:schemeClr val="accent1"/>
+          </a:effectRef>
+          <a:fontRef idx="minor">
+            <a:schemeClr val="lt1"/>
+          </a:fontRef>
+        </p:style>
+        <p:txBody>
+          <a:bodyPr rtlCol="0" anchor="ctr"/>
+          <a:lstStyle/>
+          <a:p>
+            <a:pPr algn="ctr"/>
+            <a:r>
+              <a:rPr lang="zh-TW" altLang="en-US" sz="3600" dirty="0" smtClean="0">
+                <a:latin typeface="標楷體" pitchFamily="65" charset="-120"/>
+                <a:ea typeface="標楷體" pitchFamily="65" charset="-120"/>
+                <a:cs typeface="+mn-ea"/>
+                <a:sym typeface="+mn-lt"/>
+              </a:rPr>
+              <a:t>專案動機</a:t>
+            </a:r>
+            <a:endParaRPr lang="zh-CN" altLang="en-US" sz="3600" dirty="0">
+              <a:latin typeface="標楷體" pitchFamily="65" charset="-120"/>
+              <a:ea typeface="標楷體" pitchFamily="65" charset="-120"/>
+              <a:cs typeface="+mn-ea"/>
+              <a:sym typeface="+mn-lt"/>
+            </a:endParaRPr>
+          </a:p>
+        </p:txBody>
+      </p:sp>
+      <p:sp>
+        <p:nvSpPr>
+          <p:cNvPr id="10" name="流程圖: 接點 9"/>
+          <p:cNvSpPr/>
+          <p:nvPr/>
+        </p:nvSpPr>
+        <p:spPr>
+          <a:xfrm>
+            <a:off x="4334090" y="1559252"/>
+            <a:ext cx="265932" cy="255775"/>
+          </a:xfrm>
+          <a:prstGeom prst="flowChartConnector">
+            <a:avLst/>
+          </a:prstGeom>
+          <a:ln>
+            <a:solidFill>
+              <a:schemeClr val="tx2"/>
+            </a:solidFill>
+          </a:ln>
+          <a:effectLst>
+            <a:innerShdw blurRad="63500" dist="50800" dir="18900000">
+              <a:prstClr val="black">
+                <a:alpha val="50000"/>
+              </a:prstClr>
+            </a:innerShdw>
+          </a:effectLst>
+        </p:spPr>
+        <p:style>
+          <a:lnRef idx="2">
+            <a:schemeClr val="accent1">
+              <a:shade val="50000"/>
+            </a:schemeClr>
+          </a:lnRef>
+          <a:fillRef idx="1">
+            <a:schemeClr val="accent1"/>
+          </a:fillRef>
+          <a:effectRef idx="0">
+            <a:schemeClr val="accent1"/>
+          </a:effectRef>
+          <a:fontRef idx="minor">
+            <a:schemeClr val="lt1"/>
+          </a:fontRef>
+        </p:style>
+        <p:txBody>
+          <a:bodyPr rtlCol="0" anchor="ctr"/>
+          <a:lstStyle/>
+          <a:p>
+            <a:pPr algn="ctr"/>
+            <a:endParaRPr lang="zh-TW" altLang="en-US"/>
+          </a:p>
+        </p:txBody>
+      </p:sp>
+      <p:sp>
+        <p:nvSpPr>
+          <p:cNvPr id="11" name="流程圖: 接點 10"/>
+          <p:cNvSpPr/>
+          <p:nvPr/>
+        </p:nvSpPr>
+        <p:spPr>
+          <a:xfrm>
+            <a:off x="4344246" y="2639821"/>
+            <a:ext cx="255776" cy="242987"/>
+          </a:xfrm>
+          <a:prstGeom prst="flowChartConnector">
+            <a:avLst/>
+          </a:prstGeom>
+          <a:ln>
+            <a:solidFill>
+              <a:schemeClr val="tx2"/>
+            </a:solidFill>
+          </a:ln>
+          <a:effectLst>
+            <a:innerShdw blurRad="63500" dist="50800" dir="18900000">
+              <a:prstClr val="black">
+                <a:alpha val="50000"/>
+              </a:prstClr>
+            </a:innerShdw>
+          </a:effectLst>
+        </p:spPr>
+        <p:style>
+          <a:lnRef idx="2">
+            <a:schemeClr val="accent1">
+              <a:shade val="50000"/>
+            </a:schemeClr>
+          </a:lnRef>
+          <a:fillRef idx="1">
+            <a:schemeClr val="accent1"/>
+          </a:fillRef>
+          <a:effectRef idx="0">
+            <a:schemeClr val="accent1"/>
+          </a:effectRef>
+          <a:fontRef idx="minor">
+            <a:schemeClr val="lt1"/>
+          </a:fontRef>
+        </p:style>
+        <p:txBody>
+          <a:bodyPr rtlCol="0" anchor="ctr"/>
+          <a:lstStyle/>
+          <a:p>
+            <a:pPr algn="ctr"/>
+            <a:endParaRPr lang="zh-TW" altLang="en-US"/>
+          </a:p>
+        </p:txBody>
+      </p:sp>
+      <p:sp>
+        <p:nvSpPr>
+          <p:cNvPr id="12" name="流程圖: 接點 11"/>
+          <p:cNvSpPr/>
+          <p:nvPr/>
+        </p:nvSpPr>
+        <p:spPr>
+          <a:xfrm>
+            <a:off x="4349574" y="3754662"/>
+            <a:ext cx="255776" cy="242987"/>
+          </a:xfrm>
+          <a:prstGeom prst="flowChartConnector">
+            <a:avLst/>
+          </a:prstGeom>
+          <a:ln>
+            <a:solidFill>
+              <a:schemeClr val="tx2"/>
+            </a:solidFill>
+          </a:ln>
+          <a:effectLst>
+            <a:innerShdw blurRad="63500" dist="50800" dir="18900000">
+              <a:prstClr val="black">
+                <a:alpha val="50000"/>
+              </a:prstClr>
+            </a:innerShdw>
+          </a:effectLst>
+        </p:spPr>
+        <p:style>
+          <a:lnRef idx="2">
+            <a:schemeClr val="accent1">
+              <a:shade val="50000"/>
+            </a:schemeClr>
+          </a:lnRef>
+          <a:fillRef idx="1">
+            <a:schemeClr val="accent1"/>
+          </a:fillRef>
+          <a:effectRef idx="0">
+            <a:schemeClr val="accent1"/>
+          </a:effectRef>
+          <a:fontRef idx="minor">
+            <a:schemeClr val="lt1"/>
+          </a:fontRef>
+        </p:style>
+        <p:txBody>
+          <a:bodyPr rtlCol="0" anchor="ctr"/>
+          <a:lstStyle/>
+          <a:p>
+            <a:pPr algn="ctr"/>
+            <a:endParaRPr lang="zh-TW" altLang="en-US"/>
+          </a:p>
+        </p:txBody>
+      </p:sp>
+      <p:sp>
+        <p:nvSpPr>
+          <p:cNvPr id="13" name="流程圖: 接點 12"/>
+          <p:cNvSpPr/>
+          <p:nvPr/>
+        </p:nvSpPr>
+        <p:spPr>
+          <a:xfrm>
+            <a:off x="4349574" y="4971732"/>
+            <a:ext cx="255776" cy="242987"/>
+          </a:xfrm>
+          <a:prstGeom prst="flowChartConnector">
+            <a:avLst/>
+          </a:prstGeom>
+          <a:ln>
+            <a:solidFill>
+              <a:schemeClr val="tx2"/>
+            </a:solidFill>
+          </a:ln>
+          <a:effectLst>
+            <a:innerShdw blurRad="63500" dist="50800" dir="18900000">
+              <a:prstClr val="black">
+                <a:alpha val="50000"/>
+              </a:prstClr>
+            </a:innerShdw>
+          </a:effectLst>
+        </p:spPr>
+        <p:style>
+          <a:lnRef idx="2">
+            <a:schemeClr val="accent1">
+              <a:shade val="50000"/>
+            </a:schemeClr>
+          </a:lnRef>
+          <a:fillRef idx="1">
+            <a:schemeClr val="accent1"/>
+          </a:fillRef>
+          <a:effectRef idx="0">
+            <a:schemeClr val="accent1"/>
+          </a:effectRef>
+          <a:fontRef idx="minor">
+            <a:schemeClr val="lt1"/>
+          </a:fontRef>
+        </p:style>
+        <p:txBody>
+          <a:bodyPr rtlCol="0" anchor="ctr"/>
+          <a:lstStyle/>
+          <a:p>
+            <a:pPr algn="ctr"/>
+            <a:endParaRPr lang="zh-TW" altLang="en-US"/>
+          </a:p>
+        </p:txBody>
+      </p:sp>
+      <p:sp>
+        <p:nvSpPr>
+          <p:cNvPr id="15" name="文字方塊 14"/>
+          <p:cNvSpPr txBox="1"/>
+          <p:nvPr/>
+        </p:nvSpPr>
+        <p:spPr>
+          <a:xfrm>
+            <a:off x="4994030" y="1394753"/>
+            <a:ext cx="3416320" cy="646331"/>
+          </a:xfrm>
+          <a:prstGeom prst="rect">
+            <a:avLst/>
+          </a:prstGeom>
+          <a:noFill/>
+        </p:spPr>
+        <p:txBody>
+          <a:bodyPr wrap="none" rtlCol="0">
+            <a:spAutoFit/>
+          </a:bodyPr>
+          <a:lstStyle/>
+          <a:p>
+            <a:r>
+              <a:rPr lang="zh-TW" altLang="en-US" sz="3600" dirty="0" smtClean="0">
+                <a:solidFill>
+                  <a:srgbClr val="0070C0"/>
+                </a:solidFill>
+                <a:latin typeface="標楷體" pitchFamily="65" charset="-120"/>
+                <a:ea typeface="標楷體" pitchFamily="65" charset="-120"/>
+              </a:rPr>
+              <a:t>提升公司銷售額</a:t>
+            </a:r>
+            <a:endParaRPr lang="zh-TW" altLang="en-US" sz="3600" dirty="0">
+              <a:solidFill>
+                <a:srgbClr val="0070C0"/>
+              </a:solidFill>
+              <a:latin typeface="標楷體" pitchFamily="65" charset="-120"/>
+              <a:ea typeface="標楷體" pitchFamily="65" charset="-120"/>
+            </a:endParaRPr>
+          </a:p>
+        </p:txBody>
+      </p:sp>
+      <p:sp>
+        <p:nvSpPr>
+          <p:cNvPr id="16" name="文字方塊 15"/>
+          <p:cNvSpPr txBox="1"/>
+          <p:nvPr/>
+        </p:nvSpPr>
+        <p:spPr>
+          <a:xfrm>
+            <a:off x="5024943" y="2468928"/>
+            <a:ext cx="6186309" cy="646331"/>
+          </a:xfrm>
+          <a:prstGeom prst="rect">
+            <a:avLst/>
+          </a:prstGeom>
+          <a:noFill/>
+        </p:spPr>
+        <p:txBody>
+          <a:bodyPr wrap="none" rtlCol="0">
+            <a:spAutoFit/>
+          </a:bodyPr>
+          <a:lstStyle/>
+          <a:p>
+            <a:r>
+              <a:rPr lang="zh-TW" altLang="en-US" sz="3600" dirty="0" smtClean="0">
+                <a:solidFill>
+                  <a:srgbClr val="0070C0"/>
+                </a:solidFill>
+                <a:latin typeface="標楷體" pitchFamily="65" charset="-120"/>
+                <a:ea typeface="標楷體" pitchFamily="65" charset="-120"/>
+              </a:rPr>
+              <a:t>開發更多符合大眾喜好的鞋款</a:t>
+            </a:r>
+            <a:endParaRPr lang="zh-TW" altLang="en-US" sz="3600" dirty="0">
+              <a:solidFill>
+                <a:srgbClr val="0070C0"/>
+              </a:solidFill>
+              <a:latin typeface="標楷體" pitchFamily="65" charset="-120"/>
+              <a:ea typeface="標楷體" pitchFamily="65" charset="-120"/>
+            </a:endParaRPr>
+          </a:p>
+        </p:txBody>
+      </p:sp>
+      <p:sp>
+        <p:nvSpPr>
+          <p:cNvPr id="17" name="文字方塊 16"/>
+          <p:cNvSpPr txBox="1"/>
+          <p:nvPr/>
+        </p:nvSpPr>
+        <p:spPr>
+          <a:xfrm>
+            <a:off x="5082485" y="3583769"/>
+            <a:ext cx="5262979" cy="646331"/>
+          </a:xfrm>
+          <a:prstGeom prst="rect">
+            <a:avLst/>
+          </a:prstGeom>
+          <a:noFill/>
+        </p:spPr>
+        <p:txBody>
+          <a:bodyPr wrap="none" rtlCol="0">
+            <a:spAutoFit/>
+          </a:bodyPr>
+          <a:lstStyle/>
+          <a:p>
+            <a:r>
+              <a:rPr lang="zh-TW" altLang="en-US" sz="3600" dirty="0" smtClean="0">
+                <a:solidFill>
+                  <a:srgbClr val="0070C0"/>
+                </a:solidFill>
+                <a:latin typeface="標楷體" pitchFamily="65" charset="-120"/>
+                <a:ea typeface="標楷體" pitchFamily="65" charset="-120"/>
+              </a:rPr>
+              <a:t>庫存、尺寸管控更加精準</a:t>
+            </a:r>
+            <a:endParaRPr lang="zh-TW" altLang="en-US" sz="3600" dirty="0">
+              <a:solidFill>
+                <a:srgbClr val="0070C0"/>
+              </a:solidFill>
+              <a:latin typeface="標楷體" pitchFamily="65" charset="-120"/>
+              <a:ea typeface="標楷體" pitchFamily="65" charset="-120"/>
+            </a:endParaRPr>
+          </a:p>
+        </p:txBody>
+      </p:sp>
+      <p:sp>
+        <p:nvSpPr>
+          <p:cNvPr id="20" name="文字方塊 19"/>
+          <p:cNvSpPr txBox="1"/>
+          <p:nvPr/>
+        </p:nvSpPr>
+        <p:spPr>
+          <a:xfrm>
+            <a:off x="5082485" y="4800839"/>
+            <a:ext cx="6186309" cy="646331"/>
+          </a:xfrm>
+          <a:prstGeom prst="rect">
+            <a:avLst/>
+          </a:prstGeom>
+          <a:noFill/>
+        </p:spPr>
+        <p:txBody>
+          <a:bodyPr wrap="none" rtlCol="0">
+            <a:spAutoFit/>
+          </a:bodyPr>
+          <a:lstStyle/>
+          <a:p>
+            <a:r>
+              <a:rPr lang="zh-TW" altLang="en-US" sz="3600" dirty="0" smtClean="0">
+                <a:solidFill>
+                  <a:srgbClr val="0070C0"/>
+                </a:solidFill>
+                <a:latin typeface="標楷體" pitchFamily="65" charset="-120"/>
+                <a:ea typeface="標楷體" pitchFamily="65" charset="-120"/>
+              </a:rPr>
+              <a:t>比較銷售情況，分析未來趨勢</a:t>
+            </a:r>
+            <a:endParaRPr lang="zh-TW" altLang="en-US" sz="3600" dirty="0">
+              <a:solidFill>
+                <a:srgbClr val="0070C0"/>
+              </a:solidFill>
+              <a:latin typeface="標楷體" pitchFamily="65" charset="-120"/>
+              <a:ea typeface="標楷體" pitchFamily="65" charset="-120"/>
+            </a:endParaRPr>
+          </a:p>
+        </p:txBody>
+      </p:sp>
+    </p:spTree>
+    <p:extLst>
+      <p:ext uri="{BB962C8B-B14F-4D97-AF65-F5344CB8AC3E}">
+        <p14:creationId xmlns:p14="http://schemas.microsoft.com/office/powerpoint/2010/main" val="2229542973"/>
+      </p:ext>
+    </p:extLst>
+  </p:cSld>
+  <p:clrMapOvr>
+    <a:masterClrMapping/>
+  </p:clrMapOvr>
+  <p:timing>
+    <p:tnLst>
+      <p:par>
+        <p:cTn id="1" dur="indefinite" restart="never" nodeType="tmRoot"/>
+      </p:par>
+    </p:tnLst>
+  </p:timing>
+</p:sld>
+</file>
+
+<file path=ppt/slides/slide20.xml><?xml version="1.0" encoding="utf-8"?>
+<p:sld xmlns:a="http://schemas.openxmlformats.org/drawingml/2006/main" xmlns:r="http://schemas.openxmlformats.org/officeDocument/2006/relationships" xmlns:p="http://schemas.openxmlformats.org/presentationml/2006/main">
+  <p:cSld>
+    <p:bg>
+      <p:bgPr>
+        <a:gradFill>
+          <a:gsLst>
+            <a:gs pos="0">
+              <a:schemeClr val="bg1">
+                <a:tint val="93000"/>
+                <a:satMod val="150000"/>
+                <a:shade val="98000"/>
+                <a:lumMod val="102000"/>
+              </a:schemeClr>
+            </a:gs>
+            <a:gs pos="50000">
+              <a:schemeClr val="bg1">
+                <a:tint val="98000"/>
+                <a:satMod val="130000"/>
+                <a:shade val="90000"/>
+                <a:lumMod val="103000"/>
+              </a:schemeClr>
+            </a:gs>
+            <a:gs pos="100000">
+              <a:schemeClr val="bg1">
+                <a:shade val="63000"/>
+                <a:satMod val="120000"/>
+              </a:schemeClr>
+            </a:gs>
+          </a:gsLst>
+          <a:lin ang="5400000" scaled="0"/>
+        </a:gradFill>
+        <a:effectLst/>
+      </p:bgPr>
+    </p:bg>
+    <p:spTree>
+      <p:nvGrpSpPr>
+        <p:cNvPr id="1" name=""/>
+        <p:cNvGrpSpPr/>
+        <p:nvPr/>
+      </p:nvGrpSpPr>
+      <p:grpSpPr>
+        <a:xfrm>
+          <a:off x="0" y="0"/>
+          <a:ext cx="0" cy="0"/>
+          <a:chOff x="0" y="0"/>
+          <a:chExt cx="0" cy="0"/>
+        </a:xfrm>
+      </p:grpSpPr>
+      <p:sp>
+        <p:nvSpPr>
+          <p:cNvPr id="5" name="椭圆 3"/>
+          <p:cNvSpPr/>
+          <p:nvPr/>
+        </p:nvSpPr>
+        <p:spPr>
+          <a:xfrm>
+            <a:off x="-1226820" y="-1206731"/>
+            <a:ext cx="2453640" cy="2453640"/>
+          </a:xfrm>
+          <a:prstGeom prst="ellipse">
+            <a:avLst/>
+          </a:prstGeom>
+          <a:solidFill>
+            <a:srgbClr val="48A2A0">
+              <a:alpha val="70000"/>
+            </a:srgbClr>
+          </a:solidFill>
+          <a:ln>
+            <a:noFill/>
+          </a:ln>
+        </p:spPr>
+        <p:style>
+          <a:lnRef idx="2">
+            <a:schemeClr val="accent1">
+              <a:shade val="50000"/>
+            </a:schemeClr>
+          </a:lnRef>
+          <a:fillRef idx="1">
+            <a:schemeClr val="accent1"/>
+          </a:fillRef>
+          <a:effectRef idx="0">
+            <a:schemeClr val="accent1"/>
+          </a:effectRef>
+          <a:fontRef idx="minor">
+            <a:schemeClr val="lt1"/>
+          </a:fontRef>
+        </p:style>
+        <p:txBody>
+          <a:bodyPr rtlCol="0" anchor="ctr"/>
+          <a:lstStyle/>
+          <a:p>
+            <a:pPr algn="ctr"/>
+            <a:endParaRPr lang="zh-CN" altLang="en-US">
+              <a:cs typeface="+mn-ea"/>
+              <a:sym typeface="+mn-lt"/>
+            </a:endParaRPr>
+          </a:p>
+        </p:txBody>
+      </p:sp>
+      <p:sp>
+        <p:nvSpPr>
+          <p:cNvPr id="6" name="椭圆 4"/>
+          <p:cNvSpPr/>
+          <p:nvPr/>
+        </p:nvSpPr>
+        <p:spPr>
+          <a:xfrm>
+            <a:off x="550292" y="608411"/>
+            <a:ext cx="611305" cy="556631"/>
+          </a:xfrm>
+          <a:prstGeom prst="ellipse">
+            <a:avLst/>
+          </a:prstGeom>
+          <a:solidFill>
+            <a:srgbClr val="6C92C0">
+              <a:alpha val="70000"/>
+            </a:srgbClr>
+          </a:solidFill>
+          <a:ln>
+            <a:noFill/>
+          </a:ln>
+        </p:spPr>
+        <p:style>
+          <a:lnRef idx="2">
+            <a:schemeClr val="accent1">
+              <a:shade val="50000"/>
+            </a:schemeClr>
+          </a:lnRef>
+          <a:fillRef idx="1">
+            <a:schemeClr val="accent1"/>
+          </a:fillRef>
+          <a:effectRef idx="0">
+            <a:schemeClr val="accent1"/>
+          </a:effectRef>
+          <a:fontRef idx="minor">
+            <a:schemeClr val="lt1"/>
+          </a:fontRef>
+        </p:style>
+        <p:txBody>
+          <a:bodyPr rtlCol="0" anchor="ctr"/>
+          <a:lstStyle/>
+          <a:p>
+            <a:pPr algn="ctr"/>
+            <a:endParaRPr lang="zh-CN" altLang="en-US">
+              <a:cs typeface="+mn-ea"/>
+              <a:sym typeface="+mn-lt"/>
+            </a:endParaRPr>
+          </a:p>
+        </p:txBody>
+      </p:sp>
+      <p:pic>
+        <p:nvPicPr>
+          <p:cNvPr id="2" name="圖片 1"/>
+          <p:cNvPicPr preferRelativeResize="0">
+            <a:picLocks/>
+          </p:cNvPicPr>
+          <p:nvPr/>
+        </p:nvPicPr>
+        <p:blipFill>
+          <a:blip r:embed="rId2">
+            <a:extLst>
+              <a:ext uri="{28A0092B-C50C-407E-A947-70E740481C1C}">
+                <a14:useLocalDpi xmlns:a14="http://schemas.microsoft.com/office/drawing/2010/main" val="0"/>
+              </a:ext>
+            </a:extLst>
+          </a:blip>
+          <a:stretch>
+            <a:fillRect/>
+          </a:stretch>
+        </p:blipFill>
+        <p:spPr>
+          <a:xfrm>
+            <a:off x="-228157" y="20089"/>
+            <a:ext cx="12881558" cy="7352486"/>
+          </a:xfrm>
+          <a:prstGeom prst="rect">
+            <a:avLst/>
+          </a:prstGeom>
+        </p:spPr>
+      </p:pic>
+    </p:spTree>
+    <p:extLst>
+      <p:ext uri="{BB962C8B-B14F-4D97-AF65-F5344CB8AC3E}">
+        <p14:creationId xmlns:p14="http://schemas.microsoft.com/office/powerpoint/2010/main" val="4241738850"/>
+      </p:ext>
+    </p:extLst>
+  </p:cSld>
+  <p:clrMapOvr>
+    <a:masterClrMapping/>
+  </p:clrMapOvr>
+  <p:timing>
+    <p:tnLst>
+      <p:par>
+        <p:cTn id="1" dur="indefinite" restart="never" nodeType="tmRoot"/>
+      </p:par>
+    </p:tnLst>
+  </p:timing>
+</p:sld>
+</file>
+
+<file path=ppt/slides/slide21.xml><?xml version="1.0" encoding="utf-8"?>
+<p:sld xmlns:a="http://schemas.openxmlformats.org/drawingml/2006/main" xmlns:r="http://schemas.openxmlformats.org/officeDocument/2006/relationships" xmlns:p="http://schemas.openxmlformats.org/presentationml/2006/main">
+  <p:cSld>
+    <p:bg>
+      <p:bgPr>
+        <a:gradFill>
+          <a:gsLst>
+            <a:gs pos="0">
+              <a:schemeClr val="bg1">
+                <a:tint val="93000"/>
+                <a:satMod val="150000"/>
+                <a:shade val="98000"/>
+                <a:lumMod val="102000"/>
+              </a:schemeClr>
+            </a:gs>
+            <a:gs pos="50000">
+              <a:schemeClr val="bg1">
+                <a:tint val="98000"/>
+                <a:satMod val="130000"/>
+                <a:shade val="90000"/>
+                <a:lumMod val="103000"/>
+              </a:schemeClr>
+            </a:gs>
+            <a:gs pos="100000">
+              <a:schemeClr val="bg1">
+                <a:shade val="63000"/>
+                <a:satMod val="120000"/>
+              </a:schemeClr>
+            </a:gs>
+          </a:gsLst>
+          <a:lin ang="5400000" scaled="0"/>
+        </a:gradFill>
+        <a:effectLst/>
+      </p:bgPr>
+    </p:bg>
+    <p:spTree>
+      <p:nvGrpSpPr>
+        <p:cNvPr id="1" name=""/>
+        <p:cNvGrpSpPr/>
+        <p:nvPr/>
+      </p:nvGrpSpPr>
+      <p:grpSpPr>
+        <a:xfrm>
+          <a:off x="0" y="0"/>
+          <a:ext cx="0" cy="0"/>
+          <a:chOff x="0" y="0"/>
+          <a:chExt cx="0" cy="0"/>
+        </a:xfrm>
+      </p:grpSpPr>
+      <p:sp>
+        <p:nvSpPr>
+          <p:cNvPr id="5" name="椭圆 3"/>
+          <p:cNvSpPr/>
+          <p:nvPr/>
+        </p:nvSpPr>
+        <p:spPr>
+          <a:xfrm>
+            <a:off x="-1226820" y="-1206731"/>
+            <a:ext cx="2453640" cy="2453640"/>
+          </a:xfrm>
+          <a:prstGeom prst="ellipse">
+            <a:avLst/>
+          </a:prstGeom>
+          <a:solidFill>
+            <a:srgbClr val="48A2A0">
+              <a:alpha val="70000"/>
+            </a:srgbClr>
+          </a:solidFill>
+          <a:ln>
+            <a:noFill/>
+          </a:ln>
+        </p:spPr>
+        <p:style>
+          <a:lnRef idx="2">
+            <a:schemeClr val="accent1">
+              <a:shade val="50000"/>
+            </a:schemeClr>
+          </a:lnRef>
+          <a:fillRef idx="1">
+            <a:schemeClr val="accent1"/>
+          </a:fillRef>
+          <a:effectRef idx="0">
+            <a:schemeClr val="accent1"/>
+          </a:effectRef>
+          <a:fontRef idx="minor">
+            <a:schemeClr val="lt1"/>
+          </a:fontRef>
+        </p:style>
+        <p:txBody>
+          <a:bodyPr rtlCol="0" anchor="ctr"/>
+          <a:lstStyle/>
+          <a:p>
+            <a:pPr algn="ctr"/>
+            <a:endParaRPr lang="zh-CN" altLang="en-US">
+              <a:cs typeface="+mn-ea"/>
+              <a:sym typeface="+mn-lt"/>
+            </a:endParaRPr>
+          </a:p>
+        </p:txBody>
+      </p:sp>
+      <p:sp>
+        <p:nvSpPr>
+          <p:cNvPr id="6" name="椭圆 4"/>
+          <p:cNvSpPr/>
+          <p:nvPr/>
+        </p:nvSpPr>
+        <p:spPr>
+          <a:xfrm>
+            <a:off x="550292" y="608411"/>
+            <a:ext cx="611305" cy="556631"/>
+          </a:xfrm>
+          <a:prstGeom prst="ellipse">
+            <a:avLst/>
+          </a:prstGeom>
+          <a:solidFill>
+            <a:srgbClr val="6C92C0">
+              <a:alpha val="70000"/>
+            </a:srgbClr>
+          </a:solidFill>
+          <a:ln>
+            <a:noFill/>
+          </a:ln>
+        </p:spPr>
+        <p:style>
+          <a:lnRef idx="2">
+            <a:schemeClr val="accent1">
+              <a:shade val="50000"/>
+            </a:schemeClr>
+          </a:lnRef>
+          <a:fillRef idx="1">
+            <a:schemeClr val="accent1"/>
+          </a:fillRef>
+          <a:effectRef idx="0">
+            <a:schemeClr val="accent1"/>
+          </a:effectRef>
+          <a:fontRef idx="minor">
+            <a:schemeClr val="lt1"/>
+          </a:fontRef>
+        </p:style>
+        <p:txBody>
+          <a:bodyPr rtlCol="0" anchor="ctr"/>
+          <a:lstStyle/>
+          <a:p>
+            <a:pPr algn="ctr"/>
+            <a:endParaRPr lang="zh-CN" altLang="en-US">
+              <a:cs typeface="+mn-ea"/>
+              <a:sym typeface="+mn-lt"/>
+            </a:endParaRPr>
+          </a:p>
+        </p:txBody>
+      </p:sp>
+      <p:pic>
+        <p:nvPicPr>
+          <p:cNvPr id="2" name="圖片 1"/>
+          <p:cNvPicPr preferRelativeResize="0">
+            <a:picLocks/>
+          </p:cNvPicPr>
+          <p:nvPr/>
+        </p:nvPicPr>
+        <p:blipFill>
+          <a:blip r:embed="rId2">
+            <a:extLst>
+              <a:ext uri="{28A0092B-C50C-407E-A947-70E740481C1C}">
+                <a14:useLocalDpi xmlns:a14="http://schemas.microsoft.com/office/drawing/2010/main" val="0"/>
+              </a:ext>
+            </a:extLst>
+          </a:blip>
+          <a:stretch>
+            <a:fillRect/>
+          </a:stretch>
+        </p:blipFill>
+        <p:spPr>
+          <a:xfrm>
+            <a:off x="-226800" y="21600"/>
+            <a:ext cx="12880800" cy="7351200"/>
+          </a:xfrm>
+          <a:prstGeom prst="rect">
+            <a:avLst/>
+          </a:prstGeom>
+        </p:spPr>
+      </p:pic>
+      <p:sp>
+        <p:nvSpPr>
+          <p:cNvPr id="3" name="直線圖說文字 2 2"/>
+          <p:cNvSpPr/>
+          <p:nvPr/>
+        </p:nvSpPr>
+        <p:spPr>
+          <a:xfrm>
+            <a:off x="5576453" y="4450773"/>
+            <a:ext cx="2944092" cy="834736"/>
+          </a:xfrm>
+          <a:prstGeom prst="borderCallout2">
+            <a:avLst>
+              <a:gd name="adj1" fmla="val 19172"/>
+              <a:gd name="adj2" fmla="val -76"/>
+              <a:gd name="adj3" fmla="val 18750"/>
+              <a:gd name="adj4" fmla="val -16667"/>
+              <a:gd name="adj5" fmla="val 70214"/>
+              <a:gd name="adj6" fmla="val -45945"/>
+            </a:avLst>
+          </a:prstGeom>
+        </p:spPr>
+        <p:style>
+          <a:lnRef idx="2">
+            <a:schemeClr val="dk1">
+              <a:shade val="50000"/>
+            </a:schemeClr>
+          </a:lnRef>
+          <a:fillRef idx="1">
+            <a:schemeClr val="dk1"/>
+          </a:fillRef>
+          <a:effectRef idx="0">
+            <a:schemeClr val="dk1"/>
+          </a:effectRef>
+          <a:fontRef idx="minor">
+            <a:schemeClr val="lt1"/>
+          </a:fontRef>
+        </p:style>
+        <p:txBody>
+          <a:bodyPr rtlCol="0" anchor="ctr"/>
+          <a:lstStyle/>
+          <a:p>
+            <a:pPr algn="ctr"/>
+            <a:r>
+              <a:rPr lang="zh-TW" altLang="en-US" sz="1400" dirty="0" smtClean="0">
+                <a:latin typeface="標楷體" pitchFamily="65" charset="-120"/>
+                <a:ea typeface="標楷體" pitchFamily="65" charset="-120"/>
+              </a:rPr>
+              <a:t>童鞋在週年慶銷售沒有高跟與平底出色，但根據秋季銷售比例童鞋是週年慶主力銷售時間點。</a:t>
+            </a:r>
+            <a:endParaRPr lang="zh-TW" altLang="en-US" sz="1400" dirty="0">
+              <a:latin typeface="標楷體" pitchFamily="65" charset="-120"/>
+              <a:ea typeface="標楷體" pitchFamily="65" charset="-120"/>
+            </a:endParaRPr>
+          </a:p>
+        </p:txBody>
+      </p:sp>
+    </p:spTree>
+    <p:extLst>
+      <p:ext uri="{BB962C8B-B14F-4D97-AF65-F5344CB8AC3E}">
+        <p14:creationId xmlns:p14="http://schemas.microsoft.com/office/powerpoint/2010/main" val="3257915852"/>
+      </p:ext>
+    </p:extLst>
+  </p:cSld>
+  <p:clrMapOvr>
+    <a:masterClrMapping/>
+  </p:clrMapOvr>
+  <p:timing>
+    <p:tnLst>
+      <p:par>
+        <p:cTn id="1" dur="indefinite" restart="never" nodeType="tmRoot"/>
+      </p:par>
+    </p:tnLst>
+  </p:timing>
+</p:sld>
+</file>
+
+<file path=ppt/slides/slide22.xml><?xml version="1.0" encoding="utf-8"?>
+<p:sld xmlns:a="http://schemas.openxmlformats.org/drawingml/2006/main" xmlns:r="http://schemas.openxmlformats.org/officeDocument/2006/relationships" xmlns:p="http://schemas.openxmlformats.org/presentationml/2006/main">
+  <p:cSld>
+    <p:bg>
+      <p:bgPr>
+        <a:gradFill>
+          <a:gsLst>
+            <a:gs pos="0">
+              <a:schemeClr val="bg1">
+                <a:tint val="93000"/>
+                <a:satMod val="150000"/>
+                <a:shade val="98000"/>
+                <a:lumMod val="102000"/>
+              </a:schemeClr>
+            </a:gs>
+            <a:gs pos="50000">
+              <a:schemeClr val="bg1">
+                <a:tint val="98000"/>
+                <a:satMod val="130000"/>
+                <a:shade val="90000"/>
+                <a:lumMod val="103000"/>
+              </a:schemeClr>
+            </a:gs>
+            <a:gs pos="100000">
+              <a:schemeClr val="bg1">
+                <a:shade val="63000"/>
+                <a:satMod val="120000"/>
+              </a:schemeClr>
+            </a:gs>
+          </a:gsLst>
+          <a:lin ang="5400000" scaled="0"/>
+        </a:gradFill>
+        <a:effectLst/>
+      </p:bgPr>
+    </p:bg>
+    <p:spTree>
+      <p:nvGrpSpPr>
+        <p:cNvPr id="1" name=""/>
+        <p:cNvGrpSpPr/>
+        <p:nvPr/>
+      </p:nvGrpSpPr>
+      <p:grpSpPr>
+        <a:xfrm>
+          <a:off x="0" y="0"/>
+          <a:ext cx="0" cy="0"/>
+          <a:chOff x="0" y="0"/>
+          <a:chExt cx="0" cy="0"/>
+        </a:xfrm>
+      </p:grpSpPr>
+      <p:sp>
+        <p:nvSpPr>
+          <p:cNvPr id="5" name="椭圆 3"/>
+          <p:cNvSpPr/>
+          <p:nvPr/>
+        </p:nvSpPr>
+        <p:spPr>
+          <a:xfrm>
+            <a:off x="-1226820" y="-1206731"/>
+            <a:ext cx="2453640" cy="2453640"/>
+          </a:xfrm>
+          <a:prstGeom prst="ellipse">
+            <a:avLst/>
+          </a:prstGeom>
+          <a:solidFill>
+            <a:srgbClr val="48A2A0">
+              <a:alpha val="70000"/>
+            </a:srgbClr>
+          </a:solidFill>
+          <a:ln>
+            <a:noFill/>
+          </a:ln>
+        </p:spPr>
+        <p:style>
+          <a:lnRef idx="2">
+            <a:schemeClr val="accent1">
+              <a:shade val="50000"/>
+            </a:schemeClr>
+          </a:lnRef>
+          <a:fillRef idx="1">
+            <a:schemeClr val="accent1"/>
+          </a:fillRef>
+          <a:effectRef idx="0">
+            <a:schemeClr val="accent1"/>
+          </a:effectRef>
+          <a:fontRef idx="minor">
+            <a:schemeClr val="lt1"/>
+          </a:fontRef>
+        </p:style>
+        <p:txBody>
+          <a:bodyPr rtlCol="0" anchor="ctr"/>
+          <a:lstStyle/>
+          <a:p>
+            <a:pPr algn="ctr"/>
+            <a:endParaRPr lang="zh-CN" altLang="en-US">
+              <a:cs typeface="+mn-ea"/>
+              <a:sym typeface="+mn-lt"/>
+            </a:endParaRPr>
+          </a:p>
+        </p:txBody>
+      </p:sp>
+      <p:sp>
+        <p:nvSpPr>
+          <p:cNvPr id="6" name="椭圆 4"/>
+          <p:cNvSpPr/>
+          <p:nvPr/>
+        </p:nvSpPr>
+        <p:spPr>
+          <a:xfrm>
+            <a:off x="550292" y="608411"/>
+            <a:ext cx="611305" cy="556631"/>
+          </a:xfrm>
+          <a:prstGeom prst="ellipse">
+            <a:avLst/>
+          </a:prstGeom>
+          <a:solidFill>
+            <a:srgbClr val="6C92C0">
+              <a:alpha val="70000"/>
+            </a:srgbClr>
+          </a:solidFill>
+          <a:ln>
+            <a:noFill/>
+          </a:ln>
+        </p:spPr>
+        <p:style>
+          <a:lnRef idx="2">
+            <a:schemeClr val="accent1">
+              <a:shade val="50000"/>
+            </a:schemeClr>
+          </a:lnRef>
+          <a:fillRef idx="1">
+            <a:schemeClr val="accent1"/>
+          </a:fillRef>
+          <a:effectRef idx="0">
+            <a:schemeClr val="accent1"/>
+          </a:effectRef>
+          <a:fontRef idx="minor">
+            <a:schemeClr val="lt1"/>
+          </a:fontRef>
+        </p:style>
+        <p:txBody>
+          <a:bodyPr rtlCol="0" anchor="ctr"/>
+          <a:lstStyle/>
+          <a:p>
+            <a:pPr algn="ctr"/>
+            <a:endParaRPr lang="zh-CN" altLang="en-US">
+              <a:cs typeface="+mn-ea"/>
+              <a:sym typeface="+mn-lt"/>
+            </a:endParaRPr>
+          </a:p>
+        </p:txBody>
+      </p:sp>
+      <p:pic>
+        <p:nvPicPr>
+          <p:cNvPr id="2" name="圖片 1"/>
+          <p:cNvPicPr preferRelativeResize="0">
+            <a:picLocks/>
+          </p:cNvPicPr>
+          <p:nvPr/>
+        </p:nvPicPr>
+        <p:blipFill>
+          <a:blip r:embed="rId2">
+            <a:extLst>
+              <a:ext uri="{28A0092B-C50C-407E-A947-70E740481C1C}">
+                <a14:useLocalDpi xmlns:a14="http://schemas.microsoft.com/office/drawing/2010/main" val="0"/>
+              </a:ext>
+            </a:extLst>
+          </a:blip>
+          <a:stretch>
+            <a:fillRect/>
+          </a:stretch>
+        </p:blipFill>
+        <p:spPr>
+          <a:xfrm>
+            <a:off x="497721" y="100800"/>
+            <a:ext cx="11556000" cy="6778800"/>
+          </a:xfrm>
+          <a:prstGeom prst="rect">
+            <a:avLst/>
+          </a:prstGeom>
+        </p:spPr>
+      </p:pic>
+      <p:pic>
+        <p:nvPicPr>
+          <p:cNvPr id="4" name="圖片 3"/>
+          <p:cNvPicPr>
+            <a:picLocks noChangeAspect="1"/>
+          </p:cNvPicPr>
+          <p:nvPr/>
+        </p:nvPicPr>
+        <p:blipFill>
+          <a:blip r:embed="rId3">
+            <a:extLst>
+              <a:ext uri="{28A0092B-C50C-407E-A947-70E740481C1C}">
+                <a14:useLocalDpi xmlns:a14="http://schemas.microsoft.com/office/drawing/2010/main" val="0"/>
+              </a:ext>
+            </a:extLst>
+          </a:blip>
+          <a:stretch>
+            <a:fillRect/>
+          </a:stretch>
+        </p:blipFill>
+        <p:spPr>
+          <a:xfrm>
+            <a:off x="7941565" y="1423100"/>
+            <a:ext cx="3257542" cy="1729811"/>
           </a:xfrm>
           <a:prstGeom prst="rect">
             <a:avLst/>
@@ -3899,7 +5947,1056 @@
 </p:sld>
 </file>
 
-<file path=ppt/slides/slide19.xml><?xml version="1.0" encoding="utf-8"?>
+<file path=ppt/slides/slide23.xml><?xml version="1.0" encoding="utf-8"?>
+<p:sld xmlns:a="http://schemas.openxmlformats.org/drawingml/2006/main" xmlns:r="http://schemas.openxmlformats.org/officeDocument/2006/relationships" xmlns:p="http://schemas.openxmlformats.org/presentationml/2006/main">
+  <p:cSld>
+    <p:bg>
+      <p:bgPr>
+        <a:gradFill>
+          <a:gsLst>
+            <a:gs pos="0">
+              <a:schemeClr val="bg1">
+                <a:tint val="93000"/>
+                <a:satMod val="150000"/>
+                <a:shade val="98000"/>
+                <a:lumMod val="102000"/>
+              </a:schemeClr>
+            </a:gs>
+            <a:gs pos="50000">
+              <a:schemeClr val="bg1">
+                <a:tint val="98000"/>
+                <a:satMod val="130000"/>
+                <a:shade val="90000"/>
+                <a:lumMod val="103000"/>
+              </a:schemeClr>
+            </a:gs>
+            <a:gs pos="100000">
+              <a:schemeClr val="bg1">
+                <a:shade val="63000"/>
+                <a:satMod val="120000"/>
+              </a:schemeClr>
+            </a:gs>
+          </a:gsLst>
+          <a:lin ang="5400000" scaled="0"/>
+        </a:gradFill>
+        <a:effectLst/>
+      </p:bgPr>
+    </p:bg>
+    <p:spTree>
+      <p:nvGrpSpPr>
+        <p:cNvPr id="1" name=""/>
+        <p:cNvGrpSpPr/>
+        <p:nvPr/>
+      </p:nvGrpSpPr>
+      <p:grpSpPr>
+        <a:xfrm>
+          <a:off x="0" y="0"/>
+          <a:ext cx="0" cy="0"/>
+          <a:chOff x="0" y="0"/>
+          <a:chExt cx="0" cy="0"/>
+        </a:xfrm>
+      </p:grpSpPr>
+      <p:sp>
+        <p:nvSpPr>
+          <p:cNvPr id="5" name="椭圆 3"/>
+          <p:cNvSpPr/>
+          <p:nvPr/>
+        </p:nvSpPr>
+        <p:spPr>
+          <a:xfrm>
+            <a:off x="-1226820" y="-1206731"/>
+            <a:ext cx="2453640" cy="2453640"/>
+          </a:xfrm>
+          <a:prstGeom prst="ellipse">
+            <a:avLst/>
+          </a:prstGeom>
+          <a:solidFill>
+            <a:srgbClr val="48A2A0">
+              <a:alpha val="70000"/>
+            </a:srgbClr>
+          </a:solidFill>
+          <a:ln>
+            <a:noFill/>
+          </a:ln>
+        </p:spPr>
+        <p:style>
+          <a:lnRef idx="2">
+            <a:schemeClr val="accent1">
+              <a:shade val="50000"/>
+            </a:schemeClr>
+          </a:lnRef>
+          <a:fillRef idx="1">
+            <a:schemeClr val="accent1"/>
+          </a:fillRef>
+          <a:effectRef idx="0">
+            <a:schemeClr val="accent1"/>
+          </a:effectRef>
+          <a:fontRef idx="minor">
+            <a:schemeClr val="lt1"/>
+          </a:fontRef>
+        </p:style>
+        <p:txBody>
+          <a:bodyPr rtlCol="0" anchor="ctr"/>
+          <a:lstStyle/>
+          <a:p>
+            <a:pPr algn="ctr"/>
+            <a:endParaRPr lang="zh-CN" altLang="en-US">
+              <a:cs typeface="+mn-ea"/>
+              <a:sym typeface="+mn-lt"/>
+            </a:endParaRPr>
+          </a:p>
+        </p:txBody>
+      </p:sp>
+      <p:sp>
+        <p:nvSpPr>
+          <p:cNvPr id="6" name="椭圆 4"/>
+          <p:cNvSpPr/>
+          <p:nvPr/>
+        </p:nvSpPr>
+        <p:spPr>
+          <a:xfrm>
+            <a:off x="550292" y="608411"/>
+            <a:ext cx="611305" cy="556631"/>
+          </a:xfrm>
+          <a:prstGeom prst="ellipse">
+            <a:avLst/>
+          </a:prstGeom>
+          <a:solidFill>
+            <a:srgbClr val="6C92C0">
+              <a:alpha val="70000"/>
+            </a:srgbClr>
+          </a:solidFill>
+          <a:ln>
+            <a:noFill/>
+          </a:ln>
+        </p:spPr>
+        <p:style>
+          <a:lnRef idx="2">
+            <a:schemeClr val="accent1">
+              <a:shade val="50000"/>
+            </a:schemeClr>
+          </a:lnRef>
+          <a:fillRef idx="1">
+            <a:schemeClr val="accent1"/>
+          </a:fillRef>
+          <a:effectRef idx="0">
+            <a:schemeClr val="accent1"/>
+          </a:effectRef>
+          <a:fontRef idx="minor">
+            <a:schemeClr val="lt1"/>
+          </a:fontRef>
+        </p:style>
+        <p:txBody>
+          <a:bodyPr rtlCol="0" anchor="ctr"/>
+          <a:lstStyle/>
+          <a:p>
+            <a:pPr algn="ctr"/>
+            <a:endParaRPr lang="zh-CN" altLang="en-US">
+              <a:cs typeface="+mn-ea"/>
+              <a:sym typeface="+mn-lt"/>
+            </a:endParaRPr>
+          </a:p>
+        </p:txBody>
+      </p:sp>
+      <p:sp>
+        <p:nvSpPr>
+          <p:cNvPr id="3" name="AutoShape 1" descr="各鞋款平均售價"/>
+          <p:cNvSpPr>
+            <a:spLocks noChangeAspect="1" noChangeArrowheads="1"/>
+          </p:cNvSpPr>
+          <p:nvPr/>
+        </p:nvSpPr>
+        <p:spPr bwMode="auto">
+          <a:xfrm>
+            <a:off x="609600" y="3222625"/>
+            <a:ext cx="304800" cy="304800"/>
+          </a:xfrm>
+          <a:prstGeom prst="rect">
+            <a:avLst/>
+          </a:prstGeom>
+          <a:noFill/>
+          <a:extLst>
+            <a:ext uri="{909E8E84-426E-40DD-AFC4-6F175D3DCCD1}">
+              <a14:hiddenFill xmlns:a14="http://schemas.microsoft.com/office/drawing/2010/main">
+                <a:solidFill>
+                  <a:srgbClr val="FFFFFF"/>
+                </a:solidFill>
+              </a14:hiddenFill>
+            </a:ext>
+          </a:extLst>
+        </p:spPr>
+        <p:txBody>
+          <a:bodyPr vert="horz" wrap="square" lIns="91440" tIns="45720" rIns="91440" bIns="45720" numCol="1" anchor="t" anchorCtr="0" compatLnSpc="1">
+            <a:prstTxWarp prst="textNoShape">
+              <a:avLst/>
+            </a:prstTxWarp>
+          </a:bodyPr>
+          <a:lstStyle/>
+          <a:p>
+            <a:endParaRPr lang="zh-TW" altLang="en-US"/>
+          </a:p>
+        </p:txBody>
+      </p:sp>
+      <p:pic>
+        <p:nvPicPr>
+          <p:cNvPr id="7" name="圖片 6"/>
+          <p:cNvPicPr>
+            <a:picLocks noChangeAspect="1"/>
+          </p:cNvPicPr>
+          <p:nvPr/>
+        </p:nvPicPr>
+        <p:blipFill>
+          <a:blip r:embed="rId3">
+            <a:extLst>
+              <a:ext uri="{28A0092B-C50C-407E-A947-70E740481C1C}">
+                <a14:useLocalDpi xmlns:a14="http://schemas.microsoft.com/office/drawing/2010/main" val="0"/>
+              </a:ext>
+            </a:extLst>
+          </a:blip>
+          <a:stretch>
+            <a:fillRect/>
+          </a:stretch>
+        </p:blipFill>
+        <p:spPr>
+          <a:xfrm>
+            <a:off x="1100025" y="242420"/>
+            <a:ext cx="10828360" cy="6651660"/>
+          </a:xfrm>
+          <a:prstGeom prst="rect">
+            <a:avLst/>
+          </a:prstGeom>
+        </p:spPr>
+      </p:pic>
+    </p:spTree>
+    <p:extLst>
+      <p:ext uri="{BB962C8B-B14F-4D97-AF65-F5344CB8AC3E}">
+        <p14:creationId xmlns:p14="http://schemas.microsoft.com/office/powerpoint/2010/main" val="2993175217"/>
+      </p:ext>
+    </p:extLst>
+  </p:cSld>
+  <p:clrMapOvr>
+    <a:masterClrMapping/>
+  </p:clrMapOvr>
+  <p:timing>
+    <p:tnLst>
+      <p:par>
+        <p:cTn id="1" dur="indefinite" restart="never" nodeType="tmRoot"/>
+      </p:par>
+    </p:tnLst>
+  </p:timing>
+</p:sld>
+</file>
+
+<file path=ppt/slides/slide24.xml><?xml version="1.0" encoding="utf-8"?>
+<p:sld xmlns:a="http://schemas.openxmlformats.org/drawingml/2006/main" xmlns:r="http://schemas.openxmlformats.org/officeDocument/2006/relationships" xmlns:p="http://schemas.openxmlformats.org/presentationml/2006/main">
+  <p:cSld>
+    <p:bg>
+      <p:bgPr>
+        <a:gradFill>
+          <a:gsLst>
+            <a:gs pos="0">
+              <a:schemeClr val="bg1">
+                <a:tint val="93000"/>
+                <a:satMod val="150000"/>
+                <a:shade val="98000"/>
+                <a:lumMod val="102000"/>
+              </a:schemeClr>
+            </a:gs>
+            <a:gs pos="50000">
+              <a:schemeClr val="bg1">
+                <a:tint val="98000"/>
+                <a:satMod val="130000"/>
+                <a:shade val="90000"/>
+                <a:lumMod val="103000"/>
+              </a:schemeClr>
+            </a:gs>
+            <a:gs pos="100000">
+              <a:schemeClr val="bg1">
+                <a:shade val="63000"/>
+                <a:satMod val="120000"/>
+              </a:schemeClr>
+            </a:gs>
+          </a:gsLst>
+          <a:lin ang="5400000" scaled="0"/>
+        </a:gradFill>
+        <a:effectLst/>
+      </p:bgPr>
+    </p:bg>
+    <p:spTree>
+      <p:nvGrpSpPr>
+        <p:cNvPr id="1" name=""/>
+        <p:cNvGrpSpPr/>
+        <p:nvPr/>
+      </p:nvGrpSpPr>
+      <p:grpSpPr>
+        <a:xfrm>
+          <a:off x="0" y="0"/>
+          <a:ext cx="0" cy="0"/>
+          <a:chOff x="0" y="0"/>
+          <a:chExt cx="0" cy="0"/>
+        </a:xfrm>
+      </p:grpSpPr>
+      <p:sp>
+        <p:nvSpPr>
+          <p:cNvPr id="5" name="椭圆 3"/>
+          <p:cNvSpPr/>
+          <p:nvPr/>
+        </p:nvSpPr>
+        <p:spPr>
+          <a:xfrm>
+            <a:off x="-1226820" y="-1206731"/>
+            <a:ext cx="2453640" cy="2453640"/>
+          </a:xfrm>
+          <a:prstGeom prst="ellipse">
+            <a:avLst/>
+          </a:prstGeom>
+          <a:solidFill>
+            <a:srgbClr val="48A2A0">
+              <a:alpha val="70000"/>
+            </a:srgbClr>
+          </a:solidFill>
+          <a:ln>
+            <a:noFill/>
+          </a:ln>
+        </p:spPr>
+        <p:style>
+          <a:lnRef idx="2">
+            <a:schemeClr val="accent1">
+              <a:shade val="50000"/>
+            </a:schemeClr>
+          </a:lnRef>
+          <a:fillRef idx="1">
+            <a:schemeClr val="accent1"/>
+          </a:fillRef>
+          <a:effectRef idx="0">
+            <a:schemeClr val="accent1"/>
+          </a:effectRef>
+          <a:fontRef idx="minor">
+            <a:schemeClr val="lt1"/>
+          </a:fontRef>
+        </p:style>
+        <p:txBody>
+          <a:bodyPr rtlCol="0" anchor="ctr"/>
+          <a:lstStyle/>
+          <a:p>
+            <a:pPr algn="ctr"/>
+            <a:endParaRPr lang="zh-CN" altLang="en-US">
+              <a:cs typeface="+mn-ea"/>
+              <a:sym typeface="+mn-lt"/>
+            </a:endParaRPr>
+          </a:p>
+        </p:txBody>
+      </p:sp>
+      <p:sp>
+        <p:nvSpPr>
+          <p:cNvPr id="6" name="椭圆 4"/>
+          <p:cNvSpPr/>
+          <p:nvPr/>
+        </p:nvSpPr>
+        <p:spPr>
+          <a:xfrm>
+            <a:off x="550292" y="608411"/>
+            <a:ext cx="611305" cy="556631"/>
+          </a:xfrm>
+          <a:prstGeom prst="ellipse">
+            <a:avLst/>
+          </a:prstGeom>
+          <a:solidFill>
+            <a:srgbClr val="6C92C0">
+              <a:alpha val="70000"/>
+            </a:srgbClr>
+          </a:solidFill>
+          <a:ln>
+            <a:noFill/>
+          </a:ln>
+        </p:spPr>
+        <p:style>
+          <a:lnRef idx="2">
+            <a:schemeClr val="accent1">
+              <a:shade val="50000"/>
+            </a:schemeClr>
+          </a:lnRef>
+          <a:fillRef idx="1">
+            <a:schemeClr val="accent1"/>
+          </a:fillRef>
+          <a:effectRef idx="0">
+            <a:schemeClr val="accent1"/>
+          </a:effectRef>
+          <a:fontRef idx="minor">
+            <a:schemeClr val="lt1"/>
+          </a:fontRef>
+        </p:style>
+        <p:txBody>
+          <a:bodyPr rtlCol="0" anchor="ctr"/>
+          <a:lstStyle/>
+          <a:p>
+            <a:pPr algn="ctr"/>
+            <a:endParaRPr lang="zh-CN" altLang="en-US">
+              <a:cs typeface="+mn-ea"/>
+              <a:sym typeface="+mn-lt"/>
+            </a:endParaRPr>
+          </a:p>
+        </p:txBody>
+      </p:sp>
+      <p:sp>
+        <p:nvSpPr>
+          <p:cNvPr id="3" name="AutoShape 1" descr="各鞋款平均售價"/>
+          <p:cNvSpPr>
+            <a:spLocks noChangeAspect="1" noChangeArrowheads="1"/>
+          </p:cNvSpPr>
+          <p:nvPr/>
+        </p:nvSpPr>
+        <p:spPr bwMode="auto">
+          <a:xfrm>
+            <a:off x="609600" y="3222625"/>
+            <a:ext cx="304800" cy="304800"/>
+          </a:xfrm>
+          <a:prstGeom prst="rect">
+            <a:avLst/>
+          </a:prstGeom>
+          <a:noFill/>
+          <a:extLst>
+            <a:ext uri="{909E8E84-426E-40DD-AFC4-6F175D3DCCD1}">
+              <a14:hiddenFill xmlns:a14="http://schemas.microsoft.com/office/drawing/2010/main">
+                <a:solidFill>
+                  <a:srgbClr val="FFFFFF"/>
+                </a:solidFill>
+              </a14:hiddenFill>
+            </a:ext>
+          </a:extLst>
+        </p:spPr>
+        <p:txBody>
+          <a:bodyPr vert="horz" wrap="square" lIns="91440" tIns="45720" rIns="91440" bIns="45720" numCol="1" anchor="t" anchorCtr="0" compatLnSpc="1">
+            <a:prstTxWarp prst="textNoShape">
+              <a:avLst/>
+            </a:prstTxWarp>
+          </a:bodyPr>
+          <a:lstStyle/>
+          <a:p>
+            <a:endParaRPr lang="zh-TW" altLang="en-US"/>
+          </a:p>
+        </p:txBody>
+      </p:sp>
+      <p:pic>
+        <p:nvPicPr>
+          <p:cNvPr id="2" name="圖片 1"/>
+          <p:cNvPicPr>
+            <a:picLocks noChangeAspect="1"/>
+          </p:cNvPicPr>
+          <p:nvPr/>
+        </p:nvPicPr>
+        <p:blipFill>
+          <a:blip r:embed="rId3">
+            <a:extLst>
+              <a:ext uri="{28A0092B-C50C-407E-A947-70E740481C1C}">
+                <a14:useLocalDpi xmlns:a14="http://schemas.microsoft.com/office/drawing/2010/main" val="0"/>
+              </a:ext>
+            </a:extLst>
+          </a:blip>
+          <a:stretch>
+            <a:fillRect/>
+          </a:stretch>
+        </p:blipFill>
+        <p:spPr>
+          <a:xfrm>
+            <a:off x="1071543" y="608411"/>
+            <a:ext cx="11065575" cy="6056861"/>
+          </a:xfrm>
+          <a:prstGeom prst="rect">
+            <a:avLst/>
+          </a:prstGeom>
+        </p:spPr>
+      </p:pic>
+      <p:sp>
+        <p:nvSpPr>
+          <p:cNvPr id="4" name="直線圖說文字 2 3"/>
+          <p:cNvSpPr/>
+          <p:nvPr/>
+        </p:nvSpPr>
+        <p:spPr>
+          <a:xfrm>
+            <a:off x="4830947" y="1759563"/>
+            <a:ext cx="3938979" cy="914365"/>
+          </a:xfrm>
+          <a:prstGeom prst="borderCallout2">
+            <a:avLst>
+              <a:gd name="adj1" fmla="val 18750"/>
+              <a:gd name="adj2" fmla="val -521"/>
+              <a:gd name="adj3" fmla="val 18750"/>
+              <a:gd name="adj4" fmla="val -16667"/>
+              <a:gd name="adj5" fmla="val 85984"/>
+              <a:gd name="adj6" fmla="val -39636"/>
+            </a:avLst>
+          </a:prstGeom>
+        </p:spPr>
+        <p:style>
+          <a:lnRef idx="2">
+            <a:schemeClr val="dk1">
+              <a:shade val="50000"/>
+            </a:schemeClr>
+          </a:lnRef>
+          <a:fillRef idx="1">
+            <a:schemeClr val="dk1"/>
+          </a:fillRef>
+          <a:effectRef idx="0">
+            <a:schemeClr val="dk1"/>
+          </a:effectRef>
+          <a:fontRef idx="minor">
+            <a:schemeClr val="lt1"/>
+          </a:fontRef>
+        </p:style>
+        <p:txBody>
+          <a:bodyPr rtlCol="0" anchor="ctr"/>
+          <a:lstStyle/>
+          <a:p>
+            <a:pPr algn="ctr"/>
+            <a:r>
+              <a:rPr lang="zh-TW" altLang="en-US" sz="1600" dirty="0" smtClean="0">
+                <a:latin typeface="標楷體" pitchFamily="65" charset="-120"/>
+                <a:ea typeface="標楷體" pitchFamily="65" charset="-120"/>
+              </a:rPr>
+              <a:t>高跟售價高</a:t>
+            </a:r>
+            <a:r>
+              <a:rPr lang="en-US" altLang="zh-TW" sz="1600" dirty="0" smtClean="0">
+                <a:latin typeface="標楷體" pitchFamily="65" charset="-120"/>
+                <a:ea typeface="標楷體" pitchFamily="65" charset="-120"/>
+              </a:rPr>
+              <a:t>(</a:t>
+            </a:r>
+            <a:r>
+              <a:rPr lang="zh-TW" altLang="en-US" sz="1600" dirty="0" smtClean="0">
+                <a:latin typeface="標楷體" pitchFamily="65" charset="-120"/>
+                <a:ea typeface="標楷體" pitchFamily="65" charset="-120"/>
+              </a:rPr>
+              <a:t>約其他鞋款售價</a:t>
+            </a:r>
+            <a:r>
+              <a:rPr lang="en-US" altLang="zh-TW" sz="1600" dirty="0" smtClean="0">
+                <a:latin typeface="標楷體" pitchFamily="65" charset="-120"/>
+                <a:ea typeface="標楷體" pitchFamily="65" charset="-120"/>
+              </a:rPr>
+              <a:t>2</a:t>
+            </a:r>
+            <a:r>
+              <a:rPr lang="zh-TW" altLang="en-US" sz="1600" dirty="0" smtClean="0">
+                <a:latin typeface="標楷體" pitchFamily="65" charset="-120"/>
+                <a:ea typeface="標楷體" pitchFamily="65" charset="-120"/>
+              </a:rPr>
+              <a:t>倍</a:t>
+            </a:r>
+            <a:r>
+              <a:rPr lang="en-US" altLang="zh-TW" sz="1600" dirty="0" smtClean="0">
+                <a:latin typeface="標楷體" pitchFamily="65" charset="-120"/>
+                <a:ea typeface="標楷體" pitchFamily="65" charset="-120"/>
+              </a:rPr>
+              <a:t>)</a:t>
+            </a:r>
+            <a:r>
+              <a:rPr lang="zh-TW" altLang="en-US" sz="1600" dirty="0">
+                <a:latin typeface="標楷體" pitchFamily="65" charset="-120"/>
+                <a:ea typeface="標楷體" pitchFamily="65" charset="-120"/>
+              </a:rPr>
+              <a:t>且銷售比例</a:t>
+            </a:r>
+            <a:r>
+              <a:rPr lang="zh-TW" altLang="en-US" sz="1600" dirty="0" smtClean="0">
+                <a:latin typeface="標楷體" pitchFamily="65" charset="-120"/>
+                <a:ea typeface="標楷體" pitchFamily="65" charset="-120"/>
+              </a:rPr>
+              <a:t>高</a:t>
+            </a:r>
+            <a:r>
+              <a:rPr lang="en-US" altLang="zh-TW" sz="1600" dirty="0" smtClean="0">
+                <a:latin typeface="標楷體" pitchFamily="65" charset="-120"/>
+                <a:ea typeface="標楷體" pitchFamily="65" charset="-120"/>
+              </a:rPr>
+              <a:t>(50%)</a:t>
+            </a:r>
+            <a:r>
+              <a:rPr lang="zh-TW" altLang="en-US" sz="1600" dirty="0" smtClean="0">
+                <a:latin typeface="標楷體" pitchFamily="65" charset="-120"/>
+                <a:ea typeface="標楷體" pitchFamily="65" charset="-120"/>
+              </a:rPr>
+              <a:t>，此為公司主要收入來源。</a:t>
+            </a:r>
+            <a:endParaRPr lang="zh-TW" altLang="en-US" sz="1600" dirty="0">
+              <a:latin typeface="標楷體" pitchFamily="65" charset="-120"/>
+              <a:ea typeface="標楷體" pitchFamily="65" charset="-120"/>
+            </a:endParaRPr>
+          </a:p>
+        </p:txBody>
+      </p:sp>
+    </p:spTree>
+    <p:extLst>
+      <p:ext uri="{BB962C8B-B14F-4D97-AF65-F5344CB8AC3E}">
+        <p14:creationId xmlns:p14="http://schemas.microsoft.com/office/powerpoint/2010/main" val="406150289"/>
+      </p:ext>
+    </p:extLst>
+  </p:cSld>
+  <p:clrMapOvr>
+    <a:masterClrMapping/>
+  </p:clrMapOvr>
+  <p:timing>
+    <p:tnLst>
+      <p:par>
+        <p:cTn id="1" dur="indefinite" restart="never" nodeType="tmRoot"/>
+      </p:par>
+    </p:tnLst>
+  </p:timing>
+</p:sld>
+</file>
+
+<file path=ppt/slides/slide25.xml><?xml version="1.0" encoding="utf-8"?>
+<p:sld xmlns:a="http://schemas.openxmlformats.org/drawingml/2006/main" xmlns:r="http://schemas.openxmlformats.org/officeDocument/2006/relationships" xmlns:p="http://schemas.openxmlformats.org/presentationml/2006/main">
+  <p:cSld>
+    <p:spTree>
+      <p:nvGrpSpPr>
+        <p:cNvPr id="1" name=""/>
+        <p:cNvGrpSpPr/>
+        <p:nvPr/>
+      </p:nvGrpSpPr>
+      <p:grpSpPr>
+        <a:xfrm>
+          <a:off x="0" y="0"/>
+          <a:ext cx="0" cy="0"/>
+          <a:chOff x="0" y="0"/>
+          <a:chExt cx="0" cy="0"/>
+        </a:xfrm>
+      </p:grpSpPr>
+      <p:sp>
+        <p:nvSpPr>
+          <p:cNvPr id="5" name="椭圆 4"/>
+          <p:cNvSpPr/>
+          <p:nvPr/>
+        </p:nvSpPr>
+        <p:spPr>
+          <a:xfrm>
+            <a:off x="2129331" y="2012159"/>
+            <a:ext cx="745960" cy="679885"/>
+          </a:xfrm>
+          <a:prstGeom prst="ellipse">
+            <a:avLst/>
+          </a:prstGeom>
+          <a:solidFill>
+            <a:srgbClr val="6C92C0">
+              <a:alpha val="70000"/>
+            </a:srgbClr>
+          </a:solidFill>
+          <a:ln>
+            <a:noFill/>
+          </a:ln>
+        </p:spPr>
+        <p:style>
+          <a:lnRef idx="2">
+            <a:schemeClr val="accent1">
+              <a:shade val="50000"/>
+            </a:schemeClr>
+          </a:lnRef>
+          <a:fillRef idx="1">
+            <a:schemeClr val="accent1"/>
+          </a:fillRef>
+          <a:effectRef idx="0">
+            <a:schemeClr val="accent1"/>
+          </a:effectRef>
+          <a:fontRef idx="minor">
+            <a:schemeClr val="lt1"/>
+          </a:fontRef>
+        </p:style>
+        <p:txBody>
+          <a:bodyPr rtlCol="0" anchor="ctr"/>
+          <a:lstStyle/>
+          <a:p>
+            <a:pPr algn="ctr"/>
+            <a:endParaRPr lang="zh-CN" altLang="en-US">
+              <a:cs typeface="+mn-ea"/>
+              <a:sym typeface="+mn-lt"/>
+            </a:endParaRPr>
+          </a:p>
+        </p:txBody>
+      </p:sp>
+      <p:sp>
+        <p:nvSpPr>
+          <p:cNvPr id="6" name="椭圆 3"/>
+          <p:cNvSpPr/>
+          <p:nvPr/>
+        </p:nvSpPr>
+        <p:spPr>
+          <a:xfrm>
+            <a:off x="134280" y="149945"/>
+            <a:ext cx="2890646" cy="2612438"/>
+          </a:xfrm>
+          <a:prstGeom prst="ellipse">
+            <a:avLst/>
+          </a:prstGeom>
+          <a:solidFill>
+            <a:srgbClr val="48A2A0">
+              <a:alpha val="70000"/>
+            </a:srgbClr>
+          </a:solidFill>
+          <a:ln>
+            <a:noFill/>
+          </a:ln>
+        </p:spPr>
+        <p:style>
+          <a:lnRef idx="2">
+            <a:schemeClr val="accent1">
+              <a:shade val="50000"/>
+            </a:schemeClr>
+          </a:lnRef>
+          <a:fillRef idx="1">
+            <a:schemeClr val="accent1"/>
+          </a:fillRef>
+          <a:effectRef idx="0">
+            <a:schemeClr val="accent1"/>
+          </a:effectRef>
+          <a:fontRef idx="minor">
+            <a:schemeClr val="lt1"/>
+          </a:fontRef>
+        </p:style>
+        <p:txBody>
+          <a:bodyPr rtlCol="0" anchor="ctr"/>
+          <a:lstStyle/>
+          <a:p>
+            <a:pPr algn="ctr"/>
+            <a:r>
+              <a:rPr lang="zh-TW" altLang="en-US" sz="3600" dirty="0">
+                <a:latin typeface="標楷體" pitchFamily="65" charset="-120"/>
+                <a:ea typeface="標楷體" pitchFamily="65" charset="-120"/>
+                <a:cs typeface="+mn-ea"/>
+                <a:sym typeface="+mn-lt"/>
+              </a:rPr>
+              <a:t>未來展望</a:t>
+            </a:r>
+            <a:endParaRPr lang="zh-CN" altLang="en-US" sz="3600" dirty="0">
+              <a:latin typeface="標楷體" pitchFamily="65" charset="-120"/>
+              <a:ea typeface="標楷體" pitchFamily="65" charset="-120"/>
+              <a:cs typeface="+mn-ea"/>
+              <a:sym typeface="+mn-lt"/>
+            </a:endParaRPr>
+          </a:p>
+        </p:txBody>
+      </p:sp>
+      <p:sp>
+        <p:nvSpPr>
+          <p:cNvPr id="4" name="流程圖: 接點 3"/>
+          <p:cNvSpPr/>
+          <p:nvPr/>
+        </p:nvSpPr>
+        <p:spPr>
+          <a:xfrm>
+            <a:off x="4334090" y="1559252"/>
+            <a:ext cx="265932" cy="255775"/>
+          </a:xfrm>
+          <a:prstGeom prst="flowChartConnector">
+            <a:avLst/>
+          </a:prstGeom>
+          <a:ln>
+            <a:solidFill>
+              <a:schemeClr val="tx2"/>
+            </a:solidFill>
+          </a:ln>
+          <a:effectLst>
+            <a:innerShdw blurRad="63500" dist="50800" dir="18900000">
+              <a:prstClr val="black">
+                <a:alpha val="50000"/>
+              </a:prstClr>
+            </a:innerShdw>
+          </a:effectLst>
+        </p:spPr>
+        <p:style>
+          <a:lnRef idx="2">
+            <a:schemeClr val="accent1">
+              <a:shade val="50000"/>
+            </a:schemeClr>
+          </a:lnRef>
+          <a:fillRef idx="1">
+            <a:schemeClr val="accent1"/>
+          </a:fillRef>
+          <a:effectRef idx="0">
+            <a:schemeClr val="accent1"/>
+          </a:effectRef>
+          <a:fontRef idx="minor">
+            <a:schemeClr val="lt1"/>
+          </a:fontRef>
+        </p:style>
+        <p:txBody>
+          <a:bodyPr rtlCol="0" anchor="ctr"/>
+          <a:lstStyle/>
+          <a:p>
+            <a:pPr algn="ctr"/>
+            <a:endParaRPr lang="zh-TW" altLang="en-US"/>
+          </a:p>
+        </p:txBody>
+      </p:sp>
+      <p:sp>
+        <p:nvSpPr>
+          <p:cNvPr id="2" name="矩形 1"/>
+          <p:cNvSpPr/>
+          <p:nvPr/>
+        </p:nvSpPr>
+        <p:spPr>
+          <a:xfrm>
+            <a:off x="4904807" y="1409099"/>
+            <a:ext cx="6074920" cy="1384995"/>
+          </a:xfrm>
+          <a:prstGeom prst="rect">
+            <a:avLst/>
+          </a:prstGeom>
+        </p:spPr>
+        <p:txBody>
+          <a:bodyPr wrap="square">
+            <a:spAutoFit/>
+          </a:bodyPr>
+          <a:lstStyle/>
+          <a:p>
+            <a:r>
+              <a:rPr lang="zh-TW" altLang="en-US" sz="2800" dirty="0" smtClean="0">
+                <a:solidFill>
+                  <a:srgbClr val="0070C0"/>
+                </a:solidFill>
+                <a:latin typeface="標楷體" pitchFamily="65" charset="-120"/>
+                <a:ea typeface="標楷體" pitchFamily="65" charset="-120"/>
+              </a:rPr>
+              <a:t>採用推薦系統，提供消費者有興趣的商品，也幫助公司獲得更多的消費者與增加收益。</a:t>
+            </a:r>
+            <a:endParaRPr lang="zh-TW" altLang="en-US" sz="2800" dirty="0">
+              <a:solidFill>
+                <a:srgbClr val="0070C0"/>
+              </a:solidFill>
+              <a:latin typeface="標楷體" pitchFamily="65" charset="-120"/>
+              <a:ea typeface="標楷體" pitchFamily="65" charset="-120"/>
+            </a:endParaRPr>
+          </a:p>
+        </p:txBody>
+      </p:sp>
+      <p:sp>
+        <p:nvSpPr>
+          <p:cNvPr id="7" name="流程圖: 接點 6"/>
+          <p:cNvSpPr/>
+          <p:nvPr/>
+        </p:nvSpPr>
+        <p:spPr>
+          <a:xfrm>
+            <a:off x="4414115" y="3474458"/>
+            <a:ext cx="265932" cy="255775"/>
+          </a:xfrm>
+          <a:prstGeom prst="flowChartConnector">
+            <a:avLst/>
+          </a:prstGeom>
+          <a:ln>
+            <a:solidFill>
+              <a:schemeClr val="tx2"/>
+            </a:solidFill>
+          </a:ln>
+          <a:effectLst>
+            <a:innerShdw blurRad="63500" dist="50800" dir="18900000">
+              <a:prstClr val="black">
+                <a:alpha val="50000"/>
+              </a:prstClr>
+            </a:innerShdw>
+          </a:effectLst>
+        </p:spPr>
+        <p:style>
+          <a:lnRef idx="2">
+            <a:schemeClr val="accent1">
+              <a:shade val="50000"/>
+            </a:schemeClr>
+          </a:lnRef>
+          <a:fillRef idx="1">
+            <a:schemeClr val="accent1"/>
+          </a:fillRef>
+          <a:effectRef idx="0">
+            <a:schemeClr val="accent1"/>
+          </a:effectRef>
+          <a:fontRef idx="minor">
+            <a:schemeClr val="lt1"/>
+          </a:fontRef>
+        </p:style>
+        <p:txBody>
+          <a:bodyPr rtlCol="0" anchor="ctr"/>
+          <a:lstStyle/>
+          <a:p>
+            <a:pPr algn="ctr"/>
+            <a:endParaRPr lang="zh-TW" altLang="en-US"/>
+          </a:p>
+        </p:txBody>
+      </p:sp>
+      <p:sp>
+        <p:nvSpPr>
+          <p:cNvPr id="8" name="流程圖: 接點 7"/>
+          <p:cNvSpPr/>
+          <p:nvPr/>
+        </p:nvSpPr>
+        <p:spPr>
+          <a:xfrm>
+            <a:off x="4451855" y="4800393"/>
+            <a:ext cx="265932" cy="255775"/>
+          </a:xfrm>
+          <a:prstGeom prst="flowChartConnector">
+            <a:avLst/>
+          </a:prstGeom>
+          <a:ln>
+            <a:solidFill>
+              <a:schemeClr val="tx2"/>
+            </a:solidFill>
+          </a:ln>
+          <a:effectLst>
+            <a:innerShdw blurRad="63500" dist="50800" dir="18900000">
+              <a:prstClr val="black">
+                <a:alpha val="50000"/>
+              </a:prstClr>
+            </a:innerShdw>
+          </a:effectLst>
+        </p:spPr>
+        <p:style>
+          <a:lnRef idx="2">
+            <a:schemeClr val="accent1">
+              <a:shade val="50000"/>
+            </a:schemeClr>
+          </a:lnRef>
+          <a:fillRef idx="1">
+            <a:schemeClr val="accent1"/>
+          </a:fillRef>
+          <a:effectRef idx="0">
+            <a:schemeClr val="accent1"/>
+          </a:effectRef>
+          <a:fontRef idx="minor">
+            <a:schemeClr val="lt1"/>
+          </a:fontRef>
+        </p:style>
+        <p:txBody>
+          <a:bodyPr rtlCol="0" anchor="ctr"/>
+          <a:lstStyle/>
+          <a:p>
+            <a:pPr algn="ctr"/>
+            <a:endParaRPr lang="zh-TW" altLang="en-US"/>
+          </a:p>
+        </p:txBody>
+      </p:sp>
+      <p:sp>
+        <p:nvSpPr>
+          <p:cNvPr id="9" name="矩形 8"/>
+          <p:cNvSpPr/>
+          <p:nvPr/>
+        </p:nvSpPr>
+        <p:spPr>
+          <a:xfrm>
+            <a:off x="4967154" y="3340735"/>
+            <a:ext cx="6074920" cy="523220"/>
+          </a:xfrm>
+          <a:prstGeom prst="rect">
+            <a:avLst/>
+          </a:prstGeom>
+        </p:spPr>
+        <p:txBody>
+          <a:bodyPr wrap="square">
+            <a:spAutoFit/>
+          </a:bodyPr>
+          <a:lstStyle/>
+          <a:p>
+            <a:r>
+              <a:rPr lang="zh-TW" altLang="en-US" sz="2800" dirty="0" smtClean="0">
+                <a:solidFill>
+                  <a:srgbClr val="0070C0"/>
+                </a:solidFill>
+                <a:latin typeface="標楷體" pitchFamily="65" charset="-120"/>
+                <a:ea typeface="標楷體" pitchFamily="65" charset="-120"/>
+              </a:rPr>
+              <a:t>使用</a:t>
+            </a:r>
+            <a:r>
+              <a:rPr lang="en-US" altLang="zh-TW" sz="2800" dirty="0" smtClean="0">
+                <a:solidFill>
+                  <a:srgbClr val="0070C0"/>
+                </a:solidFill>
+                <a:latin typeface="標楷體" pitchFamily="65" charset="-120"/>
+                <a:ea typeface="標楷體" pitchFamily="65" charset="-120"/>
+              </a:rPr>
+              <a:t>Django</a:t>
+            </a:r>
+            <a:r>
+              <a:rPr lang="zh-TW" altLang="en-US" sz="2800" dirty="0" smtClean="0">
+                <a:solidFill>
+                  <a:srgbClr val="0070C0"/>
+                </a:solidFill>
+                <a:latin typeface="標楷體" pitchFamily="65" charset="-120"/>
+                <a:ea typeface="標楷體" pitchFamily="65" charset="-120"/>
+              </a:rPr>
+              <a:t>框架開發網站。</a:t>
+            </a:r>
+            <a:endParaRPr lang="zh-TW" altLang="en-US" sz="2800" dirty="0">
+              <a:solidFill>
+                <a:srgbClr val="0070C0"/>
+              </a:solidFill>
+              <a:latin typeface="標楷體" pitchFamily="65" charset="-120"/>
+              <a:ea typeface="標楷體" pitchFamily="65" charset="-120"/>
+            </a:endParaRPr>
+          </a:p>
+        </p:txBody>
+      </p:sp>
+      <p:sp>
+        <p:nvSpPr>
+          <p:cNvPr id="10" name="矩形 9"/>
+          <p:cNvSpPr/>
+          <p:nvPr/>
+        </p:nvSpPr>
+        <p:spPr>
+          <a:xfrm>
+            <a:off x="4967154" y="4593935"/>
+            <a:ext cx="6074920" cy="1384995"/>
+          </a:xfrm>
+          <a:prstGeom prst="rect">
+            <a:avLst/>
+          </a:prstGeom>
+        </p:spPr>
+        <p:txBody>
+          <a:bodyPr wrap="square">
+            <a:spAutoFit/>
+          </a:bodyPr>
+          <a:lstStyle/>
+          <a:p>
+            <a:r>
+              <a:rPr lang="zh-TW" altLang="en-US" sz="2800" dirty="0" smtClean="0">
+                <a:solidFill>
+                  <a:srgbClr val="0070C0"/>
+                </a:solidFill>
+                <a:latin typeface="標楷體" pitchFamily="65" charset="-120"/>
+                <a:ea typeface="標楷體" pitchFamily="65" charset="-120"/>
+              </a:rPr>
+              <a:t>寫成自動化流程，讓消費者在下單的同時，就能知道客製化商品原物料是否有庫存及出貨天數。</a:t>
+            </a:r>
+            <a:endParaRPr lang="zh-TW" altLang="en-US" sz="2800" dirty="0">
+              <a:solidFill>
+                <a:srgbClr val="0070C0"/>
+              </a:solidFill>
+              <a:latin typeface="標楷體" pitchFamily="65" charset="-120"/>
+              <a:ea typeface="標楷體" pitchFamily="65" charset="-120"/>
+            </a:endParaRPr>
+          </a:p>
+        </p:txBody>
+      </p:sp>
+    </p:spTree>
+    <p:extLst>
+      <p:ext uri="{BB962C8B-B14F-4D97-AF65-F5344CB8AC3E}">
+        <p14:creationId xmlns:p14="http://schemas.microsoft.com/office/powerpoint/2010/main" val="1140352497"/>
+      </p:ext>
+    </p:extLst>
+  </p:cSld>
+  <p:clrMapOvr>
+    <a:masterClrMapping/>
+  </p:clrMapOvr>
+  <p:timing>
+    <p:tnLst>
+      <p:par>
+        <p:cTn id="1" dur="indefinite" restart="never" nodeType="tmRoot"/>
+      </p:par>
+    </p:tnLst>
+  </p:timing>
+</p:sld>
+</file>
+
+<file path=ppt/slides/slide26.xml><?xml version="1.0" encoding="utf-8"?>
 <p:sld xmlns:a="http://schemas.openxmlformats.org/drawingml/2006/main" xmlns:r="http://schemas.openxmlformats.org/officeDocument/2006/relationships" xmlns:p="http://schemas.openxmlformats.org/presentationml/2006/main">
   <p:cSld>
     <p:spTree>
@@ -4419,7 +7516,2528 @@
 </p:sld>
 </file>
 
-<file path=ppt/slides/slide2.xml><?xml version="1.0" encoding="utf-8"?>
+<file path=ppt/slides/slide3.xml><?xml version="1.0" encoding="utf-8"?>
+<p:sld xmlns:a="http://schemas.openxmlformats.org/drawingml/2006/main" xmlns:r="http://schemas.openxmlformats.org/officeDocument/2006/relationships" xmlns:p="http://schemas.openxmlformats.org/presentationml/2006/main">
+  <p:cSld>
+    <p:spTree>
+      <p:nvGrpSpPr>
+        <p:cNvPr id="1" name=""/>
+        <p:cNvGrpSpPr/>
+        <p:nvPr/>
+      </p:nvGrpSpPr>
+      <p:grpSpPr>
+        <a:xfrm>
+          <a:off x="0" y="0"/>
+          <a:ext cx="0" cy="0"/>
+          <a:chOff x="0" y="0"/>
+          <a:chExt cx="0" cy="0"/>
+        </a:xfrm>
+      </p:grpSpPr>
+      <p:sp>
+        <p:nvSpPr>
+          <p:cNvPr id="5" name="椭圆 4"/>
+          <p:cNvSpPr/>
+          <p:nvPr/>
+        </p:nvSpPr>
+        <p:spPr>
+          <a:xfrm>
+            <a:off x="2129331" y="2012159"/>
+            <a:ext cx="745960" cy="679885"/>
+          </a:xfrm>
+          <a:prstGeom prst="ellipse">
+            <a:avLst/>
+          </a:prstGeom>
+          <a:solidFill>
+            <a:srgbClr val="6C92C0">
+              <a:alpha val="70000"/>
+            </a:srgbClr>
+          </a:solidFill>
+          <a:ln>
+            <a:noFill/>
+          </a:ln>
+        </p:spPr>
+        <p:style>
+          <a:lnRef idx="2">
+            <a:schemeClr val="accent1">
+              <a:shade val="50000"/>
+            </a:schemeClr>
+          </a:lnRef>
+          <a:fillRef idx="1">
+            <a:schemeClr val="accent1"/>
+          </a:fillRef>
+          <a:effectRef idx="0">
+            <a:schemeClr val="accent1"/>
+          </a:effectRef>
+          <a:fontRef idx="minor">
+            <a:schemeClr val="lt1"/>
+          </a:fontRef>
+        </p:style>
+        <p:txBody>
+          <a:bodyPr rtlCol="0" anchor="ctr"/>
+          <a:lstStyle/>
+          <a:p>
+            <a:pPr algn="ctr"/>
+            <a:endParaRPr lang="zh-CN" altLang="en-US">
+              <a:cs typeface="+mn-ea"/>
+              <a:sym typeface="+mn-lt"/>
+            </a:endParaRPr>
+          </a:p>
+        </p:txBody>
+      </p:sp>
+      <p:sp>
+        <p:nvSpPr>
+          <p:cNvPr id="6" name="椭圆 3"/>
+          <p:cNvSpPr/>
+          <p:nvPr/>
+        </p:nvSpPr>
+        <p:spPr>
+          <a:xfrm>
+            <a:off x="134280" y="149945"/>
+            <a:ext cx="2890646" cy="2612438"/>
+          </a:xfrm>
+          <a:prstGeom prst="ellipse">
+            <a:avLst/>
+          </a:prstGeom>
+          <a:solidFill>
+            <a:srgbClr val="48A2A0">
+              <a:alpha val="70000"/>
+            </a:srgbClr>
+          </a:solidFill>
+          <a:ln>
+            <a:noFill/>
+          </a:ln>
+        </p:spPr>
+        <p:style>
+          <a:lnRef idx="2">
+            <a:schemeClr val="accent1">
+              <a:shade val="50000"/>
+            </a:schemeClr>
+          </a:lnRef>
+          <a:fillRef idx="1">
+            <a:schemeClr val="accent1"/>
+          </a:fillRef>
+          <a:effectRef idx="0">
+            <a:schemeClr val="accent1"/>
+          </a:effectRef>
+          <a:fontRef idx="minor">
+            <a:schemeClr val="lt1"/>
+          </a:fontRef>
+        </p:style>
+        <p:txBody>
+          <a:bodyPr rtlCol="0" anchor="ctr"/>
+          <a:lstStyle/>
+          <a:p>
+            <a:pPr algn="ctr"/>
+            <a:r>
+              <a:rPr lang="zh-TW" altLang="en-US" sz="3600" dirty="0">
+                <a:latin typeface="標楷體" pitchFamily="65" charset="-120"/>
+                <a:ea typeface="標楷體" pitchFamily="65" charset="-120"/>
+                <a:cs typeface="+mn-ea"/>
+                <a:sym typeface="+mn-lt"/>
+              </a:rPr>
+              <a:t>流程圖</a:t>
+            </a:r>
+            <a:endParaRPr lang="zh-CN" altLang="en-US" sz="3600" dirty="0">
+              <a:latin typeface="標楷體" pitchFamily="65" charset="-120"/>
+              <a:ea typeface="標楷體" pitchFamily="65" charset="-120"/>
+              <a:cs typeface="+mn-ea"/>
+              <a:sym typeface="+mn-lt"/>
+            </a:endParaRPr>
+          </a:p>
+        </p:txBody>
+      </p:sp>
+      <p:pic>
+        <p:nvPicPr>
+          <p:cNvPr id="3" name="圖片 2"/>
+          <p:cNvPicPr>
+            <a:picLocks noChangeAspect="1"/>
+          </p:cNvPicPr>
+          <p:nvPr/>
+        </p:nvPicPr>
+        <p:blipFill>
+          <a:blip r:embed="rId2">
+            <a:extLst>
+              <a:ext uri="{28A0092B-C50C-407E-A947-70E740481C1C}">
+                <a14:useLocalDpi xmlns:a14="http://schemas.microsoft.com/office/drawing/2010/main" val="0"/>
+              </a:ext>
+            </a:extLst>
+          </a:blip>
+          <a:stretch>
+            <a:fillRect/>
+          </a:stretch>
+        </p:blipFill>
+        <p:spPr>
+          <a:xfrm>
+            <a:off x="10015093" y="3007178"/>
+            <a:ext cx="1875710" cy="1875710"/>
+          </a:xfrm>
+          <a:prstGeom prst="rect">
+            <a:avLst/>
+          </a:prstGeom>
+        </p:spPr>
+      </p:pic>
+      <p:pic>
+        <p:nvPicPr>
+          <p:cNvPr id="12" name="圖片 11"/>
+          <p:cNvPicPr>
+            <a:picLocks noChangeAspect="1"/>
+          </p:cNvPicPr>
+          <p:nvPr/>
+        </p:nvPicPr>
+        <p:blipFill>
+          <a:blip r:embed="rId3" cstate="print">
+            <a:extLst>
+              <a:ext uri="{28A0092B-C50C-407E-A947-70E740481C1C}">
+                <a14:useLocalDpi xmlns:a14="http://schemas.microsoft.com/office/drawing/2010/main" val="0"/>
+              </a:ext>
+            </a:extLst>
+          </a:blip>
+          <a:stretch>
+            <a:fillRect/>
+          </a:stretch>
+        </p:blipFill>
+        <p:spPr>
+          <a:xfrm>
+            <a:off x="1441057" y="3921905"/>
+            <a:ext cx="3021356" cy="1745672"/>
+          </a:xfrm>
+          <a:prstGeom prst="rect">
+            <a:avLst/>
+          </a:prstGeom>
+        </p:spPr>
+      </p:pic>
+      <p:pic>
+        <p:nvPicPr>
+          <p:cNvPr id="14" name="圖片 13"/>
+          <p:cNvPicPr>
+            <a:picLocks noChangeAspect="1"/>
+          </p:cNvPicPr>
+          <p:nvPr/>
+        </p:nvPicPr>
+        <p:blipFill>
+          <a:blip r:embed="rId4">
+            <a:extLst>
+              <a:ext uri="{28A0092B-C50C-407E-A947-70E740481C1C}">
+                <a14:useLocalDpi xmlns:a14="http://schemas.microsoft.com/office/drawing/2010/main" val="0"/>
+              </a:ext>
+            </a:extLst>
+          </a:blip>
+          <a:stretch>
+            <a:fillRect/>
+          </a:stretch>
+        </p:blipFill>
+        <p:spPr>
+          <a:xfrm>
+            <a:off x="3216385" y="1448729"/>
+            <a:ext cx="2014773" cy="2014773"/>
+          </a:xfrm>
+          <a:prstGeom prst="rect">
+            <a:avLst/>
+          </a:prstGeom>
+        </p:spPr>
+      </p:pic>
+      <p:pic>
+        <p:nvPicPr>
+          <p:cNvPr id="16" name="圖片 15"/>
+          <p:cNvPicPr>
+            <a:picLocks noChangeAspect="1"/>
+          </p:cNvPicPr>
+          <p:nvPr/>
+        </p:nvPicPr>
+        <p:blipFill>
+          <a:blip r:embed="rId5" cstate="print">
+            <a:extLst>
+              <a:ext uri="{28A0092B-C50C-407E-A947-70E740481C1C}">
+                <a14:useLocalDpi xmlns:a14="http://schemas.microsoft.com/office/drawing/2010/main" val="0"/>
+              </a:ext>
+            </a:extLst>
+          </a:blip>
+          <a:stretch>
+            <a:fillRect/>
+          </a:stretch>
+        </p:blipFill>
+        <p:spPr>
+          <a:xfrm>
+            <a:off x="7467953" y="1871232"/>
+            <a:ext cx="1861490" cy="961738"/>
+          </a:xfrm>
+          <a:prstGeom prst="rect">
+            <a:avLst/>
+          </a:prstGeom>
+        </p:spPr>
+      </p:pic>
+      <p:pic>
+        <p:nvPicPr>
+          <p:cNvPr id="18" name="圖片 17"/>
+          <p:cNvPicPr>
+            <a:picLocks noChangeAspect="1"/>
+          </p:cNvPicPr>
+          <p:nvPr/>
+        </p:nvPicPr>
+        <p:blipFill>
+          <a:blip r:embed="rId5" cstate="print">
+            <a:extLst>
+              <a:ext uri="{28A0092B-C50C-407E-A947-70E740481C1C}">
+                <a14:useLocalDpi xmlns:a14="http://schemas.microsoft.com/office/drawing/2010/main" val="0"/>
+              </a:ext>
+            </a:extLst>
+          </a:blip>
+          <a:stretch>
+            <a:fillRect/>
+          </a:stretch>
+        </p:blipFill>
+        <p:spPr>
+          <a:xfrm>
+            <a:off x="6636677" y="4313872"/>
+            <a:ext cx="1861490" cy="961738"/>
+          </a:xfrm>
+          <a:prstGeom prst="rect">
+            <a:avLst/>
+          </a:prstGeom>
+        </p:spPr>
+      </p:pic>
+      <p:sp>
+        <p:nvSpPr>
+          <p:cNvPr id="20" name="向右箭號 19"/>
+          <p:cNvSpPr/>
+          <p:nvPr/>
+        </p:nvSpPr>
+        <p:spPr>
+          <a:xfrm>
+            <a:off x="5761179" y="2352101"/>
+            <a:ext cx="875498" cy="358087"/>
+          </a:xfrm>
+          <a:prstGeom prst="rightArrow">
+            <a:avLst/>
+          </a:prstGeom>
+          <a:solidFill>
+            <a:srgbClr val="B0C4DD"/>
+          </a:solidFill>
+          <a:ln>
+            <a:solidFill>
+              <a:schemeClr val="accent6">
+                <a:lumMod val="75000"/>
+              </a:schemeClr>
+            </a:solidFill>
+          </a:ln>
+          <a:effectLst>
+            <a:glow rad="63500">
+              <a:schemeClr val="accent5">
+                <a:satMod val="175000"/>
+                <a:alpha val="40000"/>
+              </a:schemeClr>
+            </a:glow>
+          </a:effectLst>
+        </p:spPr>
+        <p:style>
+          <a:lnRef idx="2">
+            <a:schemeClr val="accent6">
+              <a:shade val="50000"/>
+            </a:schemeClr>
+          </a:lnRef>
+          <a:fillRef idx="1">
+            <a:schemeClr val="accent6"/>
+          </a:fillRef>
+          <a:effectRef idx="0">
+            <a:schemeClr val="accent6"/>
+          </a:effectRef>
+          <a:fontRef idx="minor">
+            <a:schemeClr val="lt1"/>
+          </a:fontRef>
+        </p:style>
+        <p:txBody>
+          <a:bodyPr rtlCol="0" anchor="ctr"/>
+          <a:lstStyle/>
+          <a:p>
+            <a:pPr algn="ctr"/>
+            <a:endParaRPr lang="zh-TW" altLang="en-US"/>
+          </a:p>
+        </p:txBody>
+      </p:sp>
+      <p:sp>
+        <p:nvSpPr>
+          <p:cNvPr id="21" name="向右箭號 20"/>
+          <p:cNvSpPr/>
+          <p:nvPr/>
+        </p:nvSpPr>
+        <p:spPr>
+          <a:xfrm rot="10800000">
+            <a:off x="4793408" y="4917523"/>
+            <a:ext cx="875498" cy="358087"/>
+          </a:xfrm>
+          <a:prstGeom prst="rightArrow">
+            <a:avLst/>
+          </a:prstGeom>
+          <a:solidFill>
+            <a:srgbClr val="B0C4DD"/>
+          </a:solidFill>
+          <a:ln>
+            <a:solidFill>
+              <a:schemeClr val="accent6">
+                <a:lumMod val="75000"/>
+              </a:schemeClr>
+            </a:solidFill>
+          </a:ln>
+          <a:effectLst>
+            <a:glow rad="63500">
+              <a:schemeClr val="accent5">
+                <a:satMod val="175000"/>
+                <a:alpha val="40000"/>
+              </a:schemeClr>
+            </a:glow>
+          </a:effectLst>
+        </p:spPr>
+        <p:style>
+          <a:lnRef idx="2">
+            <a:schemeClr val="accent6">
+              <a:shade val="50000"/>
+            </a:schemeClr>
+          </a:lnRef>
+          <a:fillRef idx="1">
+            <a:schemeClr val="accent6"/>
+          </a:fillRef>
+          <a:effectRef idx="0">
+            <a:schemeClr val="accent6"/>
+          </a:effectRef>
+          <a:fontRef idx="minor">
+            <a:schemeClr val="lt1"/>
+          </a:fontRef>
+        </p:style>
+        <p:txBody>
+          <a:bodyPr rtlCol="0" anchor="ctr"/>
+          <a:lstStyle/>
+          <a:p>
+            <a:pPr algn="ctr"/>
+            <a:endParaRPr lang="zh-TW" altLang="en-US"/>
+          </a:p>
+        </p:txBody>
+      </p:sp>
+      <p:sp>
+        <p:nvSpPr>
+          <p:cNvPr id="22" name="弧形箭號 (下彎) 21"/>
+          <p:cNvSpPr/>
+          <p:nvPr/>
+        </p:nvSpPr>
+        <p:spPr>
+          <a:xfrm rot="8859703">
+            <a:off x="9127310" y="5273952"/>
+            <a:ext cx="1302581" cy="787249"/>
+          </a:xfrm>
+          <a:prstGeom prst="curvedDownArrow">
+            <a:avLst/>
+          </a:prstGeom>
+          <a:solidFill>
+            <a:srgbClr val="B0C4DD"/>
+          </a:solidFill>
+          <a:ln>
+            <a:solidFill>
+              <a:schemeClr val="accent6"/>
+            </a:solidFill>
+          </a:ln>
+          <a:effectLst>
+            <a:outerShdw blurRad="50800" dist="38100" dir="8100000" algn="tr" rotWithShape="0">
+              <a:prstClr val="black">
+                <a:alpha val="40000"/>
+              </a:prstClr>
+            </a:outerShdw>
+          </a:effectLst>
+        </p:spPr>
+        <p:style>
+          <a:lnRef idx="2">
+            <a:schemeClr val="accent1">
+              <a:shade val="50000"/>
+            </a:schemeClr>
+          </a:lnRef>
+          <a:fillRef idx="1">
+            <a:schemeClr val="accent1"/>
+          </a:fillRef>
+          <a:effectRef idx="0">
+            <a:schemeClr val="accent1"/>
+          </a:effectRef>
+          <a:fontRef idx="minor">
+            <a:schemeClr val="lt1"/>
+          </a:fontRef>
+        </p:style>
+        <p:txBody>
+          <a:bodyPr rtlCol="0" anchor="ctr"/>
+          <a:lstStyle/>
+          <a:p>
+            <a:pPr algn="ctr"/>
+            <a:endParaRPr lang="zh-TW" altLang="en-US">
+              <a:solidFill>
+                <a:srgbClr val="B0C4DD"/>
+              </a:solidFill>
+            </a:endParaRPr>
+          </a:p>
+        </p:txBody>
+      </p:sp>
+      <p:sp>
+        <p:nvSpPr>
+          <p:cNvPr id="25" name="弧形箭號 (下彎) 24"/>
+          <p:cNvSpPr/>
+          <p:nvPr/>
+        </p:nvSpPr>
+        <p:spPr>
+          <a:xfrm rot="1843581">
+            <a:off x="9888145" y="1733674"/>
+            <a:ext cx="1302581" cy="787249"/>
+          </a:xfrm>
+          <a:prstGeom prst="curvedDownArrow">
+            <a:avLst/>
+          </a:prstGeom>
+          <a:solidFill>
+            <a:srgbClr val="B0C4DD"/>
+          </a:solidFill>
+          <a:ln>
+            <a:solidFill>
+              <a:schemeClr val="accent6"/>
+            </a:solidFill>
+          </a:ln>
+          <a:effectLst>
+            <a:outerShdw blurRad="50800" dist="38100" dir="8100000" algn="tr" rotWithShape="0">
+              <a:prstClr val="black">
+                <a:alpha val="40000"/>
+              </a:prstClr>
+            </a:outerShdw>
+          </a:effectLst>
+        </p:spPr>
+        <p:style>
+          <a:lnRef idx="2">
+            <a:schemeClr val="accent1">
+              <a:shade val="50000"/>
+            </a:schemeClr>
+          </a:lnRef>
+          <a:fillRef idx="1">
+            <a:schemeClr val="accent1"/>
+          </a:fillRef>
+          <a:effectRef idx="0">
+            <a:schemeClr val="accent1"/>
+          </a:effectRef>
+          <a:fontRef idx="minor">
+            <a:schemeClr val="lt1"/>
+          </a:fontRef>
+        </p:style>
+        <p:txBody>
+          <a:bodyPr rtlCol="0" anchor="ctr"/>
+          <a:lstStyle/>
+          <a:p>
+            <a:pPr algn="ctr"/>
+            <a:endParaRPr lang="zh-TW" altLang="en-US">
+              <a:solidFill>
+                <a:srgbClr val="B0C4DD"/>
+              </a:solidFill>
+            </a:endParaRPr>
+          </a:p>
+        </p:txBody>
+      </p:sp>
+    </p:spTree>
+    <p:extLst>
+      <p:ext uri="{BB962C8B-B14F-4D97-AF65-F5344CB8AC3E}">
+        <p14:creationId xmlns:p14="http://schemas.microsoft.com/office/powerpoint/2010/main" val="3069254698"/>
+      </p:ext>
+    </p:extLst>
+  </p:cSld>
+  <p:clrMapOvr>
+    <a:masterClrMapping/>
+  </p:clrMapOvr>
+  <p:timing>
+    <p:tnLst>
+      <p:par>
+        <p:cTn id="1" dur="indefinite" restart="never" nodeType="tmRoot"/>
+      </p:par>
+    </p:tnLst>
+  </p:timing>
+</p:sld>
+</file>
+
+<file path=ppt/slides/slide4.xml><?xml version="1.0" encoding="utf-8"?>
+<p:sld xmlns:a="http://schemas.openxmlformats.org/drawingml/2006/main" xmlns:r="http://schemas.openxmlformats.org/officeDocument/2006/relationships" xmlns:p="http://schemas.openxmlformats.org/presentationml/2006/main">
+  <p:cSld>
+    <p:spTree>
+      <p:nvGrpSpPr>
+        <p:cNvPr id="1" name=""/>
+        <p:cNvGrpSpPr/>
+        <p:nvPr/>
+      </p:nvGrpSpPr>
+      <p:grpSpPr>
+        <a:xfrm>
+          <a:off x="0" y="0"/>
+          <a:ext cx="0" cy="0"/>
+          <a:chOff x="0" y="0"/>
+          <a:chExt cx="0" cy="0"/>
+        </a:xfrm>
+      </p:grpSpPr>
+      <p:sp>
+        <p:nvSpPr>
+          <p:cNvPr id="5" name="椭圆 4"/>
+          <p:cNvSpPr/>
+          <p:nvPr/>
+        </p:nvSpPr>
+        <p:spPr>
+          <a:xfrm>
+            <a:off x="2129331" y="2012159"/>
+            <a:ext cx="745960" cy="679885"/>
+          </a:xfrm>
+          <a:prstGeom prst="ellipse">
+            <a:avLst/>
+          </a:prstGeom>
+          <a:solidFill>
+            <a:srgbClr val="6C92C0">
+              <a:alpha val="70000"/>
+            </a:srgbClr>
+          </a:solidFill>
+          <a:ln>
+            <a:noFill/>
+          </a:ln>
+        </p:spPr>
+        <p:style>
+          <a:lnRef idx="2">
+            <a:schemeClr val="accent1">
+              <a:shade val="50000"/>
+            </a:schemeClr>
+          </a:lnRef>
+          <a:fillRef idx="1">
+            <a:schemeClr val="accent1"/>
+          </a:fillRef>
+          <a:effectRef idx="0">
+            <a:schemeClr val="accent1"/>
+          </a:effectRef>
+          <a:fontRef idx="minor">
+            <a:schemeClr val="lt1"/>
+          </a:fontRef>
+        </p:style>
+        <p:txBody>
+          <a:bodyPr rtlCol="0" anchor="ctr"/>
+          <a:lstStyle/>
+          <a:p>
+            <a:pPr algn="ctr"/>
+            <a:endParaRPr lang="zh-CN" altLang="en-US">
+              <a:cs typeface="+mn-ea"/>
+              <a:sym typeface="+mn-lt"/>
+            </a:endParaRPr>
+          </a:p>
+        </p:txBody>
+      </p:sp>
+      <p:sp>
+        <p:nvSpPr>
+          <p:cNvPr id="6" name="椭圆 3"/>
+          <p:cNvSpPr/>
+          <p:nvPr/>
+        </p:nvSpPr>
+        <p:spPr>
+          <a:xfrm>
+            <a:off x="134280" y="149945"/>
+            <a:ext cx="2890646" cy="2612438"/>
+          </a:xfrm>
+          <a:prstGeom prst="ellipse">
+            <a:avLst/>
+          </a:prstGeom>
+          <a:solidFill>
+            <a:srgbClr val="48A2A0">
+              <a:alpha val="70000"/>
+            </a:srgbClr>
+          </a:solidFill>
+          <a:ln>
+            <a:noFill/>
+          </a:ln>
+        </p:spPr>
+        <p:style>
+          <a:lnRef idx="2">
+            <a:schemeClr val="accent1">
+              <a:shade val="50000"/>
+            </a:schemeClr>
+          </a:lnRef>
+          <a:fillRef idx="1">
+            <a:schemeClr val="accent1"/>
+          </a:fillRef>
+          <a:effectRef idx="0">
+            <a:schemeClr val="accent1"/>
+          </a:effectRef>
+          <a:fontRef idx="minor">
+            <a:schemeClr val="lt1"/>
+          </a:fontRef>
+        </p:style>
+        <p:txBody>
+          <a:bodyPr rtlCol="0" anchor="ctr"/>
+          <a:lstStyle/>
+          <a:p>
+            <a:pPr algn="ctr"/>
+            <a:r>
+              <a:rPr lang="zh-TW" altLang="en-US" sz="3600" dirty="0">
+                <a:latin typeface="標楷體" pitchFamily="65" charset="-120"/>
+                <a:ea typeface="標楷體" pitchFamily="65" charset="-120"/>
+                <a:cs typeface="+mn-ea"/>
+                <a:sym typeface="+mn-lt"/>
+              </a:rPr>
+              <a:t>資料爬取</a:t>
+            </a:r>
+            <a:endParaRPr lang="zh-CN" altLang="en-US" sz="3600" dirty="0">
+              <a:latin typeface="標楷體" pitchFamily="65" charset="-120"/>
+              <a:ea typeface="標楷體" pitchFamily="65" charset="-120"/>
+              <a:cs typeface="+mn-ea"/>
+              <a:sym typeface="+mn-lt"/>
+            </a:endParaRPr>
+          </a:p>
+        </p:txBody>
+      </p:sp>
+      <p:pic>
+        <p:nvPicPr>
+          <p:cNvPr id="2" name="圖片 1"/>
+          <p:cNvPicPr>
+            <a:picLocks noChangeAspect="1"/>
+          </p:cNvPicPr>
+          <p:nvPr/>
+        </p:nvPicPr>
+        <p:blipFill>
+          <a:blip r:embed="rId2">
+            <a:extLst>
+              <a:ext uri="{28A0092B-C50C-407E-A947-70E740481C1C}">
+                <a14:useLocalDpi xmlns:a14="http://schemas.microsoft.com/office/drawing/2010/main" val="0"/>
+              </a:ext>
+            </a:extLst>
+          </a:blip>
+          <a:stretch>
+            <a:fillRect/>
+          </a:stretch>
+        </p:blipFill>
+        <p:spPr>
+          <a:xfrm>
+            <a:off x="6313240" y="207493"/>
+            <a:ext cx="5354286" cy="6468265"/>
+          </a:xfrm>
+          <a:prstGeom prst="rect">
+            <a:avLst/>
+          </a:prstGeom>
+          <a:ln w="12700">
+            <a:solidFill>
+              <a:schemeClr val="tx1"/>
+            </a:solidFill>
+          </a:ln>
+        </p:spPr>
+      </p:pic>
+      <p:sp>
+        <p:nvSpPr>
+          <p:cNvPr id="3" name="文字方塊 2"/>
+          <p:cNvSpPr txBox="1"/>
+          <p:nvPr/>
+        </p:nvSpPr>
+        <p:spPr>
+          <a:xfrm>
+            <a:off x="2399495" y="3714996"/>
+            <a:ext cx="3454051" cy="523220"/>
+          </a:xfrm>
+          <a:prstGeom prst="rect">
+            <a:avLst/>
+          </a:prstGeom>
+          <a:noFill/>
+        </p:spPr>
+        <p:txBody>
+          <a:bodyPr wrap="square" rtlCol="0">
+            <a:spAutoFit/>
+          </a:bodyPr>
+          <a:lstStyle/>
+          <a:p>
+            <a:r>
+              <a:rPr lang="en-US" altLang="zh-TW" sz="2800" b="1" dirty="0" smtClean="0">
+                <a:solidFill>
+                  <a:srgbClr val="0070C0"/>
+                </a:solidFill>
+                <a:ea typeface="標楷體" pitchFamily="65" charset="-120"/>
+              </a:rPr>
+              <a:t>Momentanee</a:t>
+            </a:r>
+            <a:r>
+              <a:rPr lang="zh-TW" altLang="en-US" sz="2800" b="1" dirty="0">
+                <a:solidFill>
+                  <a:srgbClr val="0070C0"/>
+                </a:solidFill>
+                <a:latin typeface="標楷體" pitchFamily="65" charset="-120"/>
+                <a:ea typeface="標楷體" pitchFamily="65" charset="-120"/>
+              </a:rPr>
+              <a:t> </a:t>
+            </a:r>
+            <a:r>
+              <a:rPr lang="zh-TW" altLang="en-US" sz="2800" b="1" dirty="0" smtClean="0">
+                <a:solidFill>
+                  <a:srgbClr val="0070C0"/>
+                </a:solidFill>
+                <a:latin typeface="標楷體" pitchFamily="65" charset="-120"/>
+                <a:ea typeface="標楷體" pitchFamily="65" charset="-120"/>
+              </a:rPr>
+              <a:t>官</a:t>
+            </a:r>
+            <a:r>
+              <a:rPr lang="zh-TW" altLang="en-US" sz="2800" b="1" dirty="0">
+                <a:solidFill>
+                  <a:srgbClr val="0070C0"/>
+                </a:solidFill>
+                <a:latin typeface="標楷體" pitchFamily="65" charset="-120"/>
+                <a:ea typeface="標楷體" pitchFamily="65" charset="-120"/>
+              </a:rPr>
+              <a:t>網</a:t>
+            </a:r>
+          </a:p>
+        </p:txBody>
+      </p:sp>
+      <p:sp>
+        <p:nvSpPr>
+          <p:cNvPr id="8" name="流程圖: 接點 7"/>
+          <p:cNvSpPr/>
+          <p:nvPr/>
+        </p:nvSpPr>
+        <p:spPr>
+          <a:xfrm>
+            <a:off x="1687872" y="3848719"/>
+            <a:ext cx="265932" cy="255775"/>
+          </a:xfrm>
+          <a:prstGeom prst="flowChartConnector">
+            <a:avLst/>
+          </a:prstGeom>
+          <a:ln>
+            <a:solidFill>
+              <a:schemeClr val="tx2"/>
+            </a:solidFill>
+          </a:ln>
+          <a:effectLst>
+            <a:innerShdw blurRad="63500" dist="50800" dir="18900000">
+              <a:prstClr val="black">
+                <a:alpha val="50000"/>
+              </a:prstClr>
+            </a:innerShdw>
+          </a:effectLst>
+        </p:spPr>
+        <p:style>
+          <a:lnRef idx="2">
+            <a:schemeClr val="accent1">
+              <a:shade val="50000"/>
+            </a:schemeClr>
+          </a:lnRef>
+          <a:fillRef idx="1">
+            <a:schemeClr val="accent1"/>
+          </a:fillRef>
+          <a:effectRef idx="0">
+            <a:schemeClr val="accent1"/>
+          </a:effectRef>
+          <a:fontRef idx="minor">
+            <a:schemeClr val="lt1"/>
+          </a:fontRef>
+        </p:style>
+        <p:txBody>
+          <a:bodyPr rtlCol="0" anchor="ctr"/>
+          <a:lstStyle/>
+          <a:p>
+            <a:pPr algn="ctr"/>
+            <a:endParaRPr lang="zh-TW" altLang="en-US"/>
+          </a:p>
+        </p:txBody>
+      </p:sp>
+      <p:sp>
+        <p:nvSpPr>
+          <p:cNvPr id="9" name="流程圖: 接點 8"/>
+          <p:cNvSpPr/>
+          <p:nvPr/>
+        </p:nvSpPr>
+        <p:spPr>
+          <a:xfrm>
+            <a:off x="1687872" y="5091988"/>
+            <a:ext cx="265932" cy="255775"/>
+          </a:xfrm>
+          <a:prstGeom prst="flowChartConnector">
+            <a:avLst/>
+          </a:prstGeom>
+          <a:ln>
+            <a:solidFill>
+              <a:schemeClr val="tx2"/>
+            </a:solidFill>
+          </a:ln>
+          <a:effectLst>
+            <a:innerShdw blurRad="63500" dist="50800" dir="18900000">
+              <a:prstClr val="black">
+                <a:alpha val="50000"/>
+              </a:prstClr>
+            </a:innerShdw>
+          </a:effectLst>
+        </p:spPr>
+        <p:style>
+          <a:lnRef idx="2">
+            <a:schemeClr val="accent1">
+              <a:shade val="50000"/>
+            </a:schemeClr>
+          </a:lnRef>
+          <a:fillRef idx="1">
+            <a:schemeClr val="accent1"/>
+          </a:fillRef>
+          <a:effectRef idx="0">
+            <a:schemeClr val="accent1"/>
+          </a:effectRef>
+          <a:fontRef idx="minor">
+            <a:schemeClr val="lt1"/>
+          </a:fontRef>
+        </p:style>
+        <p:txBody>
+          <a:bodyPr rtlCol="0" anchor="ctr"/>
+          <a:lstStyle/>
+          <a:p>
+            <a:pPr algn="ctr"/>
+            <a:endParaRPr lang="zh-TW" altLang="en-US"/>
+          </a:p>
+        </p:txBody>
+      </p:sp>
+      <p:sp>
+        <p:nvSpPr>
+          <p:cNvPr id="11" name="文字方塊 10"/>
+          <p:cNvSpPr txBox="1"/>
+          <p:nvPr/>
+        </p:nvSpPr>
+        <p:spPr>
+          <a:xfrm>
+            <a:off x="2370697" y="4088672"/>
+            <a:ext cx="3586763" cy="461665"/>
+          </a:xfrm>
+          <a:prstGeom prst="rect">
+            <a:avLst/>
+          </a:prstGeom>
+          <a:noFill/>
+        </p:spPr>
+        <p:txBody>
+          <a:bodyPr wrap="square" rtlCol="0">
+            <a:spAutoFit/>
+          </a:bodyPr>
+          <a:lstStyle/>
+          <a:p>
+            <a:endParaRPr lang="zh-TW" altLang="en-US" sz="2400" b="1" dirty="0">
+              <a:solidFill>
+                <a:srgbClr val="0070C0"/>
+              </a:solidFill>
+              <a:latin typeface="標楷體" pitchFamily="65" charset="-120"/>
+              <a:ea typeface="標楷體" pitchFamily="65" charset="-120"/>
+            </a:endParaRPr>
+          </a:p>
+        </p:txBody>
+      </p:sp>
+      <p:sp>
+        <p:nvSpPr>
+          <p:cNvPr id="13" name="文字方塊 12"/>
+          <p:cNvSpPr txBox="1"/>
+          <p:nvPr/>
+        </p:nvSpPr>
+        <p:spPr>
+          <a:xfrm>
+            <a:off x="2399495" y="4998596"/>
+            <a:ext cx="3454051" cy="954107"/>
+          </a:xfrm>
+          <a:prstGeom prst="rect">
+            <a:avLst/>
+          </a:prstGeom>
+          <a:noFill/>
+        </p:spPr>
+        <p:txBody>
+          <a:bodyPr wrap="square" rtlCol="0">
+            <a:spAutoFit/>
+          </a:bodyPr>
+          <a:lstStyle/>
+          <a:p>
+            <a:r>
+              <a:rPr lang="zh-TW" altLang="en-US" sz="2800" b="1" dirty="0" smtClean="0">
+                <a:solidFill>
+                  <a:srgbClr val="0070C0"/>
+                </a:solidFill>
+                <a:latin typeface="標楷體" pitchFamily="65" charset="-120"/>
+                <a:ea typeface="標楷體" pitchFamily="65" charset="-120"/>
+              </a:rPr>
+              <a:t>合作品牌 </a:t>
+            </a:r>
+            <a:r>
+              <a:rPr lang="en-US" altLang="zh-TW" sz="2800" b="1" dirty="0" smtClean="0">
+                <a:solidFill>
+                  <a:srgbClr val="0070C0"/>
+                </a:solidFill>
+                <a:latin typeface="+mj-ea"/>
+                <a:ea typeface="+mj-ea"/>
+              </a:rPr>
+              <a:t>Arontine</a:t>
+            </a:r>
+            <a:r>
+              <a:rPr lang="zh-TW" altLang="en-US" sz="2800" b="1" dirty="0" smtClean="0">
+                <a:solidFill>
+                  <a:srgbClr val="0070C0"/>
+                </a:solidFill>
+                <a:latin typeface="+mj-ea"/>
+                <a:ea typeface="+mj-ea"/>
+              </a:rPr>
+              <a:t> </a:t>
+            </a:r>
+            <a:r>
+              <a:rPr lang="zh-TW" altLang="en-US" sz="2800" b="1" dirty="0" smtClean="0">
+                <a:solidFill>
+                  <a:srgbClr val="0070C0"/>
+                </a:solidFill>
+                <a:latin typeface="標楷體" pitchFamily="65" charset="-120"/>
+                <a:ea typeface="標楷體" pitchFamily="65" charset="-120"/>
+              </a:rPr>
+              <a:t>鞋款資料</a:t>
+            </a:r>
+            <a:endParaRPr lang="zh-TW" altLang="en-US" sz="2800" b="1" dirty="0">
+              <a:solidFill>
+                <a:srgbClr val="0070C0"/>
+              </a:solidFill>
+              <a:latin typeface="標楷體" pitchFamily="65" charset="-120"/>
+              <a:ea typeface="標楷體" pitchFamily="65" charset="-120"/>
+            </a:endParaRPr>
+          </a:p>
+        </p:txBody>
+      </p:sp>
+      <p:pic>
+        <p:nvPicPr>
+          <p:cNvPr id="14" name="圖片 13"/>
+          <p:cNvPicPr>
+            <a:picLocks noChangeAspect="1"/>
+          </p:cNvPicPr>
+          <p:nvPr/>
+        </p:nvPicPr>
+        <p:blipFill>
+          <a:blip r:embed="rId3" cstate="print">
+            <a:extLst>
+              <a:ext uri="{28A0092B-C50C-407E-A947-70E740481C1C}">
+                <a14:useLocalDpi xmlns:a14="http://schemas.microsoft.com/office/drawing/2010/main" val="0"/>
+              </a:ext>
+            </a:extLst>
+          </a:blip>
+          <a:stretch>
+            <a:fillRect/>
+          </a:stretch>
+        </p:blipFill>
+        <p:spPr>
+          <a:xfrm>
+            <a:off x="4718344" y="616362"/>
+            <a:ext cx="1460743" cy="1077144"/>
+          </a:xfrm>
+          <a:prstGeom prst="rect">
+            <a:avLst/>
+          </a:prstGeom>
+        </p:spPr>
+      </p:pic>
+    </p:spTree>
+    <p:extLst>
+      <p:ext uri="{BB962C8B-B14F-4D97-AF65-F5344CB8AC3E}">
+        <p14:creationId xmlns:p14="http://schemas.microsoft.com/office/powerpoint/2010/main" val="2796256598"/>
+      </p:ext>
+    </p:extLst>
+  </p:cSld>
+  <p:clrMapOvr>
+    <a:masterClrMapping/>
+  </p:clrMapOvr>
+  <p:timing>
+    <p:tnLst>
+      <p:par>
+        <p:cTn id="1" dur="indefinite" restart="never" nodeType="tmRoot"/>
+      </p:par>
+    </p:tnLst>
+  </p:timing>
+</p:sld>
+</file>
+
+<file path=ppt/slides/slide5.xml><?xml version="1.0" encoding="utf-8"?>
+<p:sld xmlns:a="http://schemas.openxmlformats.org/drawingml/2006/main" xmlns:r="http://schemas.openxmlformats.org/officeDocument/2006/relationships" xmlns:p="http://schemas.openxmlformats.org/presentationml/2006/main">
+  <p:cSld>
+    <p:spTree>
+      <p:nvGrpSpPr>
+        <p:cNvPr id="1" name=""/>
+        <p:cNvGrpSpPr/>
+        <p:nvPr/>
+      </p:nvGrpSpPr>
+      <p:grpSpPr>
+        <a:xfrm>
+          <a:off x="0" y="0"/>
+          <a:ext cx="0" cy="0"/>
+          <a:chOff x="0" y="0"/>
+          <a:chExt cx="0" cy="0"/>
+        </a:xfrm>
+      </p:grpSpPr>
+      <p:sp>
+        <p:nvSpPr>
+          <p:cNvPr id="5" name="椭圆 4"/>
+          <p:cNvSpPr/>
+          <p:nvPr/>
+        </p:nvSpPr>
+        <p:spPr>
+          <a:xfrm>
+            <a:off x="2129331" y="2012159"/>
+            <a:ext cx="745960" cy="679885"/>
+          </a:xfrm>
+          <a:prstGeom prst="ellipse">
+            <a:avLst/>
+          </a:prstGeom>
+          <a:solidFill>
+            <a:srgbClr val="6C92C0">
+              <a:alpha val="70000"/>
+            </a:srgbClr>
+          </a:solidFill>
+          <a:ln>
+            <a:noFill/>
+          </a:ln>
+        </p:spPr>
+        <p:style>
+          <a:lnRef idx="2">
+            <a:schemeClr val="accent1">
+              <a:shade val="50000"/>
+            </a:schemeClr>
+          </a:lnRef>
+          <a:fillRef idx="1">
+            <a:schemeClr val="accent1"/>
+          </a:fillRef>
+          <a:effectRef idx="0">
+            <a:schemeClr val="accent1"/>
+          </a:effectRef>
+          <a:fontRef idx="minor">
+            <a:schemeClr val="lt1"/>
+          </a:fontRef>
+        </p:style>
+        <p:txBody>
+          <a:bodyPr rtlCol="0" anchor="ctr"/>
+          <a:lstStyle/>
+          <a:p>
+            <a:pPr algn="ctr"/>
+            <a:endParaRPr lang="zh-CN" altLang="en-US">
+              <a:cs typeface="+mn-ea"/>
+              <a:sym typeface="+mn-lt"/>
+            </a:endParaRPr>
+          </a:p>
+        </p:txBody>
+      </p:sp>
+      <p:sp>
+        <p:nvSpPr>
+          <p:cNvPr id="6" name="椭圆 3"/>
+          <p:cNvSpPr/>
+          <p:nvPr/>
+        </p:nvSpPr>
+        <p:spPr>
+          <a:xfrm>
+            <a:off x="134280" y="149945"/>
+            <a:ext cx="2890646" cy="2612438"/>
+          </a:xfrm>
+          <a:prstGeom prst="ellipse">
+            <a:avLst/>
+          </a:prstGeom>
+          <a:solidFill>
+            <a:srgbClr val="48A2A0">
+              <a:alpha val="70000"/>
+            </a:srgbClr>
+          </a:solidFill>
+          <a:ln>
+            <a:noFill/>
+          </a:ln>
+        </p:spPr>
+        <p:style>
+          <a:lnRef idx="2">
+            <a:schemeClr val="accent1">
+              <a:shade val="50000"/>
+            </a:schemeClr>
+          </a:lnRef>
+          <a:fillRef idx="1">
+            <a:schemeClr val="accent1"/>
+          </a:fillRef>
+          <a:effectRef idx="0">
+            <a:schemeClr val="accent1"/>
+          </a:effectRef>
+          <a:fontRef idx="minor">
+            <a:schemeClr val="lt1"/>
+          </a:fontRef>
+        </p:style>
+        <p:txBody>
+          <a:bodyPr rtlCol="0" anchor="ctr"/>
+          <a:lstStyle/>
+          <a:p>
+            <a:pPr algn="ctr"/>
+            <a:r>
+              <a:rPr lang="zh-TW" altLang="en-US" sz="3600" dirty="0">
+                <a:latin typeface="標楷體" pitchFamily="65" charset="-120"/>
+                <a:ea typeface="標楷體" pitchFamily="65" charset="-120"/>
+                <a:cs typeface="+mn-ea"/>
+                <a:sym typeface="+mn-lt"/>
+              </a:rPr>
+              <a:t>原始資料</a:t>
+            </a:r>
+            <a:endParaRPr lang="zh-CN" altLang="en-US" sz="3600" dirty="0">
+              <a:latin typeface="標楷體" pitchFamily="65" charset="-120"/>
+              <a:ea typeface="標楷體" pitchFamily="65" charset="-120"/>
+              <a:cs typeface="+mn-ea"/>
+              <a:sym typeface="+mn-lt"/>
+            </a:endParaRPr>
+          </a:p>
+        </p:txBody>
+      </p:sp>
+      <p:pic>
+        <p:nvPicPr>
+          <p:cNvPr id="2" name="圖片 1"/>
+          <p:cNvPicPr>
+            <a:picLocks noChangeAspect="1"/>
+          </p:cNvPicPr>
+          <p:nvPr/>
+        </p:nvPicPr>
+        <p:blipFill>
+          <a:blip r:embed="rId2">
+            <a:extLst>
+              <a:ext uri="{28A0092B-C50C-407E-A947-70E740481C1C}">
+                <a14:useLocalDpi xmlns:a14="http://schemas.microsoft.com/office/drawing/2010/main" val="0"/>
+              </a:ext>
+            </a:extLst>
+          </a:blip>
+          <a:stretch>
+            <a:fillRect/>
+          </a:stretch>
+        </p:blipFill>
+        <p:spPr>
+          <a:xfrm>
+            <a:off x="3150842" y="2159711"/>
+            <a:ext cx="8920195" cy="4537439"/>
+          </a:xfrm>
+          <a:prstGeom prst="rect">
+            <a:avLst/>
+          </a:prstGeom>
+          <a:ln w="12700">
+            <a:solidFill>
+              <a:schemeClr val="tx1"/>
+            </a:solidFill>
+          </a:ln>
+        </p:spPr>
+      </p:pic>
+      <p:sp>
+        <p:nvSpPr>
+          <p:cNvPr id="3" name="矩形 2"/>
+          <p:cNvSpPr/>
+          <p:nvPr/>
+        </p:nvSpPr>
+        <p:spPr>
+          <a:xfrm>
+            <a:off x="4759036" y="569000"/>
+            <a:ext cx="5964382" cy="1384995"/>
+          </a:xfrm>
+          <a:prstGeom prst="rect">
+            <a:avLst/>
+          </a:prstGeom>
+        </p:spPr>
+        <p:txBody>
+          <a:bodyPr wrap="square">
+            <a:spAutoFit/>
+          </a:bodyPr>
+          <a:lstStyle/>
+          <a:p>
+            <a:r>
+              <a:rPr lang="zh-TW" altLang="en-US" sz="2800" dirty="0" smtClean="0">
+                <a:solidFill>
+                  <a:srgbClr val="0070C0"/>
+                </a:solidFill>
+                <a:latin typeface="標楷體" pitchFamily="65" charset="-120"/>
+                <a:ea typeface="標楷體" pitchFamily="65" charset="-120"/>
+              </a:rPr>
+              <a:t>所有</a:t>
+            </a:r>
+            <a:r>
+              <a:rPr lang="zh-TW" altLang="en-US" sz="2800" dirty="0">
+                <a:solidFill>
+                  <a:srgbClr val="0070C0"/>
+                </a:solidFill>
+                <a:latin typeface="標楷體" pitchFamily="65" charset="-120"/>
+                <a:ea typeface="標楷體" pitchFamily="65" charset="-120"/>
+              </a:rPr>
+              <a:t>鞋</a:t>
+            </a:r>
+            <a:r>
+              <a:rPr lang="zh-TW" altLang="en-US" sz="2800" dirty="0" smtClean="0">
+                <a:solidFill>
+                  <a:srgbClr val="0070C0"/>
+                </a:solidFill>
+                <a:latin typeface="標楷體" pitchFamily="65" charset="-120"/>
+                <a:ea typeface="標楷體" pitchFamily="65" charset="-120"/>
+              </a:rPr>
+              <a:t>款類別</a:t>
+            </a:r>
+            <a:r>
+              <a:rPr lang="en-US" altLang="zh-TW" sz="2800" dirty="0" smtClean="0">
+                <a:solidFill>
+                  <a:srgbClr val="0070C0"/>
+                </a:solidFill>
+                <a:latin typeface="標楷體" pitchFamily="65" charset="-120"/>
+                <a:ea typeface="標楷體" pitchFamily="65" charset="-120"/>
+              </a:rPr>
+              <a:t>､</a:t>
+            </a:r>
+            <a:r>
+              <a:rPr lang="zh-TW" altLang="en-US" sz="2800" dirty="0">
+                <a:solidFill>
+                  <a:srgbClr val="0070C0"/>
+                </a:solidFill>
+                <a:latin typeface="標楷體" pitchFamily="65" charset="-120"/>
+                <a:ea typeface="標楷體" pitchFamily="65" charset="-120"/>
+              </a:rPr>
+              <a:t>鞋名</a:t>
+            </a:r>
+            <a:r>
+              <a:rPr lang="en-US" altLang="zh-TW" sz="2800" dirty="0">
+                <a:solidFill>
+                  <a:srgbClr val="0070C0"/>
+                </a:solidFill>
+                <a:latin typeface="標楷體" pitchFamily="65" charset="-120"/>
+                <a:ea typeface="標楷體" pitchFamily="65" charset="-120"/>
+              </a:rPr>
+              <a:t>､</a:t>
+            </a:r>
+            <a:r>
+              <a:rPr lang="zh-TW" altLang="en-US" sz="2800" dirty="0">
+                <a:solidFill>
+                  <a:srgbClr val="0070C0"/>
+                </a:solidFill>
+                <a:latin typeface="標楷體" pitchFamily="65" charset="-120"/>
+                <a:ea typeface="標楷體" pitchFamily="65" charset="-120"/>
+              </a:rPr>
+              <a:t>商品描述</a:t>
+            </a:r>
+            <a:r>
+              <a:rPr lang="en-US" altLang="zh-TW" sz="2800" dirty="0">
+                <a:solidFill>
+                  <a:srgbClr val="0070C0"/>
+                </a:solidFill>
+                <a:latin typeface="標楷體" pitchFamily="65" charset="-120"/>
+                <a:ea typeface="標楷體" pitchFamily="65" charset="-120"/>
+              </a:rPr>
+              <a:t>､</a:t>
+            </a:r>
+            <a:r>
+              <a:rPr lang="zh-TW" altLang="en-US" sz="2800" dirty="0">
+                <a:solidFill>
+                  <a:srgbClr val="0070C0"/>
+                </a:solidFill>
+                <a:latin typeface="標楷體" pitchFamily="65" charset="-120"/>
+                <a:ea typeface="標楷體" pitchFamily="65" charset="-120"/>
+              </a:rPr>
+              <a:t>售價</a:t>
+            </a:r>
+            <a:r>
+              <a:rPr lang="en-US" altLang="zh-TW" sz="2800" dirty="0">
+                <a:solidFill>
+                  <a:srgbClr val="0070C0"/>
+                </a:solidFill>
+                <a:latin typeface="標楷體" pitchFamily="65" charset="-120"/>
+                <a:ea typeface="標楷體" pitchFamily="65" charset="-120"/>
+              </a:rPr>
+              <a:t>､</a:t>
+            </a:r>
+            <a:r>
+              <a:rPr lang="zh-TW" altLang="en-US" sz="2800" dirty="0">
+                <a:solidFill>
+                  <a:srgbClr val="0070C0"/>
+                </a:solidFill>
+                <a:latin typeface="標楷體" pitchFamily="65" charset="-120"/>
+                <a:ea typeface="標楷體" pitchFamily="65" charset="-120"/>
+              </a:rPr>
+              <a:t>尺寸</a:t>
+            </a:r>
+            <a:r>
+              <a:rPr lang="en-US" altLang="zh-TW" sz="2800" dirty="0">
+                <a:solidFill>
+                  <a:srgbClr val="0070C0"/>
+                </a:solidFill>
+                <a:latin typeface="標楷體" pitchFamily="65" charset="-120"/>
+                <a:ea typeface="標楷體" pitchFamily="65" charset="-120"/>
+              </a:rPr>
+              <a:t>､</a:t>
+            </a:r>
+            <a:r>
+              <a:rPr lang="zh-TW" altLang="en-US" sz="2800" dirty="0">
+                <a:solidFill>
+                  <a:srgbClr val="0070C0"/>
+                </a:solidFill>
+                <a:latin typeface="標楷體" pitchFamily="65" charset="-120"/>
+                <a:ea typeface="標楷體" pitchFamily="65" charset="-120"/>
+              </a:rPr>
+              <a:t>庫存</a:t>
+            </a:r>
+            <a:r>
+              <a:rPr lang="en-US" altLang="zh-TW" sz="2800" dirty="0">
+                <a:solidFill>
+                  <a:srgbClr val="0070C0"/>
+                </a:solidFill>
+                <a:latin typeface="標楷體" pitchFamily="65" charset="-120"/>
+                <a:ea typeface="標楷體" pitchFamily="65" charset="-120"/>
+              </a:rPr>
+              <a:t>､</a:t>
+            </a:r>
+            <a:r>
+              <a:rPr lang="zh-TW" altLang="en-US" sz="2800" dirty="0" smtClean="0">
+                <a:solidFill>
+                  <a:srgbClr val="0070C0"/>
+                </a:solidFill>
+                <a:latin typeface="標楷體" pitchFamily="65" charset="-120"/>
+                <a:ea typeface="標楷體" pitchFamily="65" charset="-120"/>
+              </a:rPr>
+              <a:t>數量</a:t>
+            </a:r>
+            <a:r>
+              <a:rPr lang="en-US" altLang="zh-TW" sz="2800" dirty="0" smtClean="0">
+                <a:solidFill>
+                  <a:srgbClr val="0070C0"/>
+                </a:solidFill>
+                <a:latin typeface="標楷體" pitchFamily="65" charset="-120"/>
+                <a:ea typeface="標楷體" pitchFamily="65" charset="-120"/>
+              </a:rPr>
+              <a:t>､</a:t>
+            </a:r>
+            <a:r>
+              <a:rPr lang="zh-TW" altLang="en-US" sz="2800" dirty="0" smtClean="0">
+                <a:solidFill>
+                  <a:srgbClr val="0070C0"/>
+                </a:solidFill>
+                <a:latin typeface="標楷體" pitchFamily="65" charset="-120"/>
+                <a:ea typeface="標楷體" pitchFamily="65" charset="-120"/>
+              </a:rPr>
+              <a:t>日期</a:t>
+            </a:r>
+            <a:r>
+              <a:rPr lang="en-US" altLang="zh-TW" sz="2800" dirty="0" smtClean="0">
+                <a:solidFill>
+                  <a:srgbClr val="0070C0"/>
+                </a:solidFill>
+                <a:latin typeface="標楷體" pitchFamily="65" charset="-120"/>
+                <a:ea typeface="標楷體" pitchFamily="65" charset="-120"/>
+              </a:rPr>
+              <a:t>､</a:t>
+            </a:r>
+            <a:r>
+              <a:rPr lang="zh-TW" altLang="en-US" sz="2800" dirty="0" smtClean="0">
+                <a:solidFill>
+                  <a:srgbClr val="0070C0"/>
+                </a:solidFill>
+                <a:latin typeface="標楷體" pitchFamily="65" charset="-120"/>
+                <a:ea typeface="標楷體" pitchFamily="65" charset="-120"/>
+              </a:rPr>
+              <a:t>銷售數量</a:t>
+            </a:r>
+            <a:endParaRPr lang="zh-TW" altLang="en-US" sz="2800" dirty="0">
+              <a:solidFill>
+                <a:srgbClr val="0070C0"/>
+              </a:solidFill>
+              <a:latin typeface="標楷體" pitchFamily="65" charset="-120"/>
+              <a:ea typeface="標楷體" pitchFamily="65" charset="-120"/>
+            </a:endParaRPr>
+          </a:p>
+        </p:txBody>
+      </p:sp>
+      <p:sp>
+        <p:nvSpPr>
+          <p:cNvPr id="7" name="流程圖: 接點 6"/>
+          <p:cNvSpPr/>
+          <p:nvPr/>
+        </p:nvSpPr>
+        <p:spPr>
+          <a:xfrm>
+            <a:off x="3993619" y="870375"/>
+            <a:ext cx="265932" cy="255775"/>
+          </a:xfrm>
+          <a:prstGeom prst="flowChartConnector">
+            <a:avLst/>
+          </a:prstGeom>
+          <a:ln>
+            <a:solidFill>
+              <a:schemeClr val="tx2"/>
+            </a:solidFill>
+          </a:ln>
+          <a:effectLst>
+            <a:innerShdw blurRad="63500" dist="50800" dir="18900000">
+              <a:prstClr val="black">
+                <a:alpha val="50000"/>
+              </a:prstClr>
+            </a:innerShdw>
+          </a:effectLst>
+        </p:spPr>
+        <p:style>
+          <a:lnRef idx="2">
+            <a:schemeClr val="accent1">
+              <a:shade val="50000"/>
+            </a:schemeClr>
+          </a:lnRef>
+          <a:fillRef idx="1">
+            <a:schemeClr val="accent1"/>
+          </a:fillRef>
+          <a:effectRef idx="0">
+            <a:schemeClr val="accent1"/>
+          </a:effectRef>
+          <a:fontRef idx="minor">
+            <a:schemeClr val="lt1"/>
+          </a:fontRef>
+        </p:style>
+        <p:txBody>
+          <a:bodyPr rtlCol="0" anchor="ctr"/>
+          <a:lstStyle/>
+          <a:p>
+            <a:pPr algn="ctr"/>
+            <a:endParaRPr lang="zh-TW" altLang="en-US"/>
+          </a:p>
+        </p:txBody>
+      </p:sp>
+      <p:pic>
+        <p:nvPicPr>
+          <p:cNvPr id="4" name="圖片 3"/>
+          <p:cNvPicPr>
+            <a:picLocks noChangeAspect="1"/>
+          </p:cNvPicPr>
+          <p:nvPr/>
+        </p:nvPicPr>
+        <p:blipFill>
+          <a:blip r:embed="rId3" cstate="print">
+            <a:extLst>
+              <a:ext uri="{28A0092B-C50C-407E-A947-70E740481C1C}">
+                <a14:useLocalDpi xmlns:a14="http://schemas.microsoft.com/office/drawing/2010/main" val="0"/>
+              </a:ext>
+            </a:extLst>
+          </a:blip>
+          <a:stretch>
+            <a:fillRect/>
+          </a:stretch>
+        </p:blipFill>
+        <p:spPr>
+          <a:xfrm>
+            <a:off x="694911" y="4548894"/>
+            <a:ext cx="1615112" cy="989077"/>
+          </a:xfrm>
+          <a:prstGeom prst="rect">
+            <a:avLst/>
+          </a:prstGeom>
+        </p:spPr>
+      </p:pic>
+      <p:pic>
+        <p:nvPicPr>
+          <p:cNvPr id="8" name="圖片 7"/>
+          <p:cNvPicPr>
+            <a:picLocks noChangeAspect="1"/>
+          </p:cNvPicPr>
+          <p:nvPr/>
+        </p:nvPicPr>
+        <p:blipFill>
+          <a:blip r:embed="rId4" cstate="print">
+            <a:extLst>
+              <a:ext uri="{28A0092B-C50C-407E-A947-70E740481C1C}">
+                <a14:useLocalDpi xmlns:a14="http://schemas.microsoft.com/office/drawing/2010/main" val="0"/>
+              </a:ext>
+            </a:extLst>
+          </a:blip>
+          <a:stretch>
+            <a:fillRect/>
+          </a:stretch>
+        </p:blipFill>
+        <p:spPr>
+          <a:xfrm>
+            <a:off x="640887" y="5843154"/>
+            <a:ext cx="1723159" cy="689264"/>
+          </a:xfrm>
+          <a:prstGeom prst="rect">
+            <a:avLst/>
+          </a:prstGeom>
+        </p:spPr>
+      </p:pic>
+    </p:spTree>
+    <p:extLst>
+      <p:ext uri="{BB962C8B-B14F-4D97-AF65-F5344CB8AC3E}">
+        <p14:creationId xmlns:p14="http://schemas.microsoft.com/office/powerpoint/2010/main" val="907218639"/>
+      </p:ext>
+    </p:extLst>
+  </p:cSld>
+  <p:clrMapOvr>
+    <a:masterClrMapping/>
+  </p:clrMapOvr>
+  <p:timing>
+    <p:tnLst>
+      <p:par>
+        <p:cTn id="1" dur="indefinite" restart="never" nodeType="tmRoot"/>
+      </p:par>
+    </p:tnLst>
+  </p:timing>
+</p:sld>
+</file>
+
+<file path=ppt/slides/slide6.xml><?xml version="1.0" encoding="utf-8"?>
+<p:sld xmlns:a="http://schemas.openxmlformats.org/drawingml/2006/main" xmlns:r="http://schemas.openxmlformats.org/officeDocument/2006/relationships" xmlns:p="http://schemas.openxmlformats.org/presentationml/2006/main">
+  <p:cSld>
+    <p:spTree>
+      <p:nvGrpSpPr>
+        <p:cNvPr id="1" name=""/>
+        <p:cNvGrpSpPr/>
+        <p:nvPr/>
+      </p:nvGrpSpPr>
+      <p:grpSpPr>
+        <a:xfrm>
+          <a:off x="0" y="0"/>
+          <a:ext cx="0" cy="0"/>
+          <a:chOff x="0" y="0"/>
+          <a:chExt cx="0" cy="0"/>
+        </a:xfrm>
+      </p:grpSpPr>
+      <p:sp>
+        <p:nvSpPr>
+          <p:cNvPr id="5" name="椭圆 4"/>
+          <p:cNvSpPr/>
+          <p:nvPr/>
+        </p:nvSpPr>
+        <p:spPr>
+          <a:xfrm>
+            <a:off x="2129331" y="2012159"/>
+            <a:ext cx="745960" cy="679885"/>
+          </a:xfrm>
+          <a:prstGeom prst="ellipse">
+            <a:avLst/>
+          </a:prstGeom>
+          <a:solidFill>
+            <a:srgbClr val="6C92C0">
+              <a:alpha val="70000"/>
+            </a:srgbClr>
+          </a:solidFill>
+          <a:ln>
+            <a:noFill/>
+          </a:ln>
+        </p:spPr>
+        <p:style>
+          <a:lnRef idx="2">
+            <a:schemeClr val="accent1">
+              <a:shade val="50000"/>
+            </a:schemeClr>
+          </a:lnRef>
+          <a:fillRef idx="1">
+            <a:schemeClr val="accent1"/>
+          </a:fillRef>
+          <a:effectRef idx="0">
+            <a:schemeClr val="accent1"/>
+          </a:effectRef>
+          <a:fontRef idx="minor">
+            <a:schemeClr val="lt1"/>
+          </a:fontRef>
+        </p:style>
+        <p:txBody>
+          <a:bodyPr rtlCol="0" anchor="ctr"/>
+          <a:lstStyle/>
+          <a:p>
+            <a:pPr algn="ctr"/>
+            <a:endParaRPr lang="zh-CN" altLang="en-US">
+              <a:cs typeface="+mn-ea"/>
+              <a:sym typeface="+mn-lt"/>
+            </a:endParaRPr>
+          </a:p>
+        </p:txBody>
+      </p:sp>
+      <p:sp>
+        <p:nvSpPr>
+          <p:cNvPr id="6" name="椭圆 3"/>
+          <p:cNvSpPr/>
+          <p:nvPr/>
+        </p:nvSpPr>
+        <p:spPr>
+          <a:xfrm>
+            <a:off x="134280" y="149945"/>
+            <a:ext cx="2890646" cy="2612438"/>
+          </a:xfrm>
+          <a:prstGeom prst="ellipse">
+            <a:avLst/>
+          </a:prstGeom>
+          <a:solidFill>
+            <a:srgbClr val="48A2A0">
+              <a:alpha val="70000"/>
+            </a:srgbClr>
+          </a:solidFill>
+          <a:ln>
+            <a:noFill/>
+          </a:ln>
+        </p:spPr>
+        <p:style>
+          <a:lnRef idx="2">
+            <a:schemeClr val="accent1">
+              <a:shade val="50000"/>
+            </a:schemeClr>
+          </a:lnRef>
+          <a:fillRef idx="1">
+            <a:schemeClr val="accent1"/>
+          </a:fillRef>
+          <a:effectRef idx="0">
+            <a:schemeClr val="accent1"/>
+          </a:effectRef>
+          <a:fontRef idx="minor">
+            <a:schemeClr val="lt1"/>
+          </a:fontRef>
+        </p:style>
+        <p:txBody>
+          <a:bodyPr rtlCol="0" anchor="ctr"/>
+          <a:lstStyle/>
+          <a:p>
+            <a:pPr algn="ctr"/>
+            <a:r>
+              <a:rPr lang="zh-TW" altLang="en-US" sz="3600" dirty="0">
+                <a:latin typeface="標楷體" pitchFamily="65" charset="-120"/>
+                <a:ea typeface="標楷體" pitchFamily="65" charset="-120"/>
+                <a:cs typeface="+mn-ea"/>
+                <a:sym typeface="+mn-lt"/>
+              </a:rPr>
+              <a:t>資料處理</a:t>
+            </a:r>
+            <a:endParaRPr lang="zh-CN" altLang="en-US" sz="3600" dirty="0">
+              <a:latin typeface="標楷體" pitchFamily="65" charset="-120"/>
+              <a:ea typeface="標楷體" pitchFamily="65" charset="-120"/>
+              <a:cs typeface="+mn-ea"/>
+              <a:sym typeface="+mn-lt"/>
+            </a:endParaRPr>
+          </a:p>
+        </p:txBody>
+      </p:sp>
+      <p:pic>
+        <p:nvPicPr>
+          <p:cNvPr id="2" name="圖片 1"/>
+          <p:cNvPicPr>
+            <a:picLocks noChangeAspect="1"/>
+          </p:cNvPicPr>
+          <p:nvPr/>
+        </p:nvPicPr>
+        <p:blipFill>
+          <a:blip r:embed="rId2">
+            <a:extLst>
+              <a:ext uri="{28A0092B-C50C-407E-A947-70E740481C1C}">
+                <a14:useLocalDpi xmlns:a14="http://schemas.microsoft.com/office/drawing/2010/main" val="0"/>
+              </a:ext>
+            </a:extLst>
+          </a:blip>
+          <a:stretch>
+            <a:fillRect/>
+          </a:stretch>
+        </p:blipFill>
+        <p:spPr>
+          <a:xfrm>
+            <a:off x="5422452" y="3539809"/>
+            <a:ext cx="6540948" cy="3175433"/>
+          </a:xfrm>
+          <a:prstGeom prst="rect">
+            <a:avLst/>
+          </a:prstGeom>
+          <a:ln w="12700">
+            <a:solidFill>
+              <a:schemeClr val="tx1"/>
+            </a:solidFill>
+          </a:ln>
+        </p:spPr>
+      </p:pic>
+      <p:pic>
+        <p:nvPicPr>
+          <p:cNvPr id="3" name="圖片 2"/>
+          <p:cNvPicPr>
+            <a:picLocks noChangeAspect="1"/>
+          </p:cNvPicPr>
+          <p:nvPr/>
+        </p:nvPicPr>
+        <p:blipFill rotWithShape="1">
+          <a:blip r:embed="rId3">
+            <a:extLst>
+              <a:ext uri="{28A0092B-C50C-407E-A947-70E740481C1C}">
+                <a14:useLocalDpi xmlns:a14="http://schemas.microsoft.com/office/drawing/2010/main" val="0"/>
+              </a:ext>
+            </a:extLst>
+          </a:blip>
+          <a:srcRect b="33881"/>
+          <a:stretch/>
+        </p:blipFill>
+        <p:spPr>
+          <a:xfrm>
+            <a:off x="5422452" y="149946"/>
+            <a:ext cx="6540948" cy="3219120"/>
+          </a:xfrm>
+          <a:prstGeom prst="rect">
+            <a:avLst/>
+          </a:prstGeom>
+          <a:ln w="12700">
+            <a:solidFill>
+              <a:schemeClr val="tx2"/>
+            </a:solidFill>
+          </a:ln>
+        </p:spPr>
+      </p:pic>
+      <p:sp>
+        <p:nvSpPr>
+          <p:cNvPr id="4" name="圓角矩形 3"/>
+          <p:cNvSpPr/>
+          <p:nvPr/>
+        </p:nvSpPr>
+        <p:spPr>
+          <a:xfrm>
+            <a:off x="11145982" y="140564"/>
+            <a:ext cx="505691" cy="3219120"/>
+          </a:xfrm>
+          <a:prstGeom prst="roundRect">
+            <a:avLst/>
+          </a:prstGeom>
+          <a:noFill/>
+          <a:ln w="28575">
+            <a:solidFill>
+              <a:srgbClr val="FF0000"/>
+            </a:solidFill>
+          </a:ln>
+        </p:spPr>
+        <p:style>
+          <a:lnRef idx="2">
+            <a:schemeClr val="accent1">
+              <a:shade val="50000"/>
+            </a:schemeClr>
+          </a:lnRef>
+          <a:fillRef idx="1">
+            <a:schemeClr val="accent1"/>
+          </a:fillRef>
+          <a:effectRef idx="0">
+            <a:schemeClr val="accent1"/>
+          </a:effectRef>
+          <a:fontRef idx="minor">
+            <a:schemeClr val="lt1"/>
+          </a:fontRef>
+        </p:style>
+        <p:txBody>
+          <a:bodyPr rtlCol="0" anchor="ctr"/>
+          <a:lstStyle/>
+          <a:p>
+            <a:pPr algn="ctr"/>
+            <a:endParaRPr lang="zh-TW" altLang="en-US"/>
+          </a:p>
+        </p:txBody>
+      </p:sp>
+      <p:sp>
+        <p:nvSpPr>
+          <p:cNvPr id="7" name="圓角矩形 6"/>
+          <p:cNvSpPr/>
+          <p:nvPr/>
+        </p:nvSpPr>
+        <p:spPr>
+          <a:xfrm>
+            <a:off x="5422452" y="3539808"/>
+            <a:ext cx="505691" cy="3175433"/>
+          </a:xfrm>
+          <a:prstGeom prst="roundRect">
+            <a:avLst/>
+          </a:prstGeom>
+          <a:noFill/>
+          <a:ln w="28575">
+            <a:solidFill>
+              <a:srgbClr val="FF0000"/>
+            </a:solidFill>
+          </a:ln>
+        </p:spPr>
+        <p:style>
+          <a:lnRef idx="2">
+            <a:schemeClr val="accent1">
+              <a:shade val="50000"/>
+            </a:schemeClr>
+          </a:lnRef>
+          <a:fillRef idx="1">
+            <a:schemeClr val="accent1"/>
+          </a:fillRef>
+          <a:effectRef idx="0">
+            <a:schemeClr val="accent1"/>
+          </a:effectRef>
+          <a:fontRef idx="minor">
+            <a:schemeClr val="lt1"/>
+          </a:fontRef>
+        </p:style>
+        <p:txBody>
+          <a:bodyPr rtlCol="0" anchor="ctr"/>
+          <a:lstStyle/>
+          <a:p>
+            <a:pPr algn="ctr"/>
+            <a:endParaRPr lang="zh-TW" altLang="en-US"/>
+          </a:p>
+        </p:txBody>
+      </p:sp>
+      <p:sp>
+        <p:nvSpPr>
+          <p:cNvPr id="10" name="弧形箭號 (左彎) 9"/>
+          <p:cNvSpPr/>
+          <p:nvPr/>
+        </p:nvSpPr>
+        <p:spPr>
+          <a:xfrm rot="407997" flipH="1">
+            <a:off x="4568291" y="2239513"/>
+            <a:ext cx="680248" cy="1907859"/>
+          </a:xfrm>
+          <a:prstGeom prst="curvedLeftArrow">
+            <a:avLst/>
+          </a:prstGeom>
+          <a:solidFill>
+            <a:srgbClr val="6C92C0"/>
+          </a:solidFill>
+          <a:ln w="12700">
+            <a:solidFill>
+              <a:schemeClr val="tx2"/>
+            </a:solidFill>
+          </a:ln>
+          <a:effectLst>
+            <a:outerShdw blurRad="50800" dist="38100" dir="8100000" algn="tr" rotWithShape="0">
+              <a:prstClr val="black">
+                <a:alpha val="40000"/>
+              </a:prstClr>
+            </a:outerShdw>
+          </a:effectLst>
+        </p:spPr>
+        <p:style>
+          <a:lnRef idx="2">
+            <a:schemeClr val="accent1">
+              <a:shade val="50000"/>
+            </a:schemeClr>
+          </a:lnRef>
+          <a:fillRef idx="1">
+            <a:schemeClr val="accent1"/>
+          </a:fillRef>
+          <a:effectRef idx="0">
+            <a:schemeClr val="accent1"/>
+          </a:effectRef>
+          <a:fontRef idx="minor">
+            <a:schemeClr val="lt1"/>
+          </a:fontRef>
+        </p:style>
+        <p:txBody>
+          <a:bodyPr rtlCol="0" anchor="ctr"/>
+          <a:lstStyle/>
+          <a:p>
+            <a:pPr algn="ctr"/>
+            <a:endParaRPr lang="zh-TW" altLang="en-US">
+              <a:solidFill>
+                <a:schemeClr val="tx1"/>
+              </a:solidFill>
+            </a:endParaRPr>
+          </a:p>
+        </p:txBody>
+      </p:sp>
+      <p:sp>
+        <p:nvSpPr>
+          <p:cNvPr id="11" name="文字方塊 10"/>
+          <p:cNvSpPr txBox="1"/>
+          <p:nvPr/>
+        </p:nvSpPr>
+        <p:spPr>
+          <a:xfrm>
+            <a:off x="620459" y="4047211"/>
+            <a:ext cx="3775393" cy="523220"/>
+          </a:xfrm>
+          <a:prstGeom prst="rect">
+            <a:avLst/>
+          </a:prstGeom>
+          <a:noFill/>
+        </p:spPr>
+        <p:txBody>
+          <a:bodyPr wrap="none" rtlCol="0">
+            <a:spAutoFit/>
+          </a:bodyPr>
+          <a:lstStyle/>
+          <a:p>
+            <a:r>
+              <a:rPr lang="zh-TW" altLang="en-US" sz="2800" dirty="0" smtClean="0">
+                <a:solidFill>
+                  <a:srgbClr val="0070C0"/>
+                </a:solidFill>
+                <a:latin typeface="標楷體" pitchFamily="65" charset="-120"/>
+                <a:ea typeface="標楷體" pitchFamily="65" charset="-120"/>
+              </a:rPr>
+              <a:t>目標</a:t>
+            </a:r>
+            <a:r>
+              <a:rPr lang="en-US" altLang="zh-TW" sz="2800" dirty="0" smtClean="0">
+                <a:solidFill>
+                  <a:srgbClr val="0070C0"/>
+                </a:solidFill>
+                <a:latin typeface="標楷體" pitchFamily="65" charset="-120"/>
+                <a:ea typeface="標楷體" pitchFamily="65" charset="-120"/>
+              </a:rPr>
+              <a:t>:</a:t>
+            </a:r>
+            <a:r>
+              <a:rPr lang="zh-TW" altLang="en-US" sz="2800" dirty="0" smtClean="0">
+                <a:solidFill>
+                  <a:srgbClr val="0070C0"/>
+                </a:solidFill>
+                <a:latin typeface="標楷體" pitchFamily="65" charset="-120"/>
+                <a:ea typeface="標楷體" pitchFamily="65" charset="-120"/>
+              </a:rPr>
+              <a:t>日期區分成四季 </a:t>
+            </a:r>
+            <a:endParaRPr lang="zh-TW" altLang="en-US" sz="2800" dirty="0">
+              <a:solidFill>
+                <a:srgbClr val="0070C0"/>
+              </a:solidFill>
+              <a:latin typeface="標楷體" pitchFamily="65" charset="-120"/>
+              <a:ea typeface="標楷體" pitchFamily="65" charset="-120"/>
+            </a:endParaRPr>
+          </a:p>
+        </p:txBody>
+      </p:sp>
+      <p:sp>
+        <p:nvSpPr>
+          <p:cNvPr id="12" name="文字方塊 11"/>
+          <p:cNvSpPr txBox="1"/>
+          <p:nvPr/>
+        </p:nvSpPr>
+        <p:spPr>
+          <a:xfrm>
+            <a:off x="620459" y="5065178"/>
+            <a:ext cx="4301837" cy="954107"/>
+          </a:xfrm>
+          <a:prstGeom prst="rect">
+            <a:avLst/>
+          </a:prstGeom>
+          <a:noFill/>
+        </p:spPr>
+        <p:txBody>
+          <a:bodyPr wrap="square" rtlCol="0">
+            <a:spAutoFit/>
+          </a:bodyPr>
+          <a:lstStyle/>
+          <a:p>
+            <a:r>
+              <a:rPr lang="zh-TW" altLang="en-US" sz="2800" dirty="0" smtClean="0">
+                <a:solidFill>
+                  <a:srgbClr val="0070C0"/>
+                </a:solidFill>
+                <a:latin typeface="標楷體" pitchFamily="65" charset="-120"/>
+                <a:ea typeface="標楷體" pitchFamily="65" charset="-120"/>
+              </a:rPr>
+              <a:t>作法</a:t>
+            </a:r>
+            <a:r>
+              <a:rPr lang="en-US" altLang="zh-TW" sz="2800" dirty="0" smtClean="0">
+                <a:solidFill>
+                  <a:srgbClr val="0070C0"/>
+                </a:solidFill>
+                <a:latin typeface="標楷體" pitchFamily="65" charset="-120"/>
+                <a:ea typeface="標楷體" pitchFamily="65" charset="-120"/>
+              </a:rPr>
+              <a:t>:</a:t>
+            </a:r>
+            <a:r>
+              <a:rPr lang="zh-TW" altLang="en-US" sz="2800" dirty="0" smtClean="0">
+                <a:solidFill>
+                  <a:srgbClr val="0070C0"/>
+                </a:solidFill>
+                <a:latin typeface="標楷體" pitchFamily="65" charset="-120"/>
+                <a:ea typeface="標楷體" pitchFamily="65" charset="-120"/>
+              </a:rPr>
+              <a:t>將日期設為索引並排序</a:t>
+            </a:r>
+            <a:r>
+              <a:rPr lang="en-US" altLang="zh-TW" sz="2800" dirty="0" smtClean="0">
+                <a:solidFill>
+                  <a:srgbClr val="0070C0"/>
+                </a:solidFill>
+                <a:latin typeface="標楷體" pitchFamily="65" charset="-120"/>
+                <a:ea typeface="標楷體" pitchFamily="65" charset="-120"/>
+              </a:rPr>
+              <a:t>,</a:t>
+            </a:r>
+            <a:r>
+              <a:rPr lang="zh-TW" altLang="en-US" sz="2800" dirty="0" smtClean="0">
+                <a:solidFill>
+                  <a:srgbClr val="0070C0"/>
+                </a:solidFill>
+                <a:latin typeface="標楷體" pitchFamily="65" charset="-120"/>
+                <a:ea typeface="標楷體" pitchFamily="65" charset="-120"/>
+              </a:rPr>
+              <a:t>再取四季的時間區塊。</a:t>
+            </a:r>
+            <a:endParaRPr lang="zh-TW" altLang="en-US" sz="2800" dirty="0">
+              <a:solidFill>
+                <a:srgbClr val="0070C0"/>
+              </a:solidFill>
+              <a:latin typeface="標楷體" pitchFamily="65" charset="-120"/>
+              <a:ea typeface="標楷體" pitchFamily="65" charset="-120"/>
+            </a:endParaRPr>
+          </a:p>
+        </p:txBody>
+      </p:sp>
+      <p:sp>
+        <p:nvSpPr>
+          <p:cNvPr id="13" name="流程圖: 接點 12"/>
+          <p:cNvSpPr/>
+          <p:nvPr/>
+        </p:nvSpPr>
+        <p:spPr>
+          <a:xfrm>
+            <a:off x="134280" y="4180934"/>
+            <a:ext cx="265932" cy="255775"/>
+          </a:xfrm>
+          <a:prstGeom prst="flowChartConnector">
+            <a:avLst/>
+          </a:prstGeom>
+          <a:ln>
+            <a:solidFill>
+              <a:schemeClr val="tx2"/>
+            </a:solidFill>
+          </a:ln>
+          <a:effectLst>
+            <a:innerShdw blurRad="63500" dist="50800" dir="18900000">
+              <a:prstClr val="black">
+                <a:alpha val="50000"/>
+              </a:prstClr>
+            </a:innerShdw>
+          </a:effectLst>
+        </p:spPr>
+        <p:style>
+          <a:lnRef idx="2">
+            <a:schemeClr val="accent1">
+              <a:shade val="50000"/>
+            </a:schemeClr>
+          </a:lnRef>
+          <a:fillRef idx="1">
+            <a:schemeClr val="accent1"/>
+          </a:fillRef>
+          <a:effectRef idx="0">
+            <a:schemeClr val="accent1"/>
+          </a:effectRef>
+          <a:fontRef idx="minor">
+            <a:schemeClr val="lt1"/>
+          </a:fontRef>
+        </p:style>
+        <p:txBody>
+          <a:bodyPr rtlCol="0" anchor="ctr"/>
+          <a:lstStyle/>
+          <a:p>
+            <a:pPr algn="ctr"/>
+            <a:endParaRPr lang="zh-TW" altLang="en-US"/>
+          </a:p>
+        </p:txBody>
+      </p:sp>
+      <p:sp>
+        <p:nvSpPr>
+          <p:cNvPr id="14" name="流程圖: 接點 13"/>
+          <p:cNvSpPr/>
+          <p:nvPr/>
+        </p:nvSpPr>
+        <p:spPr>
+          <a:xfrm>
+            <a:off x="134280" y="5286456"/>
+            <a:ext cx="265932" cy="255775"/>
+          </a:xfrm>
+          <a:prstGeom prst="flowChartConnector">
+            <a:avLst/>
+          </a:prstGeom>
+          <a:ln>
+            <a:solidFill>
+              <a:schemeClr val="tx2"/>
+            </a:solidFill>
+          </a:ln>
+          <a:effectLst>
+            <a:innerShdw blurRad="63500" dist="50800" dir="18900000">
+              <a:prstClr val="black">
+                <a:alpha val="50000"/>
+              </a:prstClr>
+            </a:innerShdw>
+          </a:effectLst>
+        </p:spPr>
+        <p:style>
+          <a:lnRef idx="2">
+            <a:schemeClr val="accent1">
+              <a:shade val="50000"/>
+            </a:schemeClr>
+          </a:lnRef>
+          <a:fillRef idx="1">
+            <a:schemeClr val="accent1"/>
+          </a:fillRef>
+          <a:effectRef idx="0">
+            <a:schemeClr val="accent1"/>
+          </a:effectRef>
+          <a:fontRef idx="minor">
+            <a:schemeClr val="lt1"/>
+          </a:fontRef>
+        </p:style>
+        <p:txBody>
+          <a:bodyPr rtlCol="0" anchor="ctr"/>
+          <a:lstStyle/>
+          <a:p>
+            <a:pPr algn="ctr"/>
+            <a:endParaRPr lang="zh-TW" altLang="en-US"/>
+          </a:p>
+        </p:txBody>
+      </p:sp>
+    </p:spTree>
+    <p:extLst>
+      <p:ext uri="{BB962C8B-B14F-4D97-AF65-F5344CB8AC3E}">
+        <p14:creationId xmlns:p14="http://schemas.microsoft.com/office/powerpoint/2010/main" val="4176976800"/>
+      </p:ext>
+    </p:extLst>
+  </p:cSld>
+  <p:clrMapOvr>
+    <a:masterClrMapping/>
+  </p:clrMapOvr>
+  <p:timing>
+    <p:tnLst>
+      <p:par>
+        <p:cTn id="1" dur="indefinite" restart="never" nodeType="tmRoot"/>
+      </p:par>
+    </p:tnLst>
+  </p:timing>
+</p:sld>
+</file>
+
+<file path=ppt/slides/slide7.xml><?xml version="1.0" encoding="utf-8"?>
+<p:sld xmlns:a="http://schemas.openxmlformats.org/drawingml/2006/main" xmlns:r="http://schemas.openxmlformats.org/officeDocument/2006/relationships" xmlns:p="http://schemas.openxmlformats.org/presentationml/2006/main">
+  <p:cSld>
+    <p:spTree>
+      <p:nvGrpSpPr>
+        <p:cNvPr id="1" name=""/>
+        <p:cNvGrpSpPr/>
+        <p:nvPr/>
+      </p:nvGrpSpPr>
+      <p:grpSpPr>
+        <a:xfrm>
+          <a:off x="0" y="0"/>
+          <a:ext cx="0" cy="0"/>
+          <a:chOff x="0" y="0"/>
+          <a:chExt cx="0" cy="0"/>
+        </a:xfrm>
+      </p:grpSpPr>
+      <p:sp>
+        <p:nvSpPr>
+          <p:cNvPr id="5" name="椭圆 4"/>
+          <p:cNvSpPr/>
+          <p:nvPr/>
+        </p:nvSpPr>
+        <p:spPr>
+          <a:xfrm>
+            <a:off x="2129331" y="2012159"/>
+            <a:ext cx="745960" cy="679885"/>
+          </a:xfrm>
+          <a:prstGeom prst="ellipse">
+            <a:avLst/>
+          </a:prstGeom>
+          <a:solidFill>
+            <a:srgbClr val="6C92C0">
+              <a:alpha val="70000"/>
+            </a:srgbClr>
+          </a:solidFill>
+          <a:ln>
+            <a:noFill/>
+          </a:ln>
+        </p:spPr>
+        <p:style>
+          <a:lnRef idx="2">
+            <a:schemeClr val="accent1">
+              <a:shade val="50000"/>
+            </a:schemeClr>
+          </a:lnRef>
+          <a:fillRef idx="1">
+            <a:schemeClr val="accent1"/>
+          </a:fillRef>
+          <a:effectRef idx="0">
+            <a:schemeClr val="accent1"/>
+          </a:effectRef>
+          <a:fontRef idx="minor">
+            <a:schemeClr val="lt1"/>
+          </a:fontRef>
+        </p:style>
+        <p:txBody>
+          <a:bodyPr rtlCol="0" anchor="ctr"/>
+          <a:lstStyle/>
+          <a:p>
+            <a:pPr algn="ctr"/>
+            <a:endParaRPr lang="zh-CN" altLang="en-US">
+              <a:cs typeface="+mn-ea"/>
+              <a:sym typeface="+mn-lt"/>
+            </a:endParaRPr>
+          </a:p>
+        </p:txBody>
+      </p:sp>
+      <p:sp>
+        <p:nvSpPr>
+          <p:cNvPr id="6" name="椭圆 3"/>
+          <p:cNvSpPr/>
+          <p:nvPr/>
+        </p:nvSpPr>
+        <p:spPr>
+          <a:xfrm>
+            <a:off x="134280" y="149945"/>
+            <a:ext cx="2890646" cy="2612438"/>
+          </a:xfrm>
+          <a:prstGeom prst="ellipse">
+            <a:avLst/>
+          </a:prstGeom>
+          <a:solidFill>
+            <a:srgbClr val="48A2A0">
+              <a:alpha val="70000"/>
+            </a:srgbClr>
+          </a:solidFill>
+          <a:ln>
+            <a:noFill/>
+          </a:ln>
+        </p:spPr>
+        <p:style>
+          <a:lnRef idx="2">
+            <a:schemeClr val="accent1">
+              <a:shade val="50000"/>
+            </a:schemeClr>
+          </a:lnRef>
+          <a:fillRef idx="1">
+            <a:schemeClr val="accent1"/>
+          </a:fillRef>
+          <a:effectRef idx="0">
+            <a:schemeClr val="accent1"/>
+          </a:effectRef>
+          <a:fontRef idx="minor">
+            <a:schemeClr val="lt1"/>
+          </a:fontRef>
+        </p:style>
+        <p:txBody>
+          <a:bodyPr rtlCol="0" anchor="ctr"/>
+          <a:lstStyle/>
+          <a:p>
+            <a:pPr algn="ctr"/>
+            <a:r>
+              <a:rPr lang="zh-TW" altLang="en-US" sz="3600" dirty="0">
+                <a:latin typeface="標楷體" pitchFamily="65" charset="-120"/>
+                <a:ea typeface="標楷體" pitchFamily="65" charset="-120"/>
+                <a:cs typeface="+mn-ea"/>
+                <a:sym typeface="+mn-lt"/>
+              </a:rPr>
+              <a:t>資料處理</a:t>
+            </a:r>
+            <a:endParaRPr lang="zh-CN" altLang="en-US" sz="3600" dirty="0">
+              <a:latin typeface="標楷體" pitchFamily="65" charset="-120"/>
+              <a:ea typeface="標楷體" pitchFamily="65" charset="-120"/>
+              <a:cs typeface="+mn-ea"/>
+              <a:sym typeface="+mn-lt"/>
+            </a:endParaRPr>
+          </a:p>
+        </p:txBody>
+      </p:sp>
+      <p:pic>
+        <p:nvPicPr>
+          <p:cNvPr id="7" name="圖片 6"/>
+          <p:cNvPicPr>
+            <a:picLocks noChangeAspect="1"/>
+          </p:cNvPicPr>
+          <p:nvPr/>
+        </p:nvPicPr>
+        <p:blipFill>
+          <a:blip r:embed="rId2">
+            <a:extLst>
+              <a:ext uri="{28A0092B-C50C-407E-A947-70E740481C1C}">
+                <a14:useLocalDpi xmlns:a14="http://schemas.microsoft.com/office/drawing/2010/main" val="0"/>
+              </a:ext>
+            </a:extLst>
+          </a:blip>
+          <a:stretch>
+            <a:fillRect/>
+          </a:stretch>
+        </p:blipFill>
+        <p:spPr>
+          <a:xfrm>
+            <a:off x="4085144" y="99646"/>
+            <a:ext cx="7822838" cy="3258273"/>
+          </a:xfrm>
+          <a:prstGeom prst="rect">
+            <a:avLst/>
+          </a:prstGeom>
+          <a:ln w="12700">
+            <a:solidFill>
+              <a:schemeClr val="tx1"/>
+            </a:solidFill>
+          </a:ln>
+        </p:spPr>
+      </p:pic>
+      <p:pic>
+        <p:nvPicPr>
+          <p:cNvPr id="8" name="圖片 7"/>
+          <p:cNvPicPr>
+            <a:picLocks noChangeAspect="1"/>
+          </p:cNvPicPr>
+          <p:nvPr/>
+        </p:nvPicPr>
+        <p:blipFill>
+          <a:blip r:embed="rId3">
+            <a:extLst>
+              <a:ext uri="{28A0092B-C50C-407E-A947-70E740481C1C}">
+                <a14:useLocalDpi xmlns:a14="http://schemas.microsoft.com/office/drawing/2010/main" val="0"/>
+              </a:ext>
+            </a:extLst>
+          </a:blip>
+          <a:stretch>
+            <a:fillRect/>
+          </a:stretch>
+        </p:blipFill>
+        <p:spPr>
+          <a:xfrm>
+            <a:off x="5728854" y="3384886"/>
+            <a:ext cx="6109855" cy="3373374"/>
+          </a:xfrm>
+          <a:prstGeom prst="rect">
+            <a:avLst/>
+          </a:prstGeom>
+          <a:ln w="12700">
+            <a:solidFill>
+              <a:schemeClr val="tx1"/>
+            </a:solidFill>
+          </a:ln>
+        </p:spPr>
+      </p:pic>
+      <p:sp>
+        <p:nvSpPr>
+          <p:cNvPr id="4" name="文字方塊 3"/>
+          <p:cNvSpPr txBox="1"/>
+          <p:nvPr/>
+        </p:nvSpPr>
+        <p:spPr>
+          <a:xfrm>
+            <a:off x="1323110" y="4200594"/>
+            <a:ext cx="3732742" cy="954107"/>
+          </a:xfrm>
+          <a:prstGeom prst="rect">
+            <a:avLst/>
+          </a:prstGeom>
+          <a:noFill/>
+        </p:spPr>
+        <p:txBody>
+          <a:bodyPr wrap="square" rtlCol="0">
+            <a:spAutoFit/>
+          </a:bodyPr>
+          <a:lstStyle/>
+          <a:p>
+            <a:r>
+              <a:rPr lang="zh-TW" altLang="en-US" sz="2800" dirty="0" smtClean="0">
+                <a:solidFill>
+                  <a:srgbClr val="0070C0"/>
+                </a:solidFill>
+                <a:latin typeface="標楷體" pitchFamily="65" charset="-120"/>
+                <a:ea typeface="標楷體" pitchFamily="65" charset="-120"/>
+              </a:rPr>
+              <a:t>使用</a:t>
+            </a:r>
+            <a:r>
+              <a:rPr lang="en-US" altLang="zh-TW" sz="2800" dirty="0" smtClean="0">
+                <a:solidFill>
+                  <a:srgbClr val="0070C0"/>
+                </a:solidFill>
+                <a:latin typeface="標楷體" pitchFamily="65" charset="-120"/>
+                <a:ea typeface="標楷體" pitchFamily="65" charset="-120"/>
+              </a:rPr>
+              <a:t>matplotlib</a:t>
+            </a:r>
+            <a:r>
+              <a:rPr lang="zh-TW" altLang="en-US" sz="2800" dirty="0" smtClean="0">
+                <a:solidFill>
+                  <a:srgbClr val="0070C0"/>
+                </a:solidFill>
+                <a:latin typeface="標楷體" pitchFamily="65" charset="-120"/>
+                <a:ea typeface="標楷體" pitchFamily="65" charset="-120"/>
+              </a:rPr>
+              <a:t>套件，畫出圖表</a:t>
+            </a:r>
+            <a:endParaRPr lang="zh-TW" altLang="en-US" sz="2800" dirty="0">
+              <a:solidFill>
+                <a:srgbClr val="0070C0"/>
+              </a:solidFill>
+              <a:latin typeface="標楷體" pitchFamily="65" charset="-120"/>
+              <a:ea typeface="標楷體" pitchFamily="65" charset="-120"/>
+            </a:endParaRPr>
+          </a:p>
+        </p:txBody>
+      </p:sp>
+      <p:sp>
+        <p:nvSpPr>
+          <p:cNvPr id="9" name="流程圖: 接點 8"/>
+          <p:cNvSpPr/>
+          <p:nvPr/>
+        </p:nvSpPr>
+        <p:spPr>
+          <a:xfrm>
+            <a:off x="795601" y="4406557"/>
+            <a:ext cx="265932" cy="255775"/>
+          </a:xfrm>
+          <a:prstGeom prst="flowChartConnector">
+            <a:avLst/>
+          </a:prstGeom>
+          <a:ln>
+            <a:solidFill>
+              <a:schemeClr val="tx2"/>
+            </a:solidFill>
+          </a:ln>
+          <a:effectLst>
+            <a:innerShdw blurRad="63500" dist="50800" dir="18900000">
+              <a:prstClr val="black">
+                <a:alpha val="50000"/>
+              </a:prstClr>
+            </a:innerShdw>
+          </a:effectLst>
+        </p:spPr>
+        <p:style>
+          <a:lnRef idx="2">
+            <a:schemeClr val="accent1">
+              <a:shade val="50000"/>
+            </a:schemeClr>
+          </a:lnRef>
+          <a:fillRef idx="1">
+            <a:schemeClr val="accent1"/>
+          </a:fillRef>
+          <a:effectRef idx="0">
+            <a:schemeClr val="accent1"/>
+          </a:effectRef>
+          <a:fontRef idx="minor">
+            <a:schemeClr val="lt1"/>
+          </a:fontRef>
+        </p:style>
+        <p:txBody>
+          <a:bodyPr rtlCol="0" anchor="ctr"/>
+          <a:lstStyle/>
+          <a:p>
+            <a:pPr algn="ctr"/>
+            <a:endParaRPr lang="zh-TW" altLang="en-US"/>
+          </a:p>
+        </p:txBody>
+      </p:sp>
+      <p:pic>
+        <p:nvPicPr>
+          <p:cNvPr id="11" name="圖片 10"/>
+          <p:cNvPicPr>
+            <a:picLocks noChangeAspect="1"/>
+          </p:cNvPicPr>
+          <p:nvPr/>
+        </p:nvPicPr>
+        <p:blipFill>
+          <a:blip r:embed="rId4">
+            <a:extLst>
+              <a:ext uri="{28A0092B-C50C-407E-A947-70E740481C1C}">
+                <a14:useLocalDpi xmlns:a14="http://schemas.microsoft.com/office/drawing/2010/main" val="0"/>
+              </a:ext>
+            </a:extLst>
+          </a:blip>
+          <a:stretch>
+            <a:fillRect/>
+          </a:stretch>
+        </p:blipFill>
+        <p:spPr>
+          <a:xfrm>
+            <a:off x="3267380" y="5924488"/>
+            <a:ext cx="2233534" cy="833772"/>
+          </a:xfrm>
+          <a:prstGeom prst="rect">
+            <a:avLst/>
+          </a:prstGeom>
+        </p:spPr>
+      </p:pic>
+    </p:spTree>
+    <p:extLst>
+      <p:ext uri="{BB962C8B-B14F-4D97-AF65-F5344CB8AC3E}">
+        <p14:creationId xmlns:p14="http://schemas.microsoft.com/office/powerpoint/2010/main" val="3010175264"/>
+      </p:ext>
+    </p:extLst>
+  </p:cSld>
+  <p:clrMapOvr>
+    <a:masterClrMapping/>
+  </p:clrMapOvr>
+  <p:timing>
+    <p:tnLst>
+      <p:par>
+        <p:cTn id="1" dur="indefinite" restart="never" nodeType="tmRoot"/>
+      </p:par>
+    </p:tnLst>
+  </p:timing>
+</p:sld>
+</file>
+
+<file path=ppt/slides/slide8.xml><?xml version="1.0" encoding="utf-8"?>
 <p:sld xmlns:a="http://schemas.openxmlformats.org/drawingml/2006/main" xmlns:r="http://schemas.openxmlformats.org/officeDocument/2006/relationships" xmlns:p="http://schemas.openxmlformats.org/presentationml/2006/main">
   <p:cSld>
     <p:spTree>
@@ -4589,7 +10207,7 @@
         </p:nvSpPr>
         <p:spPr>
           <a:xfrm>
-            <a:off x="5762746" y="3766431"/>
+            <a:off x="5785135" y="3815467"/>
             <a:ext cx="877164" cy="369332"/>
           </a:xfrm>
           <a:prstGeom prst="rect">
@@ -4750,7 +10368,7 @@
           <a:p>
             <a:pPr algn="ctr"/>
             <a:r>
-              <a:rPr lang="en-US" altLang="zh-CN" sz="4400" dirty="0">
+              <a:rPr lang="zh-TW" altLang="en-US" sz="4400" dirty="0" smtClean="0">
                 <a:solidFill>
                   <a:schemeClr val="tx1">
                     <a:lumMod val="65000"/>
@@ -4761,7 +10379,7 @@
                 <a:cs typeface="+mn-ea"/>
                 <a:sym typeface="+mn-lt"/>
               </a:rPr>
-              <a:t>CONTENT</a:t>
+              <a:t>資料視覺化</a:t>
             </a:r>
             <a:endParaRPr lang="zh-CN" altLang="en-US" sz="4400" dirty="0">
               <a:solidFill>
@@ -4930,8 +10548,8 @@
         </p:nvGrpSpPr>
         <p:grpSpPr>
           <a:xfrm>
-            <a:off x="4067175" y="1666571"/>
-            <a:ext cx="4057650" cy="0"/>
+            <a:off x="2757688" y="1683383"/>
+            <a:ext cx="6573115" cy="130257"/>
             <a:chOff x="4129088" y="2457450"/>
             <a:chExt cx="4057650" cy="0"/>
           </a:xfrm>
@@ -5615,8 +11233,8 @@
         </p:nvSpPr>
         <p:spPr>
           <a:xfrm>
-            <a:off x="5241003" y="4132639"/>
-            <a:ext cx="2016104" cy="461665"/>
+            <a:off x="5249052" y="4184799"/>
+            <a:ext cx="2016104" cy="276999"/>
           </a:xfrm>
           <a:prstGeom prst="rect">
             <a:avLst/>
@@ -5635,21 +11253,14 @@
                 <a:cs typeface="+mn-ea"/>
                 <a:sym typeface="+mn-lt"/>
               </a:rPr>
-              <a:t>夏季銷售比較</a:t>
+              <a:t>夏季銷售</a:t>
             </a:r>
-            <a:endParaRPr lang="en-US" altLang="zh-TW" sz="1200" dirty="0" smtClean="0">
-              <a:cs typeface="+mn-ea"/>
-              <a:sym typeface="+mn-lt"/>
-            </a:endParaRPr>
-          </a:p>
-          <a:p>
-            <a:pPr algn="ctr"/>
             <a:r>
               <a:rPr lang="zh-TW" altLang="en-US" sz="1200" dirty="0" smtClean="0">
                 <a:cs typeface="+mn-ea"/>
                 <a:sym typeface="+mn-lt"/>
               </a:rPr>
-              <a:t>各鞋款庫存</a:t>
+              <a:t>比較</a:t>
             </a:r>
             <a:endParaRPr lang="en-US" altLang="zh-TW" sz="1200" dirty="0" smtClean="0">
               <a:cs typeface="+mn-ea"/>
@@ -5703,7 +11314,7 @@
         </p:nvSpPr>
         <p:spPr>
           <a:xfrm>
-            <a:off x="8672024" y="4153668"/>
+            <a:off x="8702460" y="4162446"/>
             <a:ext cx="2016104" cy="276999"/>
           </a:xfrm>
           <a:prstGeom prst="rect">
@@ -5859,7 +11470,7 @@
         <p:spPr>
           <a:xfrm>
             <a:off x="8757490" y="6190610"/>
-            <a:ext cx="2016104" cy="461665"/>
+            <a:ext cx="2016104" cy="646331"/>
           </a:xfrm>
           <a:prstGeom prst="rect">
             <a:avLst/>
@@ -5892,7 +11503,28 @@
                 <a:cs typeface="+mn-ea"/>
                 <a:sym typeface="+mn-lt"/>
               </a:rPr>
-              <a:t>各款式平均售價</a:t>
+              <a:t>各款式平均</a:t>
+            </a:r>
+            <a:r>
+              <a:rPr lang="zh-TW" altLang="en-US" sz="1200" dirty="0" smtClean="0">
+                <a:cs typeface="+mn-ea"/>
+                <a:sym typeface="+mn-lt"/>
+              </a:rPr>
+              <a:t>售價</a:t>
+            </a:r>
+            <a:endParaRPr lang="en-US" altLang="zh-TW" sz="1200" dirty="0" smtClean="0">
+              <a:cs typeface="+mn-ea"/>
+              <a:sym typeface="+mn-lt"/>
+            </a:endParaRPr>
+          </a:p>
+          <a:p>
+            <a:pPr algn="ctr"/>
+            <a:r>
+              <a:rPr lang="zh-TW" altLang="en-US" sz="1200" dirty="0">
+                <a:cs typeface="+mn-ea"/>
+                <a:sym typeface="+mn-lt"/>
+              </a:rPr>
+              <a:t>庫存表</a:t>
             </a:r>
             <a:endParaRPr lang="zh-CN" altLang="en-US" sz="1200" dirty="0">
               <a:cs typeface="+mn-ea"/>
@@ -6586,14 +12218,14 @@
                 <a:cs typeface="+mn-ea"/>
                 <a:sym typeface="+mn-lt"/>
               </a:rPr>
-              <a:t>所有鞋款款式比例</a:t>
+              <a:t>所有鞋款款式</a:t>
             </a:r>
             <a:r>
-              <a:rPr lang="en-US" altLang="zh-CN" sz="1200" dirty="0" smtClean="0">
+              <a:rPr lang="zh-TW" altLang="en-US" sz="1200" dirty="0" smtClean="0">
                 <a:cs typeface="+mn-ea"/>
                 <a:sym typeface="+mn-lt"/>
               </a:rPr>
-              <a:t>.</a:t>
+              <a:t>比例</a:t>
             </a:r>
             <a:endParaRPr lang="zh-CN" altLang="en-US" sz="1200" dirty="0">
               <a:cs typeface="+mn-ea"/>
@@ -6642,1212 +12274,7 @@
     </p:spTree>
     <p:extLst>
       <p:ext uri="{BB962C8B-B14F-4D97-AF65-F5344CB8AC3E}">
-        <p14:creationId xmlns:p14="http://schemas.microsoft.com/office/powerpoint/2010/main" val="3126879123"/>
-      </p:ext>
-    </p:extLst>
-  </p:cSld>
-  <p:clrMapOvr>
-    <a:masterClrMapping/>
-  </p:clrMapOvr>
-  <p:timing>
-    <p:tnLst>
-      <p:par>
-        <p:cTn id="1" dur="indefinite" restart="never" nodeType="tmRoot"/>
-      </p:par>
-    </p:tnLst>
-  </p:timing>
-</p:sld>
-</file>
-
-<file path=ppt/slides/slide3.xml><?xml version="1.0" encoding="utf-8"?>
-<p:sld xmlns:a="http://schemas.openxmlformats.org/drawingml/2006/main" xmlns:r="http://schemas.openxmlformats.org/officeDocument/2006/relationships" xmlns:p="http://schemas.openxmlformats.org/presentationml/2006/main">
-  <p:cSld>
-    <p:bg>
-      <p:bgPr>
-        <a:gradFill>
-          <a:gsLst>
-            <a:gs pos="0">
-              <a:schemeClr val="bg1">
-                <a:tint val="93000"/>
-                <a:satMod val="150000"/>
-                <a:shade val="98000"/>
-                <a:lumMod val="102000"/>
-              </a:schemeClr>
-            </a:gs>
-            <a:gs pos="50000">
-              <a:schemeClr val="bg1">
-                <a:tint val="98000"/>
-                <a:satMod val="130000"/>
-                <a:shade val="90000"/>
-                <a:lumMod val="103000"/>
-              </a:schemeClr>
-            </a:gs>
-            <a:gs pos="100000">
-              <a:schemeClr val="bg1">
-                <a:shade val="63000"/>
-                <a:satMod val="120000"/>
-              </a:schemeClr>
-            </a:gs>
-          </a:gsLst>
-          <a:lin ang="5400000" scaled="0"/>
-        </a:gradFill>
-        <a:effectLst/>
-      </p:bgPr>
-    </p:bg>
-    <p:spTree>
-      <p:nvGrpSpPr>
-        <p:cNvPr id="1" name=""/>
-        <p:cNvGrpSpPr/>
-        <p:nvPr/>
-      </p:nvGrpSpPr>
-      <p:grpSpPr>
-        <a:xfrm>
-          <a:off x="0" y="0"/>
-          <a:ext cx="0" cy="0"/>
-          <a:chOff x="0" y="0"/>
-          <a:chExt cx="0" cy="0"/>
-        </a:xfrm>
-      </p:grpSpPr>
-      <p:sp>
-        <p:nvSpPr>
-          <p:cNvPr id="5" name="椭圆 3"/>
-          <p:cNvSpPr/>
-          <p:nvPr/>
-        </p:nvSpPr>
-        <p:spPr>
-          <a:xfrm>
-            <a:off x="-1226820" y="-1206731"/>
-            <a:ext cx="2453640" cy="2453640"/>
-          </a:xfrm>
-          <a:prstGeom prst="ellipse">
-            <a:avLst/>
-          </a:prstGeom>
-          <a:solidFill>
-            <a:srgbClr val="48A2A0">
-              <a:alpha val="70000"/>
-            </a:srgbClr>
-          </a:solidFill>
-          <a:ln>
-            <a:noFill/>
-          </a:ln>
-        </p:spPr>
-        <p:style>
-          <a:lnRef idx="2">
-            <a:schemeClr val="accent1">
-              <a:shade val="50000"/>
-            </a:schemeClr>
-          </a:lnRef>
-          <a:fillRef idx="1">
-            <a:schemeClr val="accent1"/>
-          </a:fillRef>
-          <a:effectRef idx="0">
-            <a:schemeClr val="accent1"/>
-          </a:effectRef>
-          <a:fontRef idx="minor">
-            <a:schemeClr val="lt1"/>
-          </a:fontRef>
-        </p:style>
-        <p:txBody>
-          <a:bodyPr rtlCol="0" anchor="ctr"/>
-          <a:lstStyle/>
-          <a:p>
-            <a:pPr algn="ctr"/>
-            <a:endParaRPr lang="zh-CN" altLang="en-US">
-              <a:cs typeface="+mn-ea"/>
-              <a:sym typeface="+mn-lt"/>
-            </a:endParaRPr>
-          </a:p>
-        </p:txBody>
-      </p:sp>
-      <p:sp>
-        <p:nvSpPr>
-          <p:cNvPr id="6" name="椭圆 4"/>
-          <p:cNvSpPr/>
-          <p:nvPr/>
-        </p:nvSpPr>
-        <p:spPr>
-          <a:xfrm>
-            <a:off x="550292" y="608411"/>
-            <a:ext cx="611305" cy="556631"/>
-          </a:xfrm>
-          <a:prstGeom prst="ellipse">
-            <a:avLst/>
-          </a:prstGeom>
-          <a:solidFill>
-            <a:srgbClr val="6C92C0">
-              <a:alpha val="70000"/>
-            </a:srgbClr>
-          </a:solidFill>
-          <a:ln>
-            <a:noFill/>
-          </a:ln>
-        </p:spPr>
-        <p:style>
-          <a:lnRef idx="2">
-            <a:schemeClr val="accent1">
-              <a:shade val="50000"/>
-            </a:schemeClr>
-          </a:lnRef>
-          <a:fillRef idx="1">
-            <a:schemeClr val="accent1"/>
-          </a:fillRef>
-          <a:effectRef idx="0">
-            <a:schemeClr val="accent1"/>
-          </a:effectRef>
-          <a:fontRef idx="minor">
-            <a:schemeClr val="lt1"/>
-          </a:fontRef>
-        </p:style>
-        <p:txBody>
-          <a:bodyPr rtlCol="0" anchor="ctr"/>
-          <a:lstStyle/>
-          <a:p>
-            <a:pPr algn="ctr"/>
-            <a:endParaRPr lang="zh-CN" altLang="en-US">
-              <a:cs typeface="+mn-ea"/>
-              <a:sym typeface="+mn-lt"/>
-            </a:endParaRPr>
-          </a:p>
-        </p:txBody>
-      </p:sp>
-      <p:pic>
-        <p:nvPicPr>
-          <p:cNvPr id="8" name="圖片 7"/>
-          <p:cNvPicPr>
-            <a:picLocks noChangeAspect="1"/>
-          </p:cNvPicPr>
-          <p:nvPr/>
-        </p:nvPicPr>
-        <p:blipFill rotWithShape="1">
-          <a:blip r:embed="rId2">
-            <a:extLst>
-              <a:ext uri="{28A0092B-C50C-407E-A947-70E740481C1C}">
-                <a14:useLocalDpi xmlns:a14="http://schemas.microsoft.com/office/drawing/2010/main" val="0"/>
-              </a:ext>
-            </a:extLst>
-          </a:blip>
-          <a:srcRect l="16985" t="4344" r="19379" b="9337"/>
-          <a:stretch/>
-        </p:blipFill>
-        <p:spPr>
-          <a:xfrm>
-            <a:off x="1879955" y="239661"/>
-            <a:ext cx="8395855" cy="6500286"/>
-          </a:xfrm>
-          <a:prstGeom prst="rect">
-            <a:avLst/>
-          </a:prstGeom>
-        </p:spPr>
-      </p:pic>
-    </p:spTree>
-    <p:extLst>
-      <p:ext uri="{BB962C8B-B14F-4D97-AF65-F5344CB8AC3E}">
-        <p14:creationId xmlns:p14="http://schemas.microsoft.com/office/powerpoint/2010/main" val="70182966"/>
-      </p:ext>
-    </p:extLst>
-  </p:cSld>
-  <p:clrMapOvr>
-    <a:masterClrMapping/>
-  </p:clrMapOvr>
-  <p:timing>
-    <p:tnLst>
-      <p:par>
-        <p:cTn id="1" dur="indefinite" restart="never" nodeType="tmRoot"/>
-      </p:par>
-    </p:tnLst>
-  </p:timing>
-</p:sld>
-</file>
-
-<file path=ppt/slides/slide4.xml><?xml version="1.0" encoding="utf-8"?>
-<p:sld xmlns:a="http://schemas.openxmlformats.org/drawingml/2006/main" xmlns:r="http://schemas.openxmlformats.org/officeDocument/2006/relationships" xmlns:p="http://schemas.openxmlformats.org/presentationml/2006/main">
-  <p:cSld>
-    <p:bg>
-      <p:bgPr>
-        <a:gradFill>
-          <a:gsLst>
-            <a:gs pos="0">
-              <a:schemeClr val="bg1">
-                <a:tint val="93000"/>
-                <a:satMod val="150000"/>
-                <a:shade val="98000"/>
-                <a:lumMod val="102000"/>
-              </a:schemeClr>
-            </a:gs>
-            <a:gs pos="50000">
-              <a:schemeClr val="bg1">
-                <a:tint val="98000"/>
-                <a:satMod val="130000"/>
-                <a:shade val="90000"/>
-                <a:lumMod val="103000"/>
-              </a:schemeClr>
-            </a:gs>
-            <a:gs pos="100000">
-              <a:schemeClr val="bg1">
-                <a:shade val="63000"/>
-                <a:satMod val="120000"/>
-              </a:schemeClr>
-            </a:gs>
-          </a:gsLst>
-          <a:lin ang="5400000" scaled="0"/>
-        </a:gradFill>
-        <a:effectLst/>
-      </p:bgPr>
-    </p:bg>
-    <p:spTree>
-      <p:nvGrpSpPr>
-        <p:cNvPr id="1" name=""/>
-        <p:cNvGrpSpPr/>
-        <p:nvPr/>
-      </p:nvGrpSpPr>
-      <p:grpSpPr>
-        <a:xfrm>
-          <a:off x="0" y="0"/>
-          <a:ext cx="0" cy="0"/>
-          <a:chOff x="0" y="0"/>
-          <a:chExt cx="0" cy="0"/>
-        </a:xfrm>
-      </p:grpSpPr>
-      <p:sp>
-        <p:nvSpPr>
-          <p:cNvPr id="5" name="椭圆 3"/>
-          <p:cNvSpPr/>
-          <p:nvPr/>
-        </p:nvSpPr>
-        <p:spPr>
-          <a:xfrm>
-            <a:off x="-1226820" y="-1206731"/>
-            <a:ext cx="2453640" cy="2453640"/>
-          </a:xfrm>
-          <a:prstGeom prst="ellipse">
-            <a:avLst/>
-          </a:prstGeom>
-          <a:solidFill>
-            <a:srgbClr val="48A2A0">
-              <a:alpha val="70000"/>
-            </a:srgbClr>
-          </a:solidFill>
-          <a:ln>
-            <a:noFill/>
-          </a:ln>
-        </p:spPr>
-        <p:style>
-          <a:lnRef idx="2">
-            <a:schemeClr val="accent1">
-              <a:shade val="50000"/>
-            </a:schemeClr>
-          </a:lnRef>
-          <a:fillRef idx="1">
-            <a:schemeClr val="accent1"/>
-          </a:fillRef>
-          <a:effectRef idx="0">
-            <a:schemeClr val="accent1"/>
-          </a:effectRef>
-          <a:fontRef idx="minor">
-            <a:schemeClr val="lt1"/>
-          </a:fontRef>
-        </p:style>
-        <p:txBody>
-          <a:bodyPr rtlCol="0" anchor="ctr"/>
-          <a:lstStyle/>
-          <a:p>
-            <a:pPr algn="ctr"/>
-            <a:endParaRPr lang="zh-CN" altLang="en-US">
-              <a:cs typeface="+mn-ea"/>
-              <a:sym typeface="+mn-lt"/>
-            </a:endParaRPr>
-          </a:p>
-        </p:txBody>
-      </p:sp>
-      <p:sp>
-        <p:nvSpPr>
-          <p:cNvPr id="6" name="椭圆 4"/>
-          <p:cNvSpPr/>
-          <p:nvPr/>
-        </p:nvSpPr>
-        <p:spPr>
-          <a:xfrm>
-            <a:off x="550292" y="608411"/>
-            <a:ext cx="611305" cy="556631"/>
-          </a:xfrm>
-          <a:prstGeom prst="ellipse">
-            <a:avLst/>
-          </a:prstGeom>
-          <a:solidFill>
-            <a:srgbClr val="6C92C0">
-              <a:alpha val="70000"/>
-            </a:srgbClr>
-          </a:solidFill>
-          <a:ln>
-            <a:noFill/>
-          </a:ln>
-        </p:spPr>
-        <p:style>
-          <a:lnRef idx="2">
-            <a:schemeClr val="accent1">
-              <a:shade val="50000"/>
-            </a:schemeClr>
-          </a:lnRef>
-          <a:fillRef idx="1">
-            <a:schemeClr val="accent1"/>
-          </a:fillRef>
-          <a:effectRef idx="0">
-            <a:schemeClr val="accent1"/>
-          </a:effectRef>
-          <a:fontRef idx="minor">
-            <a:schemeClr val="lt1"/>
-          </a:fontRef>
-        </p:style>
-        <p:txBody>
-          <a:bodyPr rtlCol="0" anchor="ctr"/>
-          <a:lstStyle/>
-          <a:p>
-            <a:pPr algn="ctr"/>
-            <a:endParaRPr lang="zh-CN" altLang="en-US">
-              <a:cs typeface="+mn-ea"/>
-              <a:sym typeface="+mn-lt"/>
-            </a:endParaRPr>
-          </a:p>
-        </p:txBody>
-      </p:sp>
-      <p:pic>
-        <p:nvPicPr>
-          <p:cNvPr id="2" name="圖片 1"/>
-          <p:cNvPicPr>
-            <a:picLocks noChangeAspect="1"/>
-          </p:cNvPicPr>
-          <p:nvPr/>
-        </p:nvPicPr>
-        <p:blipFill>
-          <a:blip r:embed="rId3">
-            <a:extLst>
-              <a:ext uri="{28A0092B-C50C-407E-A947-70E740481C1C}">
-                <a14:useLocalDpi xmlns:a14="http://schemas.microsoft.com/office/drawing/2010/main" val="0"/>
-              </a:ext>
-            </a:extLst>
-          </a:blip>
-          <a:stretch>
-            <a:fillRect/>
-          </a:stretch>
-        </p:blipFill>
-        <p:spPr>
-          <a:xfrm>
-            <a:off x="604292" y="223805"/>
-            <a:ext cx="11850880" cy="6764200"/>
-          </a:xfrm>
-          <a:prstGeom prst="rect">
-            <a:avLst/>
-          </a:prstGeom>
-        </p:spPr>
-      </p:pic>
-    </p:spTree>
-    <p:extLst>
-      <p:ext uri="{BB962C8B-B14F-4D97-AF65-F5344CB8AC3E}">
-        <p14:creationId xmlns:p14="http://schemas.microsoft.com/office/powerpoint/2010/main" val="1529435647"/>
-      </p:ext>
-    </p:extLst>
-  </p:cSld>
-  <p:clrMapOvr>
-    <a:masterClrMapping/>
-  </p:clrMapOvr>
-  <p:timing>
-    <p:tnLst>
-      <p:par>
-        <p:cTn id="1" dur="indefinite" restart="never" nodeType="tmRoot"/>
-      </p:par>
-    </p:tnLst>
-  </p:timing>
-</p:sld>
-</file>
-
-<file path=ppt/slides/slide5.xml><?xml version="1.0" encoding="utf-8"?>
-<p:sld xmlns:a="http://schemas.openxmlformats.org/drawingml/2006/main" xmlns:r="http://schemas.openxmlformats.org/officeDocument/2006/relationships" xmlns:p="http://schemas.openxmlformats.org/presentationml/2006/main">
-  <p:cSld>
-    <p:bg>
-      <p:bgPr>
-        <a:gradFill>
-          <a:gsLst>
-            <a:gs pos="0">
-              <a:schemeClr val="bg1">
-                <a:tint val="93000"/>
-                <a:satMod val="150000"/>
-                <a:shade val="98000"/>
-                <a:lumMod val="102000"/>
-              </a:schemeClr>
-            </a:gs>
-            <a:gs pos="50000">
-              <a:schemeClr val="bg1">
-                <a:tint val="98000"/>
-                <a:satMod val="130000"/>
-                <a:shade val="90000"/>
-                <a:lumMod val="103000"/>
-              </a:schemeClr>
-            </a:gs>
-            <a:gs pos="100000">
-              <a:schemeClr val="bg1">
-                <a:shade val="63000"/>
-                <a:satMod val="120000"/>
-              </a:schemeClr>
-            </a:gs>
-          </a:gsLst>
-          <a:lin ang="5400000" scaled="0"/>
-        </a:gradFill>
-        <a:effectLst/>
-      </p:bgPr>
-    </p:bg>
-    <p:spTree>
-      <p:nvGrpSpPr>
-        <p:cNvPr id="1" name=""/>
-        <p:cNvGrpSpPr/>
-        <p:nvPr/>
-      </p:nvGrpSpPr>
-      <p:grpSpPr>
-        <a:xfrm>
-          <a:off x="0" y="0"/>
-          <a:ext cx="0" cy="0"/>
-          <a:chOff x="0" y="0"/>
-          <a:chExt cx="0" cy="0"/>
-        </a:xfrm>
-      </p:grpSpPr>
-      <p:sp>
-        <p:nvSpPr>
-          <p:cNvPr id="5" name="椭圆 3"/>
-          <p:cNvSpPr/>
-          <p:nvPr/>
-        </p:nvSpPr>
-        <p:spPr>
-          <a:xfrm>
-            <a:off x="-1226820" y="-1206731"/>
-            <a:ext cx="2453640" cy="2453640"/>
-          </a:xfrm>
-          <a:prstGeom prst="ellipse">
-            <a:avLst/>
-          </a:prstGeom>
-          <a:solidFill>
-            <a:srgbClr val="48A2A0">
-              <a:alpha val="70000"/>
-            </a:srgbClr>
-          </a:solidFill>
-          <a:ln>
-            <a:noFill/>
-          </a:ln>
-        </p:spPr>
-        <p:style>
-          <a:lnRef idx="2">
-            <a:schemeClr val="accent1">
-              <a:shade val="50000"/>
-            </a:schemeClr>
-          </a:lnRef>
-          <a:fillRef idx="1">
-            <a:schemeClr val="accent1"/>
-          </a:fillRef>
-          <a:effectRef idx="0">
-            <a:schemeClr val="accent1"/>
-          </a:effectRef>
-          <a:fontRef idx="minor">
-            <a:schemeClr val="lt1"/>
-          </a:fontRef>
-        </p:style>
-        <p:txBody>
-          <a:bodyPr rtlCol="0" anchor="ctr"/>
-          <a:lstStyle/>
-          <a:p>
-            <a:pPr algn="ctr"/>
-            <a:endParaRPr lang="zh-CN" altLang="en-US">
-              <a:cs typeface="+mn-ea"/>
-              <a:sym typeface="+mn-lt"/>
-            </a:endParaRPr>
-          </a:p>
-        </p:txBody>
-      </p:sp>
-      <p:sp>
-        <p:nvSpPr>
-          <p:cNvPr id="6" name="椭圆 4"/>
-          <p:cNvSpPr/>
-          <p:nvPr/>
-        </p:nvSpPr>
-        <p:spPr>
-          <a:xfrm>
-            <a:off x="550292" y="608411"/>
-            <a:ext cx="611305" cy="556631"/>
-          </a:xfrm>
-          <a:prstGeom prst="ellipse">
-            <a:avLst/>
-          </a:prstGeom>
-          <a:solidFill>
-            <a:srgbClr val="6C92C0">
-              <a:alpha val="70000"/>
-            </a:srgbClr>
-          </a:solidFill>
-          <a:ln>
-            <a:noFill/>
-          </a:ln>
-        </p:spPr>
-        <p:style>
-          <a:lnRef idx="2">
-            <a:schemeClr val="accent1">
-              <a:shade val="50000"/>
-            </a:schemeClr>
-          </a:lnRef>
-          <a:fillRef idx="1">
-            <a:schemeClr val="accent1"/>
-          </a:fillRef>
-          <a:effectRef idx="0">
-            <a:schemeClr val="accent1"/>
-          </a:effectRef>
-          <a:fontRef idx="minor">
-            <a:schemeClr val="lt1"/>
-          </a:fontRef>
-        </p:style>
-        <p:txBody>
-          <a:bodyPr rtlCol="0" anchor="ctr"/>
-          <a:lstStyle/>
-          <a:p>
-            <a:pPr algn="ctr"/>
-            <a:endParaRPr lang="zh-CN" altLang="en-US">
-              <a:cs typeface="+mn-ea"/>
-              <a:sym typeface="+mn-lt"/>
-            </a:endParaRPr>
-          </a:p>
-        </p:txBody>
-      </p:sp>
-      <p:pic>
-        <p:nvPicPr>
-          <p:cNvPr id="2" name="圖片 1"/>
-          <p:cNvPicPr>
-            <a:picLocks noChangeAspect="1"/>
-          </p:cNvPicPr>
-          <p:nvPr/>
-        </p:nvPicPr>
-        <p:blipFill>
-          <a:blip r:embed="rId2">
-            <a:extLst>
-              <a:ext uri="{28A0092B-C50C-407E-A947-70E740481C1C}">
-                <a14:useLocalDpi xmlns:a14="http://schemas.microsoft.com/office/drawing/2010/main" val="0"/>
-              </a:ext>
-            </a:extLst>
-          </a:blip>
-          <a:stretch>
-            <a:fillRect/>
-          </a:stretch>
-        </p:blipFill>
-        <p:spPr>
-          <a:xfrm>
-            <a:off x="1044232" y="608411"/>
-            <a:ext cx="11060378" cy="6313000"/>
-          </a:xfrm>
-          <a:prstGeom prst="rect">
-            <a:avLst/>
-          </a:prstGeom>
-        </p:spPr>
-      </p:pic>
-    </p:spTree>
-    <p:extLst>
-      <p:ext uri="{BB962C8B-B14F-4D97-AF65-F5344CB8AC3E}">
-        <p14:creationId xmlns:p14="http://schemas.microsoft.com/office/powerpoint/2010/main" val="312416461"/>
-      </p:ext>
-    </p:extLst>
-  </p:cSld>
-  <p:clrMapOvr>
-    <a:masterClrMapping/>
-  </p:clrMapOvr>
-  <p:timing>
-    <p:tnLst>
-      <p:par>
-        <p:cTn id="1" dur="indefinite" restart="never" nodeType="tmRoot"/>
-      </p:par>
-    </p:tnLst>
-  </p:timing>
-</p:sld>
-</file>
-
-<file path=ppt/slides/slide6.xml><?xml version="1.0" encoding="utf-8"?>
-<p:sld xmlns:a="http://schemas.openxmlformats.org/drawingml/2006/main" xmlns:r="http://schemas.openxmlformats.org/officeDocument/2006/relationships" xmlns:p="http://schemas.openxmlformats.org/presentationml/2006/main">
-  <p:cSld>
-    <p:bg>
-      <p:bgPr>
-        <a:gradFill>
-          <a:gsLst>
-            <a:gs pos="0">
-              <a:schemeClr val="bg1">
-                <a:tint val="93000"/>
-                <a:satMod val="150000"/>
-                <a:shade val="98000"/>
-                <a:lumMod val="102000"/>
-              </a:schemeClr>
-            </a:gs>
-            <a:gs pos="50000">
-              <a:schemeClr val="bg1">
-                <a:tint val="98000"/>
-                <a:satMod val="130000"/>
-                <a:shade val="90000"/>
-                <a:lumMod val="103000"/>
-              </a:schemeClr>
-            </a:gs>
-            <a:gs pos="100000">
-              <a:schemeClr val="bg1">
-                <a:shade val="63000"/>
-                <a:satMod val="120000"/>
-              </a:schemeClr>
-            </a:gs>
-          </a:gsLst>
-          <a:lin ang="5400000" scaled="0"/>
-        </a:gradFill>
-        <a:effectLst/>
-      </p:bgPr>
-    </p:bg>
-    <p:spTree>
-      <p:nvGrpSpPr>
-        <p:cNvPr id="1" name=""/>
-        <p:cNvGrpSpPr/>
-        <p:nvPr/>
-      </p:nvGrpSpPr>
-      <p:grpSpPr>
-        <a:xfrm>
-          <a:off x="0" y="0"/>
-          <a:ext cx="0" cy="0"/>
-          <a:chOff x="0" y="0"/>
-          <a:chExt cx="0" cy="0"/>
-        </a:xfrm>
-      </p:grpSpPr>
-      <p:sp>
-        <p:nvSpPr>
-          <p:cNvPr id="5" name="椭圆 3"/>
-          <p:cNvSpPr/>
-          <p:nvPr/>
-        </p:nvSpPr>
-        <p:spPr>
-          <a:xfrm>
-            <a:off x="-1226820" y="-1206731"/>
-            <a:ext cx="2453640" cy="2453640"/>
-          </a:xfrm>
-          <a:prstGeom prst="ellipse">
-            <a:avLst/>
-          </a:prstGeom>
-          <a:solidFill>
-            <a:srgbClr val="48A2A0">
-              <a:alpha val="70000"/>
-            </a:srgbClr>
-          </a:solidFill>
-          <a:ln>
-            <a:noFill/>
-          </a:ln>
-        </p:spPr>
-        <p:style>
-          <a:lnRef idx="2">
-            <a:schemeClr val="accent1">
-              <a:shade val="50000"/>
-            </a:schemeClr>
-          </a:lnRef>
-          <a:fillRef idx="1">
-            <a:schemeClr val="accent1"/>
-          </a:fillRef>
-          <a:effectRef idx="0">
-            <a:schemeClr val="accent1"/>
-          </a:effectRef>
-          <a:fontRef idx="minor">
-            <a:schemeClr val="lt1"/>
-          </a:fontRef>
-        </p:style>
-        <p:txBody>
-          <a:bodyPr rtlCol="0" anchor="ctr"/>
-          <a:lstStyle/>
-          <a:p>
-            <a:pPr algn="ctr"/>
-            <a:endParaRPr lang="zh-CN" altLang="en-US">
-              <a:cs typeface="+mn-ea"/>
-              <a:sym typeface="+mn-lt"/>
-            </a:endParaRPr>
-          </a:p>
-        </p:txBody>
-      </p:sp>
-      <p:sp>
-        <p:nvSpPr>
-          <p:cNvPr id="6" name="椭圆 4"/>
-          <p:cNvSpPr/>
-          <p:nvPr/>
-        </p:nvSpPr>
-        <p:spPr>
-          <a:xfrm>
-            <a:off x="550292" y="608411"/>
-            <a:ext cx="611305" cy="556631"/>
-          </a:xfrm>
-          <a:prstGeom prst="ellipse">
-            <a:avLst/>
-          </a:prstGeom>
-          <a:solidFill>
-            <a:srgbClr val="6C92C0">
-              <a:alpha val="70000"/>
-            </a:srgbClr>
-          </a:solidFill>
-          <a:ln>
-            <a:noFill/>
-          </a:ln>
-        </p:spPr>
-        <p:style>
-          <a:lnRef idx="2">
-            <a:schemeClr val="accent1">
-              <a:shade val="50000"/>
-            </a:schemeClr>
-          </a:lnRef>
-          <a:fillRef idx="1">
-            <a:schemeClr val="accent1"/>
-          </a:fillRef>
-          <a:effectRef idx="0">
-            <a:schemeClr val="accent1"/>
-          </a:effectRef>
-          <a:fontRef idx="minor">
-            <a:schemeClr val="lt1"/>
-          </a:fontRef>
-        </p:style>
-        <p:txBody>
-          <a:bodyPr rtlCol="0" anchor="ctr"/>
-          <a:lstStyle/>
-          <a:p>
-            <a:pPr algn="ctr"/>
-            <a:endParaRPr lang="zh-CN" altLang="en-US">
-              <a:cs typeface="+mn-ea"/>
-              <a:sym typeface="+mn-lt"/>
-            </a:endParaRPr>
-          </a:p>
-        </p:txBody>
-      </p:sp>
-      <p:pic>
-        <p:nvPicPr>
-          <p:cNvPr id="8" name="圖片 7"/>
-          <p:cNvPicPr>
-            <a:picLocks noChangeAspect="1"/>
-          </p:cNvPicPr>
-          <p:nvPr/>
-        </p:nvPicPr>
-        <p:blipFill>
-          <a:blip r:embed="rId3">
-            <a:extLst>
-              <a:ext uri="{28A0092B-C50C-407E-A947-70E740481C1C}">
-                <a14:useLocalDpi xmlns:a14="http://schemas.microsoft.com/office/drawing/2010/main" val="0"/>
-              </a:ext>
-            </a:extLst>
-          </a:blip>
-          <a:stretch>
-            <a:fillRect/>
-          </a:stretch>
-        </p:blipFill>
-        <p:spPr>
-          <a:xfrm>
-            <a:off x="338903" y="99927"/>
-            <a:ext cx="11554691" cy="6777514"/>
-          </a:xfrm>
-          <a:prstGeom prst="rect">
-            <a:avLst/>
-          </a:prstGeom>
-        </p:spPr>
-      </p:pic>
-    </p:spTree>
-    <p:extLst>
-      <p:ext uri="{BB962C8B-B14F-4D97-AF65-F5344CB8AC3E}">
-        <p14:creationId xmlns:p14="http://schemas.microsoft.com/office/powerpoint/2010/main" val="3475402429"/>
-      </p:ext>
-    </p:extLst>
-  </p:cSld>
-  <p:clrMapOvr>
-    <a:masterClrMapping/>
-  </p:clrMapOvr>
-  <p:timing>
-    <p:tnLst>
-      <p:par>
-        <p:cTn id="1" dur="indefinite" restart="never" nodeType="tmRoot"/>
-      </p:par>
-    </p:tnLst>
-  </p:timing>
-</p:sld>
-</file>
-
-<file path=ppt/slides/slide7.xml><?xml version="1.0" encoding="utf-8"?>
-<p:sld xmlns:a="http://schemas.openxmlformats.org/drawingml/2006/main" xmlns:r="http://schemas.openxmlformats.org/officeDocument/2006/relationships" xmlns:p="http://schemas.openxmlformats.org/presentationml/2006/main">
-  <p:cSld>
-    <p:bg>
-      <p:bgPr>
-        <a:gradFill>
-          <a:gsLst>
-            <a:gs pos="0">
-              <a:schemeClr val="bg1">
-                <a:tint val="93000"/>
-                <a:satMod val="150000"/>
-                <a:shade val="98000"/>
-                <a:lumMod val="102000"/>
-              </a:schemeClr>
-            </a:gs>
-            <a:gs pos="50000">
-              <a:schemeClr val="bg1">
-                <a:tint val="98000"/>
-                <a:satMod val="130000"/>
-                <a:shade val="90000"/>
-                <a:lumMod val="103000"/>
-              </a:schemeClr>
-            </a:gs>
-            <a:gs pos="100000">
-              <a:schemeClr val="bg1">
-                <a:shade val="63000"/>
-                <a:satMod val="120000"/>
-              </a:schemeClr>
-            </a:gs>
-          </a:gsLst>
-          <a:lin ang="5400000" scaled="0"/>
-        </a:gradFill>
-        <a:effectLst/>
-      </p:bgPr>
-    </p:bg>
-    <p:spTree>
-      <p:nvGrpSpPr>
-        <p:cNvPr id="1" name=""/>
-        <p:cNvGrpSpPr/>
-        <p:nvPr/>
-      </p:nvGrpSpPr>
-      <p:grpSpPr>
-        <a:xfrm>
-          <a:off x="0" y="0"/>
-          <a:ext cx="0" cy="0"/>
-          <a:chOff x="0" y="0"/>
-          <a:chExt cx="0" cy="0"/>
-        </a:xfrm>
-      </p:grpSpPr>
-      <p:sp>
-        <p:nvSpPr>
-          <p:cNvPr id="5" name="椭圆 3"/>
-          <p:cNvSpPr/>
-          <p:nvPr/>
-        </p:nvSpPr>
-        <p:spPr>
-          <a:xfrm>
-            <a:off x="-1226820" y="-1206731"/>
-            <a:ext cx="2453640" cy="2453640"/>
-          </a:xfrm>
-          <a:prstGeom prst="ellipse">
-            <a:avLst/>
-          </a:prstGeom>
-          <a:solidFill>
-            <a:srgbClr val="48A2A0">
-              <a:alpha val="70000"/>
-            </a:srgbClr>
-          </a:solidFill>
-          <a:ln>
-            <a:noFill/>
-          </a:ln>
-        </p:spPr>
-        <p:style>
-          <a:lnRef idx="2">
-            <a:schemeClr val="accent1">
-              <a:shade val="50000"/>
-            </a:schemeClr>
-          </a:lnRef>
-          <a:fillRef idx="1">
-            <a:schemeClr val="accent1"/>
-          </a:fillRef>
-          <a:effectRef idx="0">
-            <a:schemeClr val="accent1"/>
-          </a:effectRef>
-          <a:fontRef idx="minor">
-            <a:schemeClr val="lt1"/>
-          </a:fontRef>
-        </p:style>
-        <p:txBody>
-          <a:bodyPr rtlCol="0" anchor="ctr"/>
-          <a:lstStyle/>
-          <a:p>
-            <a:pPr algn="ctr"/>
-            <a:endParaRPr lang="zh-CN" altLang="en-US">
-              <a:cs typeface="+mn-ea"/>
-              <a:sym typeface="+mn-lt"/>
-            </a:endParaRPr>
-          </a:p>
-        </p:txBody>
-      </p:sp>
-      <p:sp>
-        <p:nvSpPr>
-          <p:cNvPr id="6" name="椭圆 4"/>
-          <p:cNvSpPr/>
-          <p:nvPr/>
-        </p:nvSpPr>
-        <p:spPr>
-          <a:xfrm>
-            <a:off x="550292" y="608411"/>
-            <a:ext cx="611305" cy="556631"/>
-          </a:xfrm>
-          <a:prstGeom prst="ellipse">
-            <a:avLst/>
-          </a:prstGeom>
-          <a:solidFill>
-            <a:srgbClr val="6C92C0">
-              <a:alpha val="70000"/>
-            </a:srgbClr>
-          </a:solidFill>
-          <a:ln>
-            <a:noFill/>
-          </a:ln>
-        </p:spPr>
-        <p:style>
-          <a:lnRef idx="2">
-            <a:schemeClr val="accent1">
-              <a:shade val="50000"/>
-            </a:schemeClr>
-          </a:lnRef>
-          <a:fillRef idx="1">
-            <a:schemeClr val="accent1"/>
-          </a:fillRef>
-          <a:effectRef idx="0">
-            <a:schemeClr val="accent1"/>
-          </a:effectRef>
-          <a:fontRef idx="minor">
-            <a:schemeClr val="lt1"/>
-          </a:fontRef>
-        </p:style>
-        <p:txBody>
-          <a:bodyPr rtlCol="0" anchor="ctr"/>
-          <a:lstStyle/>
-          <a:p>
-            <a:pPr algn="ctr"/>
-            <a:endParaRPr lang="zh-CN" altLang="en-US">
-              <a:cs typeface="+mn-ea"/>
-              <a:sym typeface="+mn-lt"/>
-            </a:endParaRPr>
-          </a:p>
-        </p:txBody>
-      </p:sp>
-      <p:pic>
-        <p:nvPicPr>
-          <p:cNvPr id="3" name="圖片 2"/>
-          <p:cNvPicPr>
-            <a:picLocks noChangeAspect="1"/>
-          </p:cNvPicPr>
-          <p:nvPr/>
-        </p:nvPicPr>
-        <p:blipFill>
-          <a:blip r:embed="rId3">
-            <a:extLst>
-              <a:ext uri="{28A0092B-C50C-407E-A947-70E740481C1C}">
-                <a14:useLocalDpi xmlns:a14="http://schemas.microsoft.com/office/drawing/2010/main" val="0"/>
-              </a:ext>
-            </a:extLst>
-          </a:blip>
-          <a:stretch>
-            <a:fillRect/>
-          </a:stretch>
-        </p:blipFill>
-        <p:spPr>
-          <a:xfrm>
-            <a:off x="932676" y="208484"/>
-            <a:ext cx="11801121" cy="6985222"/>
-          </a:xfrm>
-          <a:prstGeom prst="rect">
-            <a:avLst/>
-          </a:prstGeom>
-        </p:spPr>
-      </p:pic>
-    </p:spTree>
-    <p:extLst>
-      <p:ext uri="{BB962C8B-B14F-4D97-AF65-F5344CB8AC3E}">
-        <p14:creationId xmlns:p14="http://schemas.microsoft.com/office/powerpoint/2010/main" val="64112945"/>
-      </p:ext>
-    </p:extLst>
-  </p:cSld>
-  <p:clrMapOvr>
-    <a:masterClrMapping/>
-  </p:clrMapOvr>
-  <p:timing>
-    <p:tnLst>
-      <p:par>
-        <p:cTn id="1" dur="indefinite" restart="never" nodeType="tmRoot"/>
-      </p:par>
-    </p:tnLst>
-  </p:timing>
-</p:sld>
-</file>
-
-<file path=ppt/slides/slide8.xml><?xml version="1.0" encoding="utf-8"?>
-<p:sld xmlns:a="http://schemas.openxmlformats.org/drawingml/2006/main" xmlns:r="http://schemas.openxmlformats.org/officeDocument/2006/relationships" xmlns:p="http://schemas.openxmlformats.org/presentationml/2006/main">
-  <p:cSld>
-    <p:bg>
-      <p:bgPr>
-        <a:gradFill>
-          <a:gsLst>
-            <a:gs pos="0">
-              <a:schemeClr val="bg1">
-                <a:tint val="93000"/>
-                <a:satMod val="150000"/>
-                <a:shade val="98000"/>
-                <a:lumMod val="102000"/>
-              </a:schemeClr>
-            </a:gs>
-            <a:gs pos="50000">
-              <a:schemeClr val="bg1">
-                <a:tint val="98000"/>
-                <a:satMod val="130000"/>
-                <a:shade val="90000"/>
-                <a:lumMod val="103000"/>
-              </a:schemeClr>
-            </a:gs>
-            <a:gs pos="100000">
-              <a:schemeClr val="bg1">
-                <a:shade val="63000"/>
-                <a:satMod val="120000"/>
-              </a:schemeClr>
-            </a:gs>
-          </a:gsLst>
-          <a:lin ang="5400000" scaled="0"/>
-        </a:gradFill>
-        <a:effectLst/>
-      </p:bgPr>
-    </p:bg>
-    <p:spTree>
-      <p:nvGrpSpPr>
-        <p:cNvPr id="1" name=""/>
-        <p:cNvGrpSpPr/>
-        <p:nvPr/>
-      </p:nvGrpSpPr>
-      <p:grpSpPr>
-        <a:xfrm>
-          <a:off x="0" y="0"/>
-          <a:ext cx="0" cy="0"/>
-          <a:chOff x="0" y="0"/>
-          <a:chExt cx="0" cy="0"/>
-        </a:xfrm>
-      </p:grpSpPr>
-      <p:sp>
-        <p:nvSpPr>
-          <p:cNvPr id="5" name="椭圆 3"/>
-          <p:cNvSpPr/>
-          <p:nvPr/>
-        </p:nvSpPr>
-        <p:spPr>
-          <a:xfrm>
-            <a:off x="-1226820" y="-1206731"/>
-            <a:ext cx="2453640" cy="2453640"/>
-          </a:xfrm>
-          <a:prstGeom prst="ellipse">
-            <a:avLst/>
-          </a:prstGeom>
-          <a:solidFill>
-            <a:srgbClr val="48A2A0">
-              <a:alpha val="70000"/>
-            </a:srgbClr>
-          </a:solidFill>
-          <a:ln>
-            <a:noFill/>
-          </a:ln>
-        </p:spPr>
-        <p:style>
-          <a:lnRef idx="2">
-            <a:schemeClr val="accent1">
-              <a:shade val="50000"/>
-            </a:schemeClr>
-          </a:lnRef>
-          <a:fillRef idx="1">
-            <a:schemeClr val="accent1"/>
-          </a:fillRef>
-          <a:effectRef idx="0">
-            <a:schemeClr val="accent1"/>
-          </a:effectRef>
-          <a:fontRef idx="minor">
-            <a:schemeClr val="lt1"/>
-          </a:fontRef>
-        </p:style>
-        <p:txBody>
-          <a:bodyPr rtlCol="0" anchor="ctr"/>
-          <a:lstStyle/>
-          <a:p>
-            <a:pPr algn="ctr"/>
-            <a:endParaRPr lang="zh-CN" altLang="en-US">
-              <a:cs typeface="+mn-ea"/>
-              <a:sym typeface="+mn-lt"/>
-            </a:endParaRPr>
-          </a:p>
-        </p:txBody>
-      </p:sp>
-      <p:sp>
-        <p:nvSpPr>
-          <p:cNvPr id="6" name="椭圆 4"/>
-          <p:cNvSpPr/>
-          <p:nvPr/>
-        </p:nvSpPr>
-        <p:spPr>
-          <a:xfrm>
-            <a:off x="550292" y="608411"/>
-            <a:ext cx="611305" cy="556631"/>
-          </a:xfrm>
-          <a:prstGeom prst="ellipse">
-            <a:avLst/>
-          </a:prstGeom>
-          <a:solidFill>
-            <a:srgbClr val="6C92C0">
-              <a:alpha val="70000"/>
-            </a:srgbClr>
-          </a:solidFill>
-          <a:ln>
-            <a:noFill/>
-          </a:ln>
-        </p:spPr>
-        <p:style>
-          <a:lnRef idx="2">
-            <a:schemeClr val="accent1">
-              <a:shade val="50000"/>
-            </a:schemeClr>
-          </a:lnRef>
-          <a:fillRef idx="1">
-            <a:schemeClr val="accent1"/>
-          </a:fillRef>
-          <a:effectRef idx="0">
-            <a:schemeClr val="accent1"/>
-          </a:effectRef>
-          <a:fontRef idx="minor">
-            <a:schemeClr val="lt1"/>
-          </a:fontRef>
-        </p:style>
-        <p:txBody>
-          <a:bodyPr rtlCol="0" anchor="ctr"/>
-          <a:lstStyle/>
-          <a:p>
-            <a:pPr algn="ctr"/>
-            <a:endParaRPr lang="zh-CN" altLang="en-US">
-              <a:cs typeface="+mn-ea"/>
-              <a:sym typeface="+mn-lt"/>
-            </a:endParaRPr>
-          </a:p>
-        </p:txBody>
-      </p:sp>
-      <p:pic>
-        <p:nvPicPr>
-          <p:cNvPr id="3" name="圖片 2"/>
-          <p:cNvPicPr>
-            <a:picLocks noChangeAspect="1"/>
-          </p:cNvPicPr>
-          <p:nvPr/>
-        </p:nvPicPr>
-        <p:blipFill>
-          <a:blip r:embed="rId2">
-            <a:extLst>
-              <a:ext uri="{28A0092B-C50C-407E-A947-70E740481C1C}">
-                <a14:useLocalDpi xmlns:a14="http://schemas.microsoft.com/office/drawing/2010/main" val="0"/>
-              </a:ext>
-            </a:extLst>
-          </a:blip>
-          <a:stretch>
-            <a:fillRect/>
-          </a:stretch>
-        </p:blipFill>
-        <p:spPr>
-          <a:xfrm>
-            <a:off x="425528" y="268566"/>
-            <a:ext cx="11706018" cy="6784464"/>
-          </a:xfrm>
-          <a:prstGeom prst="rect">
-            <a:avLst/>
-          </a:prstGeom>
-        </p:spPr>
-      </p:pic>
-    </p:spTree>
-    <p:extLst>
-      <p:ext uri="{BB962C8B-B14F-4D97-AF65-F5344CB8AC3E}">
-        <p14:creationId xmlns:p14="http://schemas.microsoft.com/office/powerpoint/2010/main" val="2132484698"/>
+        <p14:creationId xmlns:p14="http://schemas.microsoft.com/office/powerpoint/2010/main" val="743817094"/>
       </p:ext>
     </p:extLst>
   </p:cSld>
@@ -8017,28 +12444,26 @@
       </p:sp>
       <p:pic>
         <p:nvPicPr>
-          <p:cNvPr id="3" name="圖片 2"/>
-          <p:cNvPicPr>
-            <a:picLocks noChangeAspect="1"/>
+          <p:cNvPr id="8" name="圖片 7"/>
+          <p:cNvPicPr preferRelativeResize="0">
+            <a:picLocks/>
           </p:cNvPicPr>
           <p:nvPr/>
         </p:nvPicPr>
-        <p:blipFill>
-          <a:blip r:embed="rId3">
+        <p:blipFill rotWithShape="1">
+          <a:blip r:embed="rId2">
             <a:extLst>
               <a:ext uri="{28A0092B-C50C-407E-A947-70E740481C1C}">
                 <a14:useLocalDpi xmlns:a14="http://schemas.microsoft.com/office/drawing/2010/main" val="0"/>
               </a:ext>
             </a:extLst>
           </a:blip>
-          <a:stretch>
-            <a:fillRect/>
-          </a:stretch>
+          <a:stretch/>
         </p:blipFill>
         <p:spPr>
           <a:xfrm>
-            <a:off x="405299" y="0"/>
-            <a:ext cx="12229890" cy="6872548"/>
+            <a:off x="855944" y="173182"/>
+            <a:ext cx="11336057" cy="6684817"/>
           </a:xfrm>
           <a:prstGeom prst="rect">
             <a:avLst/>
@@ -8048,7 +12473,7 @@
     </p:spTree>
     <p:extLst>
       <p:ext uri="{BB962C8B-B14F-4D97-AF65-F5344CB8AC3E}">
-        <p14:creationId xmlns:p14="http://schemas.microsoft.com/office/powerpoint/2010/main" val="243581055"/>
+        <p14:creationId xmlns:p14="http://schemas.microsoft.com/office/powerpoint/2010/main" val="120313201"/>
       </p:ext>
     </p:extLst>
   </p:cSld>
